--- a/hw01.pptx
+++ b/hw01.pptx
@@ -2,18 +2,28 @@
 <file path=ppt/presentation.xml><?xml version="1.0" encoding="utf-8"?>
 <p:presentation xmlns:a="http://schemas.openxmlformats.org/drawingml/2006/main" xmlns:r="http://schemas.openxmlformats.org/officeDocument/2006/relationships" xmlns:p="http://schemas.openxmlformats.org/presentationml/2006/main" saveSubsetFonts="1">
   <p:sldMasterIdLst>
-    <p:sldMasterId id="2147483648" r:id="rId1"/>
+    <p:sldMasterId id="2147483660" r:id="rId1"/>
   </p:sldMasterIdLst>
+  <p:notesMasterIdLst>
+    <p:notesMasterId r:id="rId10"/>
+  </p:notesMasterIdLst>
   <p:sldIdLst>
-    <p:sldId id="256" r:id="rId2"/>
+    <p:sldId id="264" r:id="rId2"/>
+    <p:sldId id="257" r:id="rId3"/>
+    <p:sldId id="258" r:id="rId4"/>
+    <p:sldId id="259" r:id="rId5"/>
+    <p:sldId id="260" r:id="rId6"/>
+    <p:sldId id="261" r:id="rId7"/>
+    <p:sldId id="262" r:id="rId8"/>
+    <p:sldId id="263" r:id="rId9"/>
   </p:sldIdLst>
   <p:sldSz cx="12192000" cy="6858000"/>
   <p:notesSz cx="6858000" cy="9144000"/>
   <p:defaultTextStyle>
     <a:defPPr>
-      <a:defRPr lang="zh-TW"/>
+      <a:defRPr lang="en-US"/>
     </a:defPPr>
-    <a:lvl1pPr marL="0" algn="l" defTabSz="914400" rtl="0" eaLnBrk="1" latinLnBrk="0" hangingPunct="1">
+    <a:lvl1pPr marL="0" algn="l" defTabSz="457200" rtl="0" eaLnBrk="1" latinLnBrk="0" hangingPunct="1">
       <a:defRPr sz="1800" kern="1200">
         <a:solidFill>
           <a:schemeClr val="tx1"/>
@@ -23,7 +33,7 @@
         <a:cs typeface="+mn-cs"/>
       </a:defRPr>
     </a:lvl1pPr>
-    <a:lvl2pPr marL="457200" algn="l" defTabSz="914400" rtl="0" eaLnBrk="1" latinLnBrk="0" hangingPunct="1">
+    <a:lvl2pPr marL="457200" algn="l" defTabSz="457200" rtl="0" eaLnBrk="1" latinLnBrk="0" hangingPunct="1">
       <a:defRPr sz="1800" kern="1200">
         <a:solidFill>
           <a:schemeClr val="tx1"/>
@@ -33,7 +43,7 @@
         <a:cs typeface="+mn-cs"/>
       </a:defRPr>
     </a:lvl2pPr>
-    <a:lvl3pPr marL="914400" algn="l" defTabSz="914400" rtl="0" eaLnBrk="1" latinLnBrk="0" hangingPunct="1">
+    <a:lvl3pPr marL="914400" algn="l" defTabSz="457200" rtl="0" eaLnBrk="1" latinLnBrk="0" hangingPunct="1">
       <a:defRPr sz="1800" kern="1200">
         <a:solidFill>
           <a:schemeClr val="tx1"/>
@@ -43,7 +53,7 @@
         <a:cs typeface="+mn-cs"/>
       </a:defRPr>
     </a:lvl3pPr>
-    <a:lvl4pPr marL="1371600" algn="l" defTabSz="914400" rtl="0" eaLnBrk="1" latinLnBrk="0" hangingPunct="1">
+    <a:lvl4pPr marL="1371600" algn="l" defTabSz="457200" rtl="0" eaLnBrk="1" latinLnBrk="0" hangingPunct="1">
       <a:defRPr sz="1800" kern="1200">
         <a:solidFill>
           <a:schemeClr val="tx1"/>
@@ -53,7 +63,7 @@
         <a:cs typeface="+mn-cs"/>
       </a:defRPr>
     </a:lvl4pPr>
-    <a:lvl5pPr marL="1828800" algn="l" defTabSz="914400" rtl="0" eaLnBrk="1" latinLnBrk="0" hangingPunct="1">
+    <a:lvl5pPr marL="1828800" algn="l" defTabSz="457200" rtl="0" eaLnBrk="1" latinLnBrk="0" hangingPunct="1">
       <a:defRPr sz="1800" kern="1200">
         <a:solidFill>
           <a:schemeClr val="tx1"/>
@@ -63,7 +73,7 @@
         <a:cs typeface="+mn-cs"/>
       </a:defRPr>
     </a:lvl5pPr>
-    <a:lvl6pPr marL="2286000" algn="l" defTabSz="914400" rtl="0" eaLnBrk="1" latinLnBrk="0" hangingPunct="1">
+    <a:lvl6pPr marL="2286000" algn="l" defTabSz="457200" rtl="0" eaLnBrk="1" latinLnBrk="0" hangingPunct="1">
       <a:defRPr sz="1800" kern="1200">
         <a:solidFill>
           <a:schemeClr val="tx1"/>
@@ -73,7 +83,7 @@
         <a:cs typeface="+mn-cs"/>
       </a:defRPr>
     </a:lvl6pPr>
-    <a:lvl7pPr marL="2743200" algn="l" defTabSz="914400" rtl="0" eaLnBrk="1" latinLnBrk="0" hangingPunct="1">
+    <a:lvl7pPr marL="2743200" algn="l" defTabSz="457200" rtl="0" eaLnBrk="1" latinLnBrk="0" hangingPunct="1">
       <a:defRPr sz="1800" kern="1200">
         <a:solidFill>
           <a:schemeClr val="tx1"/>
@@ -83,7 +93,7 @@
         <a:cs typeface="+mn-cs"/>
       </a:defRPr>
     </a:lvl7pPr>
-    <a:lvl8pPr marL="3200400" algn="l" defTabSz="914400" rtl="0" eaLnBrk="1" latinLnBrk="0" hangingPunct="1">
+    <a:lvl8pPr marL="3200400" algn="l" defTabSz="457200" rtl="0" eaLnBrk="1" latinLnBrk="0" hangingPunct="1">
       <a:defRPr sz="1800" kern="1200">
         <a:solidFill>
           <a:schemeClr val="tx1"/>
@@ -93,7 +103,7 @@
         <a:cs typeface="+mn-cs"/>
       </a:defRPr>
     </a:lvl8pPr>
-    <a:lvl9pPr marL="3657600" algn="l" defTabSz="914400" rtl="0" eaLnBrk="1" latinLnBrk="0" hangingPunct="1">
+    <a:lvl9pPr marL="3657600" algn="l" defTabSz="457200" rtl="0" eaLnBrk="1" latinLnBrk="0" hangingPunct="1">
       <a:defRPr sz="1800" kern="1200">
         <a:solidFill>
           <a:schemeClr val="tx1"/>
@@ -105,6 +115,1150 @@
     </a:lvl9pPr>
   </p:defaultTextStyle>
 </p:presentation>
+</file>
+
+<file path=ppt/notesMasters/notesMaster1.xml><?xml version="1.0" encoding="utf-8"?>
+<p:notesMaster xmlns:a="http://schemas.openxmlformats.org/drawingml/2006/main" xmlns:r="http://schemas.openxmlformats.org/officeDocument/2006/relationships" xmlns:p="http://schemas.openxmlformats.org/presentationml/2006/main">
+  <p:cSld>
+    <p:bg>
+      <p:bgRef idx="1001">
+        <a:schemeClr val="bg1"/>
+      </p:bgRef>
+    </p:bg>
+    <p:spTree>
+      <p:nvGrpSpPr>
+        <p:cNvPr id="1" name=""/>
+        <p:cNvGrpSpPr/>
+        <p:nvPr/>
+      </p:nvGrpSpPr>
+      <p:grpSpPr>
+        <a:xfrm>
+          <a:off x="0" y="0"/>
+          <a:ext cx="0" cy="0"/>
+          <a:chOff x="0" y="0"/>
+          <a:chExt cx="0" cy="0"/>
+        </a:xfrm>
+      </p:grpSpPr>
+      <p:sp>
+        <p:nvSpPr>
+          <p:cNvPr id="2" name="頁首版面配置區 1"/>
+          <p:cNvSpPr>
+            <a:spLocks noGrp="1"/>
+          </p:cNvSpPr>
+          <p:nvPr>
+            <p:ph type="hdr" sz="quarter"/>
+          </p:nvPr>
+        </p:nvSpPr>
+        <p:spPr>
+          <a:xfrm>
+            <a:off x="0" y="0"/>
+            <a:ext cx="2971800" cy="458788"/>
+          </a:xfrm>
+          <a:prstGeom prst="rect">
+            <a:avLst/>
+          </a:prstGeom>
+        </p:spPr>
+        <p:txBody>
+          <a:bodyPr vert="horz" lIns="91440" tIns="45720" rIns="91440" bIns="45720" rtlCol="0"/>
+          <a:lstStyle>
+            <a:lvl1pPr algn="l">
+              <a:defRPr sz="1200"/>
+            </a:lvl1pPr>
+          </a:lstStyle>
+          <a:p>
+            <a:endParaRPr lang="zh-TW" altLang="en-US"/>
+          </a:p>
+        </p:txBody>
+      </p:sp>
+      <p:sp>
+        <p:nvSpPr>
+          <p:cNvPr id="3" name="日期版面配置區 2"/>
+          <p:cNvSpPr>
+            <a:spLocks noGrp="1"/>
+          </p:cNvSpPr>
+          <p:nvPr>
+            <p:ph type="dt" idx="1"/>
+          </p:nvPr>
+        </p:nvSpPr>
+        <p:spPr>
+          <a:xfrm>
+            <a:off x="3884613" y="0"/>
+            <a:ext cx="2971800" cy="458788"/>
+          </a:xfrm>
+          <a:prstGeom prst="rect">
+            <a:avLst/>
+          </a:prstGeom>
+        </p:spPr>
+        <p:txBody>
+          <a:bodyPr vert="horz" lIns="91440" tIns="45720" rIns="91440" bIns="45720" rtlCol="0"/>
+          <a:lstStyle>
+            <a:lvl1pPr algn="r">
+              <a:defRPr sz="1200"/>
+            </a:lvl1pPr>
+          </a:lstStyle>
+          <a:p>
+            <a:fld id="{A70862DB-948C-4F2E-A21F-9E0727615C6F}" type="datetimeFigureOut">
+              <a:rPr lang="zh-TW" altLang="en-US" smtClean="0"/>
+              <a:t>2024/10/30</a:t>
+            </a:fld>
+            <a:endParaRPr lang="zh-TW" altLang="en-US"/>
+          </a:p>
+        </p:txBody>
+      </p:sp>
+      <p:sp>
+        <p:nvSpPr>
+          <p:cNvPr id="4" name="投影片影像版面配置區 3"/>
+          <p:cNvSpPr>
+            <a:spLocks noGrp="1" noRot="1" noChangeAspect="1"/>
+          </p:cNvSpPr>
+          <p:nvPr>
+            <p:ph type="sldImg" idx="2"/>
+          </p:nvPr>
+        </p:nvSpPr>
+        <p:spPr>
+          <a:xfrm>
+            <a:off x="685800" y="1143000"/>
+            <a:ext cx="5486400" cy="3086100"/>
+          </a:xfrm>
+          <a:prstGeom prst="rect">
+            <a:avLst/>
+          </a:prstGeom>
+          <a:noFill/>
+          <a:ln w="12700">
+            <a:solidFill>
+              <a:prstClr val="black"/>
+            </a:solidFill>
+          </a:ln>
+        </p:spPr>
+        <p:txBody>
+          <a:bodyPr vert="horz" lIns="91440" tIns="45720" rIns="91440" bIns="45720" rtlCol="0" anchor="ctr"/>
+          <a:lstStyle/>
+          <a:p>
+            <a:endParaRPr lang="zh-TW" altLang="en-US"/>
+          </a:p>
+        </p:txBody>
+      </p:sp>
+      <p:sp>
+        <p:nvSpPr>
+          <p:cNvPr id="5" name="備忘稿版面配置區 4"/>
+          <p:cNvSpPr>
+            <a:spLocks noGrp="1"/>
+          </p:cNvSpPr>
+          <p:nvPr>
+            <p:ph type="body" sz="quarter" idx="3"/>
+          </p:nvPr>
+        </p:nvSpPr>
+        <p:spPr>
+          <a:xfrm>
+            <a:off x="685800" y="4400550"/>
+            <a:ext cx="5486400" cy="3600450"/>
+          </a:xfrm>
+          <a:prstGeom prst="rect">
+            <a:avLst/>
+          </a:prstGeom>
+        </p:spPr>
+        <p:txBody>
+          <a:bodyPr vert="horz" lIns="91440" tIns="45720" rIns="91440" bIns="45720" rtlCol="0"/>
+          <a:lstStyle/>
+          <a:p>
+            <a:pPr lvl="0"/>
+            <a:r>
+              <a:rPr lang="zh-TW" altLang="en-US"/>
+              <a:t>按一下以編輯母片文字樣式</a:t>
+            </a:r>
+          </a:p>
+          <a:p>
+            <a:pPr lvl="1"/>
+            <a:r>
+              <a:rPr lang="zh-TW" altLang="en-US"/>
+              <a:t>第二層</a:t>
+            </a:r>
+          </a:p>
+          <a:p>
+            <a:pPr lvl="2"/>
+            <a:r>
+              <a:rPr lang="zh-TW" altLang="en-US"/>
+              <a:t>第三層</a:t>
+            </a:r>
+          </a:p>
+          <a:p>
+            <a:pPr lvl="3"/>
+            <a:r>
+              <a:rPr lang="zh-TW" altLang="en-US"/>
+              <a:t>第四層</a:t>
+            </a:r>
+          </a:p>
+          <a:p>
+            <a:pPr lvl="4"/>
+            <a:r>
+              <a:rPr lang="zh-TW" altLang="en-US"/>
+              <a:t>第五層</a:t>
+            </a:r>
+          </a:p>
+        </p:txBody>
+      </p:sp>
+      <p:sp>
+        <p:nvSpPr>
+          <p:cNvPr id="6" name="頁尾版面配置區 5"/>
+          <p:cNvSpPr>
+            <a:spLocks noGrp="1"/>
+          </p:cNvSpPr>
+          <p:nvPr>
+            <p:ph type="ftr" sz="quarter" idx="4"/>
+          </p:nvPr>
+        </p:nvSpPr>
+        <p:spPr>
+          <a:xfrm>
+            <a:off x="0" y="8685213"/>
+            <a:ext cx="2971800" cy="458787"/>
+          </a:xfrm>
+          <a:prstGeom prst="rect">
+            <a:avLst/>
+          </a:prstGeom>
+        </p:spPr>
+        <p:txBody>
+          <a:bodyPr vert="horz" lIns="91440" tIns="45720" rIns="91440" bIns="45720" rtlCol="0" anchor="b"/>
+          <a:lstStyle>
+            <a:lvl1pPr algn="l">
+              <a:defRPr sz="1200"/>
+            </a:lvl1pPr>
+          </a:lstStyle>
+          <a:p>
+            <a:endParaRPr lang="zh-TW" altLang="en-US"/>
+          </a:p>
+        </p:txBody>
+      </p:sp>
+      <p:sp>
+        <p:nvSpPr>
+          <p:cNvPr id="7" name="投影片編號版面配置區 6"/>
+          <p:cNvSpPr>
+            <a:spLocks noGrp="1"/>
+          </p:cNvSpPr>
+          <p:nvPr>
+            <p:ph type="sldNum" sz="quarter" idx="5"/>
+          </p:nvPr>
+        </p:nvSpPr>
+        <p:spPr>
+          <a:xfrm>
+            <a:off x="3884613" y="8685213"/>
+            <a:ext cx="2971800" cy="458787"/>
+          </a:xfrm>
+          <a:prstGeom prst="rect">
+            <a:avLst/>
+          </a:prstGeom>
+        </p:spPr>
+        <p:txBody>
+          <a:bodyPr vert="horz" lIns="91440" tIns="45720" rIns="91440" bIns="45720" rtlCol="0" anchor="b"/>
+          <a:lstStyle>
+            <a:lvl1pPr algn="r">
+              <a:defRPr sz="1200"/>
+            </a:lvl1pPr>
+          </a:lstStyle>
+          <a:p>
+            <a:fld id="{A0E3B740-79A0-4158-AB68-1C340532A84D}" type="slidenum">
+              <a:rPr lang="zh-TW" altLang="en-US" smtClean="0"/>
+              <a:t>‹#›</a:t>
+            </a:fld>
+            <a:endParaRPr lang="zh-TW" altLang="en-US"/>
+          </a:p>
+        </p:txBody>
+      </p:sp>
+    </p:spTree>
+    <p:extLst>
+      <p:ext uri="{BB962C8B-B14F-4D97-AF65-F5344CB8AC3E}">
+        <p14:creationId xmlns:p14="http://schemas.microsoft.com/office/powerpoint/2010/main" val="1829307210"/>
+      </p:ext>
+    </p:extLst>
+  </p:cSld>
+  <p:clrMap bg1="lt1" tx1="dk1" bg2="lt2" tx2="dk2" accent1="accent1" accent2="accent2" accent3="accent3" accent4="accent4" accent5="accent5" accent6="accent6" hlink="hlink" folHlink="folHlink"/>
+  <p:notesStyle>
+    <a:lvl1pPr marL="0" algn="l" defTabSz="914400" rtl="0" eaLnBrk="1" latinLnBrk="0" hangingPunct="1">
+      <a:defRPr sz="1200" kern="1200">
+        <a:solidFill>
+          <a:schemeClr val="tx1"/>
+        </a:solidFill>
+        <a:latin typeface="+mn-lt"/>
+        <a:ea typeface="+mn-ea"/>
+        <a:cs typeface="+mn-cs"/>
+      </a:defRPr>
+    </a:lvl1pPr>
+    <a:lvl2pPr marL="457200" algn="l" defTabSz="914400" rtl="0" eaLnBrk="1" latinLnBrk="0" hangingPunct="1">
+      <a:defRPr sz="1200" kern="1200">
+        <a:solidFill>
+          <a:schemeClr val="tx1"/>
+        </a:solidFill>
+        <a:latin typeface="+mn-lt"/>
+        <a:ea typeface="+mn-ea"/>
+        <a:cs typeface="+mn-cs"/>
+      </a:defRPr>
+    </a:lvl2pPr>
+    <a:lvl3pPr marL="914400" algn="l" defTabSz="914400" rtl="0" eaLnBrk="1" latinLnBrk="0" hangingPunct="1">
+      <a:defRPr sz="1200" kern="1200">
+        <a:solidFill>
+          <a:schemeClr val="tx1"/>
+        </a:solidFill>
+        <a:latin typeface="+mn-lt"/>
+        <a:ea typeface="+mn-ea"/>
+        <a:cs typeface="+mn-cs"/>
+      </a:defRPr>
+    </a:lvl3pPr>
+    <a:lvl4pPr marL="1371600" algn="l" defTabSz="914400" rtl="0" eaLnBrk="1" latinLnBrk="0" hangingPunct="1">
+      <a:defRPr sz="1200" kern="1200">
+        <a:solidFill>
+          <a:schemeClr val="tx1"/>
+        </a:solidFill>
+        <a:latin typeface="+mn-lt"/>
+        <a:ea typeface="+mn-ea"/>
+        <a:cs typeface="+mn-cs"/>
+      </a:defRPr>
+    </a:lvl4pPr>
+    <a:lvl5pPr marL="1828800" algn="l" defTabSz="914400" rtl="0" eaLnBrk="1" latinLnBrk="0" hangingPunct="1">
+      <a:defRPr sz="1200" kern="1200">
+        <a:solidFill>
+          <a:schemeClr val="tx1"/>
+        </a:solidFill>
+        <a:latin typeface="+mn-lt"/>
+        <a:ea typeface="+mn-ea"/>
+        <a:cs typeface="+mn-cs"/>
+      </a:defRPr>
+    </a:lvl5pPr>
+    <a:lvl6pPr marL="2286000" algn="l" defTabSz="914400" rtl="0" eaLnBrk="1" latinLnBrk="0" hangingPunct="1">
+      <a:defRPr sz="1200" kern="1200">
+        <a:solidFill>
+          <a:schemeClr val="tx1"/>
+        </a:solidFill>
+        <a:latin typeface="+mn-lt"/>
+        <a:ea typeface="+mn-ea"/>
+        <a:cs typeface="+mn-cs"/>
+      </a:defRPr>
+    </a:lvl6pPr>
+    <a:lvl7pPr marL="2743200" algn="l" defTabSz="914400" rtl="0" eaLnBrk="1" latinLnBrk="0" hangingPunct="1">
+      <a:defRPr sz="1200" kern="1200">
+        <a:solidFill>
+          <a:schemeClr val="tx1"/>
+        </a:solidFill>
+        <a:latin typeface="+mn-lt"/>
+        <a:ea typeface="+mn-ea"/>
+        <a:cs typeface="+mn-cs"/>
+      </a:defRPr>
+    </a:lvl7pPr>
+    <a:lvl8pPr marL="3200400" algn="l" defTabSz="914400" rtl="0" eaLnBrk="1" latinLnBrk="0" hangingPunct="1">
+      <a:defRPr sz="1200" kern="1200">
+        <a:solidFill>
+          <a:schemeClr val="tx1"/>
+        </a:solidFill>
+        <a:latin typeface="+mn-lt"/>
+        <a:ea typeface="+mn-ea"/>
+        <a:cs typeface="+mn-cs"/>
+      </a:defRPr>
+    </a:lvl8pPr>
+    <a:lvl9pPr marL="3657600" algn="l" defTabSz="914400" rtl="0" eaLnBrk="1" latinLnBrk="0" hangingPunct="1">
+      <a:defRPr sz="1200" kern="1200">
+        <a:solidFill>
+          <a:schemeClr val="tx1"/>
+        </a:solidFill>
+        <a:latin typeface="+mn-lt"/>
+        <a:ea typeface="+mn-ea"/>
+        <a:cs typeface="+mn-cs"/>
+      </a:defRPr>
+    </a:lvl9pPr>
+  </p:notesStyle>
+</p:notesMaster>
+</file>
+
+<file path=ppt/notesSlides/notesSlide1.xml><?xml version="1.0" encoding="utf-8"?>
+<p:notes xmlns:a="http://schemas.openxmlformats.org/drawingml/2006/main" xmlns:r="http://schemas.openxmlformats.org/officeDocument/2006/relationships" xmlns:p="http://schemas.openxmlformats.org/presentationml/2006/main">
+  <p:cSld>
+    <p:spTree>
+      <p:nvGrpSpPr>
+        <p:cNvPr id="1" name=""/>
+        <p:cNvGrpSpPr/>
+        <p:nvPr/>
+      </p:nvGrpSpPr>
+      <p:grpSpPr>
+        <a:xfrm>
+          <a:off x="0" y="0"/>
+          <a:ext cx="0" cy="0"/>
+          <a:chOff x="0" y="0"/>
+          <a:chExt cx="0" cy="0"/>
+        </a:xfrm>
+      </p:grpSpPr>
+      <p:sp>
+        <p:nvSpPr>
+          <p:cNvPr id="2" name="投影片影像版面配置區 1"/>
+          <p:cNvSpPr>
+            <a:spLocks noGrp="1" noRot="1" noChangeAspect="1"/>
+          </p:cNvSpPr>
+          <p:nvPr>
+            <p:ph type="sldImg"/>
+          </p:nvPr>
+        </p:nvSpPr>
+        <p:spPr/>
+      </p:sp>
+      <p:sp>
+        <p:nvSpPr>
+          <p:cNvPr id="3" name="備忘稿版面配置區 2"/>
+          <p:cNvSpPr>
+            <a:spLocks noGrp="1"/>
+          </p:cNvSpPr>
+          <p:nvPr>
+            <p:ph type="body" idx="1"/>
+          </p:nvPr>
+        </p:nvSpPr>
+        <p:spPr/>
+        <p:txBody>
+          <a:bodyPr/>
+          <a:lstStyle/>
+          <a:p>
+            <a:pPr marL="0" marR="0" lvl="0" indent="0" algn="l" defTabSz="914400" rtl="0" eaLnBrk="1" fontAlgn="auto" latinLnBrk="0" hangingPunct="1">
+              <a:lnSpc>
+                <a:spcPct val="100000"/>
+              </a:lnSpc>
+              <a:spcBef>
+                <a:spcPts val="0"/>
+              </a:spcBef>
+              <a:spcAft>
+                <a:spcPts val="0"/>
+              </a:spcAft>
+              <a:buClrTx/>
+              <a:buSzTx/>
+              <a:buFontTx/>
+              <a:buNone/>
+              <a:tabLst/>
+              <a:defRPr/>
+            </a:pPr>
+            <a:r>
+              <a:rPr lang="zh-TW" altLang="en-US" dirty="0"/>
+              <a:t>主角謎露憧憬著成為一個熱門的</a:t>
+            </a:r>
+            <a:r>
+              <a:rPr lang="en-US" altLang="zh-TW" dirty="0" err="1"/>
+              <a:t>Vtuber</a:t>
+            </a:r>
+            <a:r>
+              <a:rPr lang="zh-TW" altLang="en-US" dirty="0"/>
+              <a:t>，是一個年輕的男孩，有著凌亂的銀髮和引人注目的藍眼睛，站在夜晚的城市街道上。他穿著藍白相間的連帽夾克和黑色襯衫，脖子上戴著藍色的大耳機。背景以柔和發光的路燈和霓虹燈為特色，營造出充滿活力、大氣的城市景觀。潮濕的路面反射出彩色的燈光，增強了場景的深度和情緒。</a:t>
+            </a:r>
+          </a:p>
+          <a:p>
+            <a:endParaRPr lang="zh-TW" altLang="en-US" dirty="0"/>
+          </a:p>
+        </p:txBody>
+      </p:sp>
+      <p:sp>
+        <p:nvSpPr>
+          <p:cNvPr id="4" name="投影片編號版面配置區 3"/>
+          <p:cNvSpPr>
+            <a:spLocks noGrp="1"/>
+          </p:cNvSpPr>
+          <p:nvPr>
+            <p:ph type="sldNum" sz="quarter" idx="5"/>
+          </p:nvPr>
+        </p:nvSpPr>
+        <p:spPr/>
+        <p:txBody>
+          <a:bodyPr/>
+          <a:lstStyle/>
+          <a:p>
+            <a:fld id="{A0E3B740-79A0-4158-AB68-1C340532A84D}" type="slidenum">
+              <a:rPr lang="zh-TW" altLang="en-US" smtClean="0"/>
+              <a:t>2</a:t>
+            </a:fld>
+            <a:endParaRPr lang="zh-TW" altLang="en-US"/>
+          </a:p>
+        </p:txBody>
+      </p:sp>
+    </p:spTree>
+    <p:extLst>
+      <p:ext uri="{BB962C8B-B14F-4D97-AF65-F5344CB8AC3E}">
+        <p14:creationId xmlns:p14="http://schemas.microsoft.com/office/powerpoint/2010/main" val="3258997294"/>
+      </p:ext>
+    </p:extLst>
+  </p:cSld>
+  <p:clrMapOvr>
+    <a:masterClrMapping/>
+  </p:clrMapOvr>
+</p:notes>
+</file>
+
+<file path=ppt/notesSlides/notesSlide2.xml><?xml version="1.0" encoding="utf-8"?>
+<p:notes xmlns:a="http://schemas.openxmlformats.org/drawingml/2006/main" xmlns:r="http://schemas.openxmlformats.org/officeDocument/2006/relationships" xmlns:p="http://schemas.openxmlformats.org/presentationml/2006/main">
+  <p:cSld>
+    <p:spTree>
+      <p:nvGrpSpPr>
+        <p:cNvPr id="1" name="">
+          <a:extLst>
+            <a:ext uri="{FF2B5EF4-FFF2-40B4-BE49-F238E27FC236}">
+              <a16:creationId xmlns:a16="http://schemas.microsoft.com/office/drawing/2014/main" id="{18C8356B-6F72-4520-50CF-54B9EADB1614}"/>
+            </a:ext>
+          </a:extLst>
+        </p:cNvPr>
+        <p:cNvGrpSpPr/>
+        <p:nvPr/>
+      </p:nvGrpSpPr>
+      <p:grpSpPr>
+        <a:xfrm>
+          <a:off x="0" y="0"/>
+          <a:ext cx="0" cy="0"/>
+          <a:chOff x="0" y="0"/>
+          <a:chExt cx="0" cy="0"/>
+        </a:xfrm>
+      </p:grpSpPr>
+      <p:sp>
+        <p:nvSpPr>
+          <p:cNvPr id="2" name="投影片影像版面配置區 1">
+            <a:extLst>
+              <a:ext uri="{FF2B5EF4-FFF2-40B4-BE49-F238E27FC236}">
+                <a16:creationId xmlns:a16="http://schemas.microsoft.com/office/drawing/2014/main" id="{065DAD44-6CB8-3A24-61E1-A8C20A316530}"/>
+              </a:ext>
+            </a:extLst>
+          </p:cNvPr>
+          <p:cNvSpPr>
+            <a:spLocks noGrp="1" noRot="1" noChangeAspect="1"/>
+          </p:cNvSpPr>
+          <p:nvPr>
+            <p:ph type="sldImg"/>
+          </p:nvPr>
+        </p:nvSpPr>
+        <p:spPr/>
+      </p:sp>
+      <p:sp>
+        <p:nvSpPr>
+          <p:cNvPr id="3" name="備忘稿版面配置區 2">
+            <a:extLst>
+              <a:ext uri="{FF2B5EF4-FFF2-40B4-BE49-F238E27FC236}">
+                <a16:creationId xmlns:a16="http://schemas.microsoft.com/office/drawing/2014/main" id="{62058109-08C4-9C37-61F9-7F9D4F2B4593}"/>
+              </a:ext>
+            </a:extLst>
+          </p:cNvPr>
+          <p:cNvSpPr>
+            <a:spLocks noGrp="1"/>
+          </p:cNvSpPr>
+          <p:nvPr>
+            <p:ph type="body" idx="1"/>
+          </p:nvPr>
+        </p:nvSpPr>
+        <p:spPr/>
+        <p:txBody>
+          <a:bodyPr/>
+          <a:lstStyle/>
+          <a:p>
+            <a:pPr algn="just"/>
+            <a:r>
+              <a:rPr lang="zh-TW" altLang="en-US" dirty="0"/>
+              <a:t>主角謎露因為自己的個性內性而對未來感到焦慮，有著蓬亂的淺藍色頭髮和明亮的藍色眼睛，坐在夜晚的城市背景下。他穿著一件帶帽的白色運動衫，裡面穿著一件藍色點綴的黑色夾克，耳朵上戴著大耳機。色彩繽紛的霓虹燈和柔和的發光燈光照亮了整個場景，營造出充滿活力的城市氛圍。人物表情沉思，在熱鬧的環境中增強了內省的情緒。</a:t>
+            </a:r>
+          </a:p>
+        </p:txBody>
+      </p:sp>
+      <p:sp>
+        <p:nvSpPr>
+          <p:cNvPr id="4" name="投影片編號版面配置區 3">
+            <a:extLst>
+              <a:ext uri="{FF2B5EF4-FFF2-40B4-BE49-F238E27FC236}">
+                <a16:creationId xmlns:a16="http://schemas.microsoft.com/office/drawing/2014/main" id="{555D8A54-9FCD-D630-C4F7-657BF17F4594}"/>
+              </a:ext>
+            </a:extLst>
+          </p:cNvPr>
+          <p:cNvSpPr>
+            <a:spLocks noGrp="1"/>
+          </p:cNvSpPr>
+          <p:nvPr>
+            <p:ph type="sldNum" sz="quarter" idx="5"/>
+          </p:nvPr>
+        </p:nvSpPr>
+        <p:spPr/>
+        <p:txBody>
+          <a:bodyPr/>
+          <a:lstStyle/>
+          <a:p>
+            <a:fld id="{A0E3B740-79A0-4158-AB68-1C340532A84D}" type="slidenum">
+              <a:rPr lang="zh-TW" altLang="en-US" smtClean="0"/>
+              <a:t>3</a:t>
+            </a:fld>
+            <a:endParaRPr lang="zh-TW" altLang="en-US"/>
+          </a:p>
+        </p:txBody>
+      </p:sp>
+    </p:spTree>
+    <p:extLst>
+      <p:ext uri="{BB962C8B-B14F-4D97-AF65-F5344CB8AC3E}">
+        <p14:creationId xmlns:p14="http://schemas.microsoft.com/office/powerpoint/2010/main" val="3511963598"/>
+      </p:ext>
+    </p:extLst>
+  </p:cSld>
+  <p:clrMapOvr>
+    <a:masterClrMapping/>
+  </p:clrMapOvr>
+</p:notes>
+</file>
+
+<file path=ppt/notesSlides/notesSlide3.xml><?xml version="1.0" encoding="utf-8"?>
+<p:notes xmlns:a="http://schemas.openxmlformats.org/drawingml/2006/main" xmlns:r="http://schemas.openxmlformats.org/officeDocument/2006/relationships" xmlns:p="http://schemas.openxmlformats.org/presentationml/2006/main">
+  <p:cSld>
+    <p:spTree>
+      <p:nvGrpSpPr>
+        <p:cNvPr id="1" name="">
+          <a:extLst>
+            <a:ext uri="{FF2B5EF4-FFF2-40B4-BE49-F238E27FC236}">
+              <a16:creationId xmlns:a16="http://schemas.microsoft.com/office/drawing/2014/main" id="{8FBA0825-3A3C-E2E3-92A0-4992D7F4660A}"/>
+            </a:ext>
+          </a:extLst>
+        </p:cNvPr>
+        <p:cNvGrpSpPr/>
+        <p:nvPr/>
+      </p:nvGrpSpPr>
+      <p:grpSpPr>
+        <a:xfrm>
+          <a:off x="0" y="0"/>
+          <a:ext cx="0" cy="0"/>
+          <a:chOff x="0" y="0"/>
+          <a:chExt cx="0" cy="0"/>
+        </a:xfrm>
+      </p:grpSpPr>
+      <p:sp>
+        <p:nvSpPr>
+          <p:cNvPr id="2" name="投影片影像版面配置區 1">
+            <a:extLst>
+              <a:ext uri="{FF2B5EF4-FFF2-40B4-BE49-F238E27FC236}">
+                <a16:creationId xmlns:a16="http://schemas.microsoft.com/office/drawing/2014/main" id="{542847D3-57D8-BB45-29FF-A59342FCACA4}"/>
+              </a:ext>
+            </a:extLst>
+          </p:cNvPr>
+          <p:cNvSpPr>
+            <a:spLocks noGrp="1" noRot="1" noChangeAspect="1"/>
+          </p:cNvSpPr>
+          <p:nvPr>
+            <p:ph type="sldImg"/>
+          </p:nvPr>
+        </p:nvSpPr>
+        <p:spPr/>
+      </p:sp>
+      <p:sp>
+        <p:nvSpPr>
+          <p:cNvPr id="3" name="備忘稿版面配置區 2">
+            <a:extLst>
+              <a:ext uri="{FF2B5EF4-FFF2-40B4-BE49-F238E27FC236}">
+                <a16:creationId xmlns:a16="http://schemas.microsoft.com/office/drawing/2014/main" id="{EB6FE4A2-DBCC-0A70-3BDB-892C702B6914}"/>
+              </a:ext>
+            </a:extLst>
+          </p:cNvPr>
+          <p:cNvSpPr>
+            <a:spLocks noGrp="1"/>
+          </p:cNvSpPr>
+          <p:nvPr>
+            <p:ph type="body" idx="1"/>
+          </p:nvPr>
+        </p:nvSpPr>
+        <p:spPr/>
+        <p:txBody>
+          <a:bodyPr/>
+          <a:lstStyle/>
+          <a:p>
+            <a:endParaRPr lang="zh-TW" altLang="en-US" dirty="0"/>
+          </a:p>
+        </p:txBody>
+      </p:sp>
+      <p:sp>
+        <p:nvSpPr>
+          <p:cNvPr id="4" name="投影片編號版面配置區 3">
+            <a:extLst>
+              <a:ext uri="{FF2B5EF4-FFF2-40B4-BE49-F238E27FC236}">
+                <a16:creationId xmlns:a16="http://schemas.microsoft.com/office/drawing/2014/main" id="{65410DA5-E0B3-0795-2EB9-224B8D981AA1}"/>
+              </a:ext>
+            </a:extLst>
+          </p:cNvPr>
+          <p:cNvSpPr>
+            <a:spLocks noGrp="1"/>
+          </p:cNvSpPr>
+          <p:nvPr>
+            <p:ph type="sldNum" sz="quarter" idx="5"/>
+          </p:nvPr>
+        </p:nvSpPr>
+        <p:spPr/>
+        <p:txBody>
+          <a:bodyPr/>
+          <a:lstStyle/>
+          <a:p>
+            <a:fld id="{A0E3B740-79A0-4158-AB68-1C340532A84D}" type="slidenum">
+              <a:rPr lang="zh-TW" altLang="en-US" smtClean="0"/>
+              <a:t>4</a:t>
+            </a:fld>
+            <a:endParaRPr lang="zh-TW" altLang="en-US"/>
+          </a:p>
+        </p:txBody>
+      </p:sp>
+    </p:spTree>
+    <p:extLst>
+      <p:ext uri="{BB962C8B-B14F-4D97-AF65-F5344CB8AC3E}">
+        <p14:creationId xmlns:p14="http://schemas.microsoft.com/office/powerpoint/2010/main" val="1007410376"/>
+      </p:ext>
+    </p:extLst>
+  </p:cSld>
+  <p:clrMapOvr>
+    <a:masterClrMapping/>
+  </p:clrMapOvr>
+</p:notes>
+</file>
+
+<file path=ppt/notesSlides/notesSlide4.xml><?xml version="1.0" encoding="utf-8"?>
+<p:notes xmlns:a="http://schemas.openxmlformats.org/drawingml/2006/main" xmlns:r="http://schemas.openxmlformats.org/officeDocument/2006/relationships" xmlns:p="http://schemas.openxmlformats.org/presentationml/2006/main">
+  <p:cSld>
+    <p:spTree>
+      <p:nvGrpSpPr>
+        <p:cNvPr id="1" name="">
+          <a:extLst>
+            <a:ext uri="{FF2B5EF4-FFF2-40B4-BE49-F238E27FC236}">
+              <a16:creationId xmlns:a16="http://schemas.microsoft.com/office/drawing/2014/main" id="{8150BAB9-B85A-2762-7F26-772D81546C47}"/>
+            </a:ext>
+          </a:extLst>
+        </p:cNvPr>
+        <p:cNvGrpSpPr/>
+        <p:nvPr/>
+      </p:nvGrpSpPr>
+      <p:grpSpPr>
+        <a:xfrm>
+          <a:off x="0" y="0"/>
+          <a:ext cx="0" cy="0"/>
+          <a:chOff x="0" y="0"/>
+          <a:chExt cx="0" cy="0"/>
+        </a:xfrm>
+      </p:grpSpPr>
+      <p:sp>
+        <p:nvSpPr>
+          <p:cNvPr id="2" name="投影片影像版面配置區 1">
+            <a:extLst>
+              <a:ext uri="{FF2B5EF4-FFF2-40B4-BE49-F238E27FC236}">
+                <a16:creationId xmlns:a16="http://schemas.microsoft.com/office/drawing/2014/main" id="{916DDCD9-3B71-9E55-9E03-6375B0CB06E0}"/>
+              </a:ext>
+            </a:extLst>
+          </p:cNvPr>
+          <p:cNvSpPr>
+            <a:spLocks noGrp="1" noRot="1" noChangeAspect="1"/>
+          </p:cNvSpPr>
+          <p:nvPr>
+            <p:ph type="sldImg"/>
+          </p:nvPr>
+        </p:nvSpPr>
+        <p:spPr/>
+      </p:sp>
+      <p:sp>
+        <p:nvSpPr>
+          <p:cNvPr id="3" name="備忘稿版面配置區 2">
+            <a:extLst>
+              <a:ext uri="{FF2B5EF4-FFF2-40B4-BE49-F238E27FC236}">
+                <a16:creationId xmlns:a16="http://schemas.microsoft.com/office/drawing/2014/main" id="{DF1C28B3-6430-9B07-992C-39EA6D84EF91}"/>
+              </a:ext>
+            </a:extLst>
+          </p:cNvPr>
+          <p:cNvSpPr>
+            <a:spLocks noGrp="1"/>
+          </p:cNvSpPr>
+          <p:nvPr>
+            <p:ph type="body" idx="1"/>
+          </p:nvPr>
+        </p:nvSpPr>
+        <p:spPr/>
+        <p:txBody>
+          <a:bodyPr/>
+          <a:lstStyle/>
+          <a:p>
+            <a:r>
+              <a:rPr lang="zh-TW" altLang="en-US" dirty="0"/>
+              <a:t>謎露坐在遊戲環境中的辦公桌旁，因為自己沒什麼人氣感到非常傷心，他一頭銀色凌亂的頭髮，一雙引人注目的藍眼睛，眼睛閃閃發光。他們穿著白色連帽衫和黑色襯衫，袖子上有格子圖案。大型發光耳機戴在頭上，麥克風位於附近。他們面前放著一杯水。在後面，多個顯示器顯示圖形和頭像，由柔和的藍色環境光線照亮。這個場景傳達了焦點和情感的融合。</a:t>
+            </a:r>
+          </a:p>
+        </p:txBody>
+      </p:sp>
+      <p:sp>
+        <p:nvSpPr>
+          <p:cNvPr id="4" name="投影片編號版面配置區 3">
+            <a:extLst>
+              <a:ext uri="{FF2B5EF4-FFF2-40B4-BE49-F238E27FC236}">
+                <a16:creationId xmlns:a16="http://schemas.microsoft.com/office/drawing/2014/main" id="{8856263B-AB97-79EF-BE6A-0F99BDC63929}"/>
+              </a:ext>
+            </a:extLst>
+          </p:cNvPr>
+          <p:cNvSpPr>
+            <a:spLocks noGrp="1"/>
+          </p:cNvSpPr>
+          <p:nvPr>
+            <p:ph type="sldNum" sz="quarter" idx="5"/>
+          </p:nvPr>
+        </p:nvSpPr>
+        <p:spPr/>
+        <p:txBody>
+          <a:bodyPr/>
+          <a:lstStyle/>
+          <a:p>
+            <a:fld id="{A0E3B740-79A0-4158-AB68-1C340532A84D}" type="slidenum">
+              <a:rPr lang="zh-TW" altLang="en-US" smtClean="0"/>
+              <a:t>5</a:t>
+            </a:fld>
+            <a:endParaRPr lang="zh-TW" altLang="en-US"/>
+          </a:p>
+        </p:txBody>
+      </p:sp>
+    </p:spTree>
+    <p:extLst>
+      <p:ext uri="{BB962C8B-B14F-4D97-AF65-F5344CB8AC3E}">
+        <p14:creationId xmlns:p14="http://schemas.microsoft.com/office/powerpoint/2010/main" val="1016095818"/>
+      </p:ext>
+    </p:extLst>
+  </p:cSld>
+  <p:clrMapOvr>
+    <a:masterClrMapping/>
+  </p:clrMapOvr>
+</p:notes>
+</file>
+
+<file path=ppt/notesSlides/notesSlide5.xml><?xml version="1.0" encoding="utf-8"?>
+<p:notes xmlns:a="http://schemas.openxmlformats.org/drawingml/2006/main" xmlns:r="http://schemas.openxmlformats.org/officeDocument/2006/relationships" xmlns:p="http://schemas.openxmlformats.org/presentationml/2006/main">
+  <p:cSld>
+    <p:spTree>
+      <p:nvGrpSpPr>
+        <p:cNvPr id="1" name="">
+          <a:extLst>
+            <a:ext uri="{FF2B5EF4-FFF2-40B4-BE49-F238E27FC236}">
+              <a16:creationId xmlns:a16="http://schemas.microsoft.com/office/drawing/2014/main" id="{332B1361-2276-361E-4BEA-BDB3468A953F}"/>
+            </a:ext>
+          </a:extLst>
+        </p:cNvPr>
+        <p:cNvGrpSpPr/>
+        <p:nvPr/>
+      </p:nvGrpSpPr>
+      <p:grpSpPr>
+        <a:xfrm>
+          <a:off x="0" y="0"/>
+          <a:ext cx="0" cy="0"/>
+          <a:chOff x="0" y="0"/>
+          <a:chExt cx="0" cy="0"/>
+        </a:xfrm>
+      </p:grpSpPr>
+      <p:sp>
+        <p:nvSpPr>
+          <p:cNvPr id="2" name="投影片影像版面配置區 1">
+            <a:extLst>
+              <a:ext uri="{FF2B5EF4-FFF2-40B4-BE49-F238E27FC236}">
+                <a16:creationId xmlns:a16="http://schemas.microsoft.com/office/drawing/2014/main" id="{203A1B01-DFE7-DE49-597B-3FEF9B76B557}"/>
+              </a:ext>
+            </a:extLst>
+          </p:cNvPr>
+          <p:cNvSpPr>
+            <a:spLocks noGrp="1" noRot="1" noChangeAspect="1"/>
+          </p:cNvSpPr>
+          <p:nvPr>
+            <p:ph type="sldImg"/>
+          </p:nvPr>
+        </p:nvSpPr>
+        <p:spPr/>
+      </p:sp>
+      <p:sp>
+        <p:nvSpPr>
+          <p:cNvPr id="3" name="備忘稿版面配置區 2">
+            <a:extLst>
+              <a:ext uri="{FF2B5EF4-FFF2-40B4-BE49-F238E27FC236}">
+                <a16:creationId xmlns:a16="http://schemas.microsoft.com/office/drawing/2014/main" id="{6DD27D3C-290D-52F6-4879-2D264432C11E}"/>
+              </a:ext>
+            </a:extLst>
+          </p:cNvPr>
+          <p:cNvSpPr>
+            <a:spLocks noGrp="1"/>
+          </p:cNvSpPr>
+          <p:nvPr>
+            <p:ph type="body" idx="1"/>
+          </p:nvPr>
+        </p:nvSpPr>
+        <p:spPr/>
+        <p:txBody>
+          <a:bodyPr/>
+          <a:lstStyle/>
+          <a:p>
+            <a:r>
+              <a:rPr lang="zh-TW" altLang="en-US" dirty="0"/>
+              <a:t>謎露接受朋友的幫助來讓自己能懂得更多</a:t>
+            </a:r>
+            <a:r>
+              <a:rPr lang="en-US" altLang="zh-TW" dirty="0" err="1"/>
+              <a:t>Vtuber</a:t>
+            </a:r>
+            <a:r>
+              <a:rPr lang="zh-TW" altLang="en-US" dirty="0"/>
+              <a:t>的技巧，一名年輕的男性遊戲玩家，有著尖尖的藍色頭髮和明亮的藍眼睛，坐在遊戲設定中，穿著黑白連帽衫和耳機。他臉上露出喜悅的表情，全神貫注地看著面前的螢幕。在背景中，幾位戴著耳機歡呼的朋友正在慶祝，其中一人做出了和平的手勢。場面生氣勃勃，藍色燈光照射，營造出熱鬧、充滿活力的氣氛。</a:t>
+            </a:r>
+          </a:p>
+        </p:txBody>
+      </p:sp>
+      <p:sp>
+        <p:nvSpPr>
+          <p:cNvPr id="4" name="投影片編號版面配置區 3">
+            <a:extLst>
+              <a:ext uri="{FF2B5EF4-FFF2-40B4-BE49-F238E27FC236}">
+                <a16:creationId xmlns:a16="http://schemas.microsoft.com/office/drawing/2014/main" id="{C2229B47-8096-AD08-1076-F173C917AAF0}"/>
+              </a:ext>
+            </a:extLst>
+          </p:cNvPr>
+          <p:cNvSpPr>
+            <a:spLocks noGrp="1"/>
+          </p:cNvSpPr>
+          <p:nvPr>
+            <p:ph type="sldNum" sz="quarter" idx="5"/>
+          </p:nvPr>
+        </p:nvSpPr>
+        <p:spPr/>
+        <p:txBody>
+          <a:bodyPr/>
+          <a:lstStyle/>
+          <a:p>
+            <a:fld id="{A0E3B740-79A0-4158-AB68-1C340532A84D}" type="slidenum">
+              <a:rPr lang="zh-TW" altLang="en-US" smtClean="0"/>
+              <a:t>6</a:t>
+            </a:fld>
+            <a:endParaRPr lang="zh-TW" altLang="en-US"/>
+          </a:p>
+        </p:txBody>
+      </p:sp>
+    </p:spTree>
+    <p:extLst>
+      <p:ext uri="{BB962C8B-B14F-4D97-AF65-F5344CB8AC3E}">
+        <p14:creationId xmlns:p14="http://schemas.microsoft.com/office/powerpoint/2010/main" val="1447283536"/>
+      </p:ext>
+    </p:extLst>
+  </p:cSld>
+  <p:clrMapOvr>
+    <a:masterClrMapping/>
+  </p:clrMapOvr>
+</p:notes>
+</file>
+
+<file path=ppt/notesSlides/notesSlide6.xml><?xml version="1.0" encoding="utf-8"?>
+<p:notes xmlns:a="http://schemas.openxmlformats.org/drawingml/2006/main" xmlns:r="http://schemas.openxmlformats.org/officeDocument/2006/relationships" xmlns:p="http://schemas.openxmlformats.org/presentationml/2006/main">
+  <p:cSld>
+    <p:spTree>
+      <p:nvGrpSpPr>
+        <p:cNvPr id="1" name="">
+          <a:extLst>
+            <a:ext uri="{FF2B5EF4-FFF2-40B4-BE49-F238E27FC236}">
+              <a16:creationId xmlns:a16="http://schemas.microsoft.com/office/drawing/2014/main" id="{E40A3862-0A89-AECA-FF38-A7EF6548873D}"/>
+            </a:ext>
+          </a:extLst>
+        </p:cNvPr>
+        <p:cNvGrpSpPr/>
+        <p:nvPr/>
+      </p:nvGrpSpPr>
+      <p:grpSpPr>
+        <a:xfrm>
+          <a:off x="0" y="0"/>
+          <a:ext cx="0" cy="0"/>
+          <a:chOff x="0" y="0"/>
+          <a:chExt cx="0" cy="0"/>
+        </a:xfrm>
+      </p:grpSpPr>
+      <p:sp>
+        <p:nvSpPr>
+          <p:cNvPr id="2" name="投影片影像版面配置區 1">
+            <a:extLst>
+              <a:ext uri="{FF2B5EF4-FFF2-40B4-BE49-F238E27FC236}">
+                <a16:creationId xmlns:a16="http://schemas.microsoft.com/office/drawing/2014/main" id="{3F338879-6BDA-17A4-4647-714BE54F3B7E}"/>
+              </a:ext>
+            </a:extLst>
+          </p:cNvPr>
+          <p:cNvSpPr>
+            <a:spLocks noGrp="1" noRot="1" noChangeAspect="1"/>
+          </p:cNvSpPr>
+          <p:nvPr>
+            <p:ph type="sldImg"/>
+          </p:nvPr>
+        </p:nvSpPr>
+        <p:spPr/>
+      </p:sp>
+      <p:sp>
+        <p:nvSpPr>
+          <p:cNvPr id="3" name="備忘稿版面配置區 2">
+            <a:extLst>
+              <a:ext uri="{FF2B5EF4-FFF2-40B4-BE49-F238E27FC236}">
+                <a16:creationId xmlns:a16="http://schemas.microsoft.com/office/drawing/2014/main" id="{6CE1C42E-D1B7-7A33-C28F-BFA6D91829A9}"/>
+              </a:ext>
+            </a:extLst>
+          </p:cNvPr>
+          <p:cNvSpPr>
+            <a:spLocks noGrp="1"/>
+          </p:cNvSpPr>
+          <p:nvPr>
+            <p:ph type="body" idx="1"/>
+          </p:nvPr>
+        </p:nvSpPr>
+        <p:spPr/>
+        <p:txBody>
+          <a:bodyPr/>
+          <a:lstStyle/>
+          <a:p>
+            <a:r>
+              <a:rPr lang="zh-TW" altLang="en-US" dirty="0"/>
+              <a:t>謎露因為累積更多粉絲而覺醒了神奇力量，一個年輕的動漫風格男孩，留著銀色的短髮和明亮的藍色眼睛，穿著淺藍色襯裡的連帽衫和耳機。他表情驚訝，雙手舉起，周圍環繞著發光、旋轉的藍色能量和數字符號。一個發光的球體位於他的胸口中央，發出光芒，增強了場景的神奇氛圍。背景具有柔和、空靈的光芒，營造出未來感。</a:t>
+            </a:r>
+          </a:p>
+        </p:txBody>
+      </p:sp>
+      <p:sp>
+        <p:nvSpPr>
+          <p:cNvPr id="4" name="投影片編號版面配置區 3">
+            <a:extLst>
+              <a:ext uri="{FF2B5EF4-FFF2-40B4-BE49-F238E27FC236}">
+                <a16:creationId xmlns:a16="http://schemas.microsoft.com/office/drawing/2014/main" id="{8EBE6214-579E-7920-6BDA-87D8AEC4CC0E}"/>
+              </a:ext>
+            </a:extLst>
+          </p:cNvPr>
+          <p:cNvSpPr>
+            <a:spLocks noGrp="1"/>
+          </p:cNvSpPr>
+          <p:nvPr>
+            <p:ph type="sldNum" sz="quarter" idx="5"/>
+          </p:nvPr>
+        </p:nvSpPr>
+        <p:spPr/>
+        <p:txBody>
+          <a:bodyPr/>
+          <a:lstStyle/>
+          <a:p>
+            <a:fld id="{A0E3B740-79A0-4158-AB68-1C340532A84D}" type="slidenum">
+              <a:rPr lang="zh-TW" altLang="en-US" smtClean="0"/>
+              <a:t>7</a:t>
+            </a:fld>
+            <a:endParaRPr lang="zh-TW" altLang="en-US"/>
+          </a:p>
+        </p:txBody>
+      </p:sp>
+    </p:spTree>
+    <p:extLst>
+      <p:ext uri="{BB962C8B-B14F-4D97-AF65-F5344CB8AC3E}">
+        <p14:creationId xmlns:p14="http://schemas.microsoft.com/office/powerpoint/2010/main" val="686724146"/>
+      </p:ext>
+    </p:extLst>
+  </p:cSld>
+  <p:clrMapOvr>
+    <a:masterClrMapping/>
+  </p:clrMapOvr>
+</p:notes>
+</file>
+
+<file path=ppt/notesSlides/notesSlide7.xml><?xml version="1.0" encoding="utf-8"?>
+<p:notes xmlns:a="http://schemas.openxmlformats.org/drawingml/2006/main" xmlns:r="http://schemas.openxmlformats.org/officeDocument/2006/relationships" xmlns:p="http://schemas.openxmlformats.org/presentationml/2006/main">
+  <p:cSld>
+    <p:spTree>
+      <p:nvGrpSpPr>
+        <p:cNvPr id="1" name="">
+          <a:extLst>
+            <a:ext uri="{FF2B5EF4-FFF2-40B4-BE49-F238E27FC236}">
+              <a16:creationId xmlns:a16="http://schemas.microsoft.com/office/drawing/2014/main" id="{74D8D6A3-014F-E2A7-55B3-0338E2B11787}"/>
+            </a:ext>
+          </a:extLst>
+        </p:cNvPr>
+        <p:cNvGrpSpPr/>
+        <p:nvPr/>
+      </p:nvGrpSpPr>
+      <p:grpSpPr>
+        <a:xfrm>
+          <a:off x="0" y="0"/>
+          <a:ext cx="0" cy="0"/>
+          <a:chOff x="0" y="0"/>
+          <a:chExt cx="0" cy="0"/>
+        </a:xfrm>
+      </p:grpSpPr>
+      <p:sp>
+        <p:nvSpPr>
+          <p:cNvPr id="2" name="投影片影像版面配置區 1">
+            <a:extLst>
+              <a:ext uri="{FF2B5EF4-FFF2-40B4-BE49-F238E27FC236}">
+                <a16:creationId xmlns:a16="http://schemas.microsoft.com/office/drawing/2014/main" id="{E0A4A78D-AE04-5673-EC5C-7FF96E8E2E14}"/>
+              </a:ext>
+            </a:extLst>
+          </p:cNvPr>
+          <p:cNvSpPr>
+            <a:spLocks noGrp="1" noRot="1" noChangeAspect="1"/>
+          </p:cNvSpPr>
+          <p:nvPr>
+            <p:ph type="sldImg"/>
+          </p:nvPr>
+        </p:nvSpPr>
+        <p:spPr/>
+      </p:sp>
+      <p:sp>
+        <p:nvSpPr>
+          <p:cNvPr id="3" name="備忘稿版面配置區 2">
+            <a:extLst>
+              <a:ext uri="{FF2B5EF4-FFF2-40B4-BE49-F238E27FC236}">
+                <a16:creationId xmlns:a16="http://schemas.microsoft.com/office/drawing/2014/main" id="{C10EEAB2-30A6-12D9-7CD5-739E4E4C5AC2}"/>
+              </a:ext>
+            </a:extLst>
+          </p:cNvPr>
+          <p:cNvSpPr>
+            <a:spLocks noGrp="1"/>
+          </p:cNvSpPr>
+          <p:nvPr>
+            <p:ph type="body" idx="1"/>
+          </p:nvPr>
+        </p:nvSpPr>
+        <p:spPr/>
+        <p:txBody>
+          <a:bodyPr/>
+          <a:lstStyle/>
+          <a:p>
+            <a:r>
+              <a:rPr lang="zh-TW" altLang="en-US" dirty="0"/>
+              <a:t>謎露成功覺醒神秘力量後打算繼續探索著網路這個神奇的世界，一個年輕的男性角色站在門口，有著淺藍色的短髮和明亮的藍色眼睛，戴著大耳機。他穿著休閒的白色</a:t>
+            </a:r>
+            <a:r>
+              <a:rPr lang="en-US" altLang="zh-TW" dirty="0"/>
+              <a:t>T</a:t>
+            </a:r>
+            <a:r>
+              <a:rPr lang="zh-TW" altLang="en-US" dirty="0"/>
+              <a:t>恤和黑白拉鍊夾克，裡面是藍色格子襯衫。背景顯示了一條郊區街道，街道上有兩棟房屋，被柔和的夜光照亮。這個角色顯得友善和平易近人，走出去時還帶著淺淺的微笑。</a:t>
+            </a:r>
+          </a:p>
+        </p:txBody>
+      </p:sp>
+      <p:sp>
+        <p:nvSpPr>
+          <p:cNvPr id="4" name="投影片編號版面配置區 3">
+            <a:extLst>
+              <a:ext uri="{FF2B5EF4-FFF2-40B4-BE49-F238E27FC236}">
+                <a16:creationId xmlns:a16="http://schemas.microsoft.com/office/drawing/2014/main" id="{89072E52-5268-F753-7086-0F15EBDF53A1}"/>
+              </a:ext>
+            </a:extLst>
+          </p:cNvPr>
+          <p:cNvSpPr>
+            <a:spLocks noGrp="1"/>
+          </p:cNvSpPr>
+          <p:nvPr>
+            <p:ph type="sldNum" sz="quarter" idx="5"/>
+          </p:nvPr>
+        </p:nvSpPr>
+        <p:spPr/>
+        <p:txBody>
+          <a:bodyPr/>
+          <a:lstStyle/>
+          <a:p>
+            <a:fld id="{A0E3B740-79A0-4158-AB68-1C340532A84D}" type="slidenum">
+              <a:rPr lang="zh-TW" altLang="en-US" smtClean="0"/>
+              <a:t>8</a:t>
+            </a:fld>
+            <a:endParaRPr lang="zh-TW" altLang="en-US"/>
+          </a:p>
+        </p:txBody>
+      </p:sp>
+    </p:spTree>
+    <p:extLst>
+      <p:ext uri="{BB962C8B-B14F-4D97-AF65-F5344CB8AC3E}">
+        <p14:creationId xmlns:p14="http://schemas.microsoft.com/office/powerpoint/2010/main" val="4116339675"/>
+      </p:ext>
+    </p:extLst>
+  </p:cSld>
+  <p:clrMapOvr>
+    <a:masterClrMapping/>
+  </p:clrMapOvr>
+</p:notes>
 </file>
 
 <file path=ppt/slideLayouts/slideLayout1.xml><?xml version="1.0" encoding="utf-8"?>
@@ -126,13 +1280,7 @@
       </p:grpSpPr>
       <p:sp>
         <p:nvSpPr>
-          <p:cNvPr id="2" name="標題 1">
-            <a:extLst>
-              <a:ext uri="{FF2B5EF4-FFF2-40B4-BE49-F238E27FC236}">
-                <a16:creationId xmlns:a16="http://schemas.microsoft.com/office/drawing/2014/main" id="{EB5CC918-B447-434E-B98E-5847BB49C259}"/>
-              </a:ext>
-            </a:extLst>
-          </p:cNvPr>
+          <p:cNvPr id="2" name="Title 1"/>
           <p:cNvSpPr>
             <a:spLocks noGrp="1"/>
           </p:cNvSpPr>
@@ -142,15 +1290,15 @@
         </p:nvSpPr>
         <p:spPr>
           <a:xfrm>
-            <a:off x="1524000" y="1122363"/>
-            <a:ext cx="9144000" cy="2387600"/>
+            <a:off x="1154955" y="1447800"/>
+            <a:ext cx="8825658" cy="3329581"/>
           </a:xfrm>
         </p:spPr>
         <p:txBody>
           <a:bodyPr anchor="b"/>
           <a:lstStyle>
-            <a:lvl1pPr algn="ctr">
-              <a:defRPr sz="6000"/>
+            <a:lvl1pPr>
+              <a:defRPr sz="7200"/>
             </a:lvl1pPr>
           </a:lstStyle>
           <a:p>
@@ -158,18 +1306,13 @@
               <a:rPr lang="zh-TW" altLang="en-US"/>
               <a:t>按一下以編輯母片標題樣式</a:t>
             </a:r>
-          </a:p>
-        </p:txBody>
-      </p:sp>
-      <p:sp>
-        <p:nvSpPr>
-          <p:cNvPr id="3" name="副標題 2">
-            <a:extLst>
-              <a:ext uri="{FF2B5EF4-FFF2-40B4-BE49-F238E27FC236}">
-                <a16:creationId xmlns:a16="http://schemas.microsoft.com/office/drawing/2014/main" id="{817FCC70-CC4E-4CB6-B2CF-9FDA5AC4D346}"/>
-              </a:ext>
-            </a:extLst>
-          </p:cNvPr>
+            <a:endParaRPr lang="en-US" dirty="0"/>
+          </a:p>
+        </p:txBody>
+      </p:sp>
+      <p:sp>
+        <p:nvSpPr>
+          <p:cNvPr id="3" name="Subtitle 2"/>
           <p:cNvSpPr>
             <a:spLocks noGrp="1"/>
           </p:cNvSpPr>
@@ -179,48 +1322,103 @@
         </p:nvSpPr>
         <p:spPr>
           <a:xfrm>
-            <a:off x="1524000" y="3602038"/>
-            <a:ext cx="9144000" cy="1655762"/>
+            <a:off x="1154955" y="4777380"/>
+            <a:ext cx="8825658" cy="861420"/>
           </a:xfrm>
         </p:spPr>
         <p:txBody>
-          <a:bodyPr/>
+          <a:bodyPr anchor="t"/>
           <a:lstStyle>
-            <a:lvl1pPr marL="0" indent="0" algn="ctr">
-              <a:buNone/>
-              <a:defRPr sz="2400"/>
+            <a:lvl1pPr marL="0" indent="0" algn="l">
+              <a:buNone/>
+              <a:defRPr cap="all">
+                <a:solidFill>
+                  <a:schemeClr val="bg2">
+                    <a:lumMod val="40000"/>
+                    <a:lumOff val="60000"/>
+                  </a:schemeClr>
+                </a:solidFill>
+              </a:defRPr>
             </a:lvl1pPr>
             <a:lvl2pPr marL="457200" indent="0" algn="ctr">
               <a:buNone/>
-              <a:defRPr sz="2000"/>
+              <a:defRPr>
+                <a:solidFill>
+                  <a:schemeClr val="tx1">
+                    <a:tint val="75000"/>
+                  </a:schemeClr>
+                </a:solidFill>
+              </a:defRPr>
             </a:lvl2pPr>
             <a:lvl3pPr marL="914400" indent="0" algn="ctr">
               <a:buNone/>
-              <a:defRPr sz="1800"/>
+              <a:defRPr>
+                <a:solidFill>
+                  <a:schemeClr val="tx1">
+                    <a:tint val="75000"/>
+                  </a:schemeClr>
+                </a:solidFill>
+              </a:defRPr>
             </a:lvl3pPr>
             <a:lvl4pPr marL="1371600" indent="0" algn="ctr">
               <a:buNone/>
-              <a:defRPr sz="1600"/>
+              <a:defRPr>
+                <a:solidFill>
+                  <a:schemeClr val="tx1">
+                    <a:tint val="75000"/>
+                  </a:schemeClr>
+                </a:solidFill>
+              </a:defRPr>
             </a:lvl4pPr>
             <a:lvl5pPr marL="1828800" indent="0" algn="ctr">
               <a:buNone/>
-              <a:defRPr sz="1600"/>
+              <a:defRPr>
+                <a:solidFill>
+                  <a:schemeClr val="tx1">
+                    <a:tint val="75000"/>
+                  </a:schemeClr>
+                </a:solidFill>
+              </a:defRPr>
             </a:lvl5pPr>
             <a:lvl6pPr marL="2286000" indent="0" algn="ctr">
               <a:buNone/>
-              <a:defRPr sz="1600"/>
+              <a:defRPr>
+                <a:solidFill>
+                  <a:schemeClr val="tx1">
+                    <a:tint val="75000"/>
+                  </a:schemeClr>
+                </a:solidFill>
+              </a:defRPr>
             </a:lvl6pPr>
             <a:lvl7pPr marL="2743200" indent="0" algn="ctr">
               <a:buNone/>
-              <a:defRPr sz="1600"/>
+              <a:defRPr>
+                <a:solidFill>
+                  <a:schemeClr val="tx1">
+                    <a:tint val="75000"/>
+                  </a:schemeClr>
+                </a:solidFill>
+              </a:defRPr>
             </a:lvl7pPr>
             <a:lvl8pPr marL="3200400" indent="0" algn="ctr">
               <a:buNone/>
-              <a:defRPr sz="1600"/>
+              <a:defRPr>
+                <a:solidFill>
+                  <a:schemeClr val="tx1">
+                    <a:tint val="75000"/>
+                  </a:schemeClr>
+                </a:solidFill>
+              </a:defRPr>
             </a:lvl8pPr>
             <a:lvl9pPr marL="3657600" indent="0" algn="ctr">
               <a:buNone/>
-              <a:defRPr sz="1600"/>
+              <a:defRPr>
+                <a:solidFill>
+                  <a:schemeClr val="tx1">
+                    <a:tint val="75000"/>
+                  </a:schemeClr>
+                </a:solidFill>
+              </a:defRPr>
             </a:lvl9pPr>
           </a:lstStyle>
           <a:p>
@@ -228,18 +1426,13 @@
               <a:rPr lang="zh-TW" altLang="en-US"/>
               <a:t>按一下以編輯母片子標題樣式</a:t>
             </a:r>
-          </a:p>
-        </p:txBody>
-      </p:sp>
-      <p:sp>
-        <p:nvSpPr>
-          <p:cNvPr id="4" name="日期版面配置區 3">
-            <a:extLst>
-              <a:ext uri="{FF2B5EF4-FFF2-40B4-BE49-F238E27FC236}">
-                <a16:creationId xmlns:a16="http://schemas.microsoft.com/office/drawing/2014/main" id="{BD08F018-0004-4322-AD0F-E6E740964233}"/>
-              </a:ext>
-            </a:extLst>
-          </p:cNvPr>
+            <a:endParaRPr lang="en-US" dirty="0"/>
+          </a:p>
+        </p:txBody>
+      </p:sp>
+      <p:sp>
+        <p:nvSpPr>
+          <p:cNvPr id="4" name="Date Placeholder 3"/>
           <p:cNvSpPr>
             <a:spLocks noGrp="1"/>
           </p:cNvSpPr>
@@ -252,9 +1445,9 @@
           <a:bodyPr/>
           <a:lstStyle/>
           <a:p>
-            <a:fld id="{C3C90D7E-32D6-4894-AE08-7BBB3E610FC9}" type="datetimeFigureOut">
+            <a:fld id="{06E0D348-D20D-44A1-B21A-9F9EE4313730}" type="datetimeFigureOut">
               <a:rPr lang="zh-TW" altLang="en-US" smtClean="0"/>
-              <a:t>2024/9/16</a:t>
+              <a:t>2024/10/30</a:t>
             </a:fld>
             <a:endParaRPr lang="zh-TW" altLang="en-US"/>
           </a:p>
@@ -262,13 +1455,7 @@
       </p:sp>
       <p:sp>
         <p:nvSpPr>
-          <p:cNvPr id="5" name="頁尾版面配置區 4">
-            <a:extLst>
-              <a:ext uri="{FF2B5EF4-FFF2-40B4-BE49-F238E27FC236}">
-                <a16:creationId xmlns:a16="http://schemas.microsoft.com/office/drawing/2014/main" id="{30427B34-CB13-41C7-B2F2-CED9BDC5B595}"/>
-              </a:ext>
-            </a:extLst>
-          </p:cNvPr>
+          <p:cNvPr id="5" name="Footer Placeholder 4"/>
           <p:cNvSpPr>
             <a:spLocks noGrp="1"/>
           </p:cNvSpPr>
@@ -287,13 +1474,7 @@
       </p:sp>
       <p:sp>
         <p:nvSpPr>
-          <p:cNvPr id="6" name="投影片編號版面配置區 5">
-            <a:extLst>
-              <a:ext uri="{FF2B5EF4-FFF2-40B4-BE49-F238E27FC236}">
-                <a16:creationId xmlns:a16="http://schemas.microsoft.com/office/drawing/2014/main" id="{76FA962E-5B03-439A-928C-87366876542D}"/>
-              </a:ext>
-            </a:extLst>
-          </p:cNvPr>
+          <p:cNvPr id="6" name="Slide Number Placeholder 5"/>
           <p:cNvSpPr>
             <a:spLocks noGrp="1"/>
           </p:cNvSpPr>
@@ -306,7 +1487,7 @@
           <a:bodyPr/>
           <a:lstStyle/>
           <a:p>
-            <a:fld id="{E31EC408-072F-4346-BD0A-D6AA5788A305}" type="slidenum">
+            <a:fld id="{687D793A-871E-42F3-8717-99C703D609B6}" type="slidenum">
               <a:rPr lang="zh-TW" altLang="en-US" smtClean="0"/>
               <a:t>‹#›</a:t>
             </a:fld>
@@ -317,7 +1498,7 @@
     </p:spTree>
     <p:extLst>
       <p:ext uri="{BB962C8B-B14F-4D97-AF65-F5344CB8AC3E}">
-        <p14:creationId xmlns:p14="http://schemas.microsoft.com/office/powerpoint/2010/main" val="2963035110"/>
+        <p14:creationId xmlns:p14="http://schemas.microsoft.com/office/powerpoint/2010/main" val="3920019962"/>
       </p:ext>
     </p:extLst>
   </p:cSld>
@@ -328,6 +1509,2572 @@
 </file>
 
 <file path=ppt/slideLayouts/slideLayout10.xml><?xml version="1.0" encoding="utf-8"?>
+<p:sldLayout xmlns:a="http://schemas.openxmlformats.org/drawingml/2006/main" xmlns:r="http://schemas.openxmlformats.org/officeDocument/2006/relationships" xmlns:p="http://schemas.openxmlformats.org/presentationml/2006/main" preserve="1">
+  <p:cSld name="全景圖片 (含輔助字幕)">
+    <p:spTree>
+      <p:nvGrpSpPr>
+        <p:cNvPr id="1" name=""/>
+        <p:cNvGrpSpPr/>
+        <p:nvPr/>
+      </p:nvGrpSpPr>
+      <p:grpSpPr>
+        <a:xfrm>
+          <a:off x="0" y="0"/>
+          <a:ext cx="0" cy="0"/>
+          <a:chOff x="0" y="0"/>
+          <a:chExt cx="0" cy="0"/>
+        </a:xfrm>
+      </p:grpSpPr>
+      <p:sp>
+        <p:nvSpPr>
+          <p:cNvPr id="2" name="Title 1"/>
+          <p:cNvSpPr>
+            <a:spLocks noGrp="1"/>
+          </p:cNvSpPr>
+          <p:nvPr>
+            <p:ph type="title"/>
+          </p:nvPr>
+        </p:nvSpPr>
+        <p:spPr>
+          <a:xfrm>
+            <a:off x="1154956" y="4800587"/>
+            <a:ext cx="8825657" cy="566738"/>
+          </a:xfrm>
+        </p:spPr>
+        <p:txBody>
+          <a:bodyPr anchor="b">
+            <a:normAutofit/>
+          </a:bodyPr>
+          <a:lstStyle>
+            <a:lvl1pPr algn="l">
+              <a:defRPr sz="2400" b="0"/>
+            </a:lvl1pPr>
+          </a:lstStyle>
+          <a:p>
+            <a:r>
+              <a:rPr lang="zh-TW" altLang="en-US"/>
+              <a:t>按一下以編輯母片標題樣式</a:t>
+            </a:r>
+            <a:endParaRPr lang="en-US" dirty="0"/>
+          </a:p>
+        </p:txBody>
+      </p:sp>
+      <p:sp>
+        <p:nvSpPr>
+          <p:cNvPr id="3" name="Picture Placeholder 2"/>
+          <p:cNvSpPr>
+            <a:spLocks noGrp="1" noChangeAspect="1"/>
+          </p:cNvSpPr>
+          <p:nvPr>
+            <p:ph type="pic" idx="1"/>
+          </p:nvPr>
+        </p:nvSpPr>
+        <p:spPr>
+          <a:xfrm>
+            <a:off x="1154955" y="685800"/>
+            <a:ext cx="8825658" cy="3640666"/>
+          </a:xfrm>
+          <a:prstGeom prst="roundRect">
+            <a:avLst>
+              <a:gd name="adj" fmla="val 1858"/>
+            </a:avLst>
+          </a:prstGeom>
+          <a:effectLst>
+            <a:outerShdw blurRad="50800" dist="50800" dir="5400000" algn="tl" rotWithShape="0">
+              <a:srgbClr val="000000">
+                <a:alpha val="43000"/>
+              </a:srgbClr>
+            </a:outerShdw>
+          </a:effectLst>
+        </p:spPr>
+        <p:txBody>
+          <a:bodyPr anchor="t">
+            <a:normAutofit/>
+          </a:bodyPr>
+          <a:lstStyle>
+            <a:lvl1pPr marL="0" indent="0" algn="ctr">
+              <a:buNone/>
+              <a:defRPr sz="1600"/>
+            </a:lvl1pPr>
+            <a:lvl2pPr marL="457200" indent="0">
+              <a:buNone/>
+              <a:defRPr sz="1600"/>
+            </a:lvl2pPr>
+            <a:lvl3pPr marL="914400" indent="0">
+              <a:buNone/>
+              <a:defRPr sz="1600"/>
+            </a:lvl3pPr>
+            <a:lvl4pPr marL="1371600" indent="0">
+              <a:buNone/>
+              <a:defRPr sz="1600"/>
+            </a:lvl4pPr>
+            <a:lvl5pPr marL="1828800" indent="0">
+              <a:buNone/>
+              <a:defRPr sz="1600"/>
+            </a:lvl5pPr>
+            <a:lvl6pPr marL="2286000" indent="0">
+              <a:buNone/>
+              <a:defRPr sz="1600"/>
+            </a:lvl6pPr>
+            <a:lvl7pPr marL="2743200" indent="0">
+              <a:buNone/>
+              <a:defRPr sz="1600"/>
+            </a:lvl7pPr>
+            <a:lvl8pPr marL="3200400" indent="0">
+              <a:buNone/>
+              <a:defRPr sz="1600"/>
+            </a:lvl8pPr>
+            <a:lvl9pPr marL="3657600" indent="0">
+              <a:buNone/>
+              <a:defRPr sz="1600"/>
+            </a:lvl9pPr>
+          </a:lstStyle>
+          <a:p>
+            <a:r>
+              <a:rPr lang="zh-TW" altLang="en-US"/>
+              <a:t>按一下圖示以新增圖片</a:t>
+            </a:r>
+            <a:endParaRPr lang="en-US" dirty="0"/>
+          </a:p>
+        </p:txBody>
+      </p:sp>
+      <p:sp>
+        <p:nvSpPr>
+          <p:cNvPr id="4" name="Text Placeholder 3"/>
+          <p:cNvSpPr>
+            <a:spLocks noGrp="1"/>
+          </p:cNvSpPr>
+          <p:nvPr>
+            <p:ph type="body" sz="half" idx="2"/>
+          </p:nvPr>
+        </p:nvSpPr>
+        <p:spPr>
+          <a:xfrm>
+            <a:off x="1154956" y="5367325"/>
+            <a:ext cx="8825656" cy="493712"/>
+          </a:xfrm>
+        </p:spPr>
+        <p:txBody>
+          <a:bodyPr>
+            <a:normAutofit/>
+          </a:bodyPr>
+          <a:lstStyle>
+            <a:lvl1pPr marL="0" indent="0">
+              <a:buNone/>
+              <a:defRPr sz="1200"/>
+            </a:lvl1pPr>
+            <a:lvl2pPr marL="457200" indent="0">
+              <a:buNone/>
+              <a:defRPr sz="1200"/>
+            </a:lvl2pPr>
+            <a:lvl3pPr marL="914400" indent="0">
+              <a:buNone/>
+              <a:defRPr sz="1000"/>
+            </a:lvl3pPr>
+            <a:lvl4pPr marL="1371600" indent="0">
+              <a:buNone/>
+              <a:defRPr sz="900"/>
+            </a:lvl4pPr>
+            <a:lvl5pPr marL="1828800" indent="0">
+              <a:buNone/>
+              <a:defRPr sz="900"/>
+            </a:lvl5pPr>
+            <a:lvl6pPr marL="2286000" indent="0">
+              <a:buNone/>
+              <a:defRPr sz="900"/>
+            </a:lvl6pPr>
+            <a:lvl7pPr marL="2743200" indent="0">
+              <a:buNone/>
+              <a:defRPr sz="900"/>
+            </a:lvl7pPr>
+            <a:lvl8pPr marL="3200400" indent="0">
+              <a:buNone/>
+              <a:defRPr sz="900"/>
+            </a:lvl8pPr>
+            <a:lvl9pPr marL="3657600" indent="0">
+              <a:buNone/>
+              <a:defRPr sz="900"/>
+            </a:lvl9pPr>
+          </a:lstStyle>
+          <a:p>
+            <a:pPr lvl="0"/>
+            <a:r>
+              <a:rPr lang="zh-TW" altLang="en-US"/>
+              <a:t>按一下以編輯母片文字樣式</a:t>
+            </a:r>
+          </a:p>
+        </p:txBody>
+      </p:sp>
+      <p:sp>
+        <p:nvSpPr>
+          <p:cNvPr id="5" name="Date Placeholder 4"/>
+          <p:cNvSpPr>
+            <a:spLocks noGrp="1"/>
+          </p:cNvSpPr>
+          <p:nvPr>
+            <p:ph type="dt" sz="half" idx="10"/>
+          </p:nvPr>
+        </p:nvSpPr>
+        <p:spPr/>
+        <p:txBody>
+          <a:bodyPr/>
+          <a:lstStyle/>
+          <a:p>
+            <a:fld id="{06E0D348-D20D-44A1-B21A-9F9EE4313730}" type="datetimeFigureOut">
+              <a:rPr lang="zh-TW" altLang="en-US" smtClean="0"/>
+              <a:t>2024/10/30</a:t>
+            </a:fld>
+            <a:endParaRPr lang="zh-TW" altLang="en-US"/>
+          </a:p>
+        </p:txBody>
+      </p:sp>
+      <p:sp>
+        <p:nvSpPr>
+          <p:cNvPr id="6" name="Footer Placeholder 5"/>
+          <p:cNvSpPr>
+            <a:spLocks noGrp="1"/>
+          </p:cNvSpPr>
+          <p:nvPr>
+            <p:ph type="ftr" sz="quarter" idx="11"/>
+          </p:nvPr>
+        </p:nvSpPr>
+        <p:spPr/>
+        <p:txBody>
+          <a:bodyPr/>
+          <a:lstStyle/>
+          <a:p>
+            <a:endParaRPr lang="zh-TW" altLang="en-US"/>
+          </a:p>
+        </p:txBody>
+      </p:sp>
+      <p:sp>
+        <p:nvSpPr>
+          <p:cNvPr id="7" name="Slide Number Placeholder 6"/>
+          <p:cNvSpPr>
+            <a:spLocks noGrp="1"/>
+          </p:cNvSpPr>
+          <p:nvPr>
+            <p:ph type="sldNum" sz="quarter" idx="12"/>
+          </p:nvPr>
+        </p:nvSpPr>
+        <p:spPr/>
+        <p:txBody>
+          <a:bodyPr/>
+          <a:lstStyle/>
+          <a:p>
+            <a:fld id="{687D793A-871E-42F3-8717-99C703D609B6}" type="slidenum">
+              <a:rPr lang="zh-TW" altLang="en-US" smtClean="0"/>
+              <a:t>‹#›</a:t>
+            </a:fld>
+            <a:endParaRPr lang="zh-TW" altLang="en-US"/>
+          </a:p>
+        </p:txBody>
+      </p:sp>
+    </p:spTree>
+    <p:extLst>
+      <p:ext uri="{BB962C8B-B14F-4D97-AF65-F5344CB8AC3E}">
+        <p14:creationId xmlns:p14="http://schemas.microsoft.com/office/powerpoint/2010/main" val="961737814"/>
+      </p:ext>
+    </p:extLst>
+  </p:cSld>
+  <p:clrMapOvr>
+    <a:masterClrMapping/>
+  </p:clrMapOvr>
+</p:sldLayout>
+</file>
+
+<file path=ppt/slideLayouts/slideLayout11.xml><?xml version="1.0" encoding="utf-8"?>
+<p:sldLayout xmlns:a="http://schemas.openxmlformats.org/drawingml/2006/main" xmlns:r="http://schemas.openxmlformats.org/officeDocument/2006/relationships" xmlns:p="http://schemas.openxmlformats.org/presentationml/2006/main" preserve="1">
+  <p:cSld name="標題與輔助字幕">
+    <p:spTree>
+      <p:nvGrpSpPr>
+        <p:cNvPr id="1" name=""/>
+        <p:cNvGrpSpPr/>
+        <p:nvPr/>
+      </p:nvGrpSpPr>
+      <p:grpSpPr>
+        <a:xfrm>
+          <a:off x="0" y="0"/>
+          <a:ext cx="0" cy="0"/>
+          <a:chOff x="0" y="0"/>
+          <a:chExt cx="0" cy="0"/>
+        </a:xfrm>
+      </p:grpSpPr>
+      <p:sp>
+        <p:nvSpPr>
+          <p:cNvPr id="2" name="Title 1"/>
+          <p:cNvSpPr>
+            <a:spLocks noGrp="1"/>
+          </p:cNvSpPr>
+          <p:nvPr>
+            <p:ph type="title"/>
+          </p:nvPr>
+        </p:nvSpPr>
+        <p:spPr>
+          <a:xfrm>
+            <a:off x="1154954" y="1447800"/>
+            <a:ext cx="8825659" cy="1981200"/>
+          </a:xfrm>
+        </p:spPr>
+        <p:txBody>
+          <a:bodyPr/>
+          <a:lstStyle>
+            <a:lvl1pPr>
+              <a:defRPr sz="4800"/>
+            </a:lvl1pPr>
+          </a:lstStyle>
+          <a:p>
+            <a:r>
+              <a:rPr lang="zh-TW" altLang="en-US"/>
+              <a:t>按一下以編輯母片標題樣式</a:t>
+            </a:r>
+            <a:endParaRPr lang="en-US" dirty="0"/>
+          </a:p>
+        </p:txBody>
+      </p:sp>
+      <p:sp>
+        <p:nvSpPr>
+          <p:cNvPr id="8" name="Text Placeholder 3"/>
+          <p:cNvSpPr>
+            <a:spLocks noGrp="1"/>
+          </p:cNvSpPr>
+          <p:nvPr>
+            <p:ph type="body" sz="half" idx="2"/>
+          </p:nvPr>
+        </p:nvSpPr>
+        <p:spPr>
+          <a:xfrm>
+            <a:off x="1154954" y="3657600"/>
+            <a:ext cx="8825659" cy="2362200"/>
+          </a:xfrm>
+        </p:spPr>
+        <p:txBody>
+          <a:bodyPr anchor="ctr">
+            <a:normAutofit/>
+          </a:bodyPr>
+          <a:lstStyle>
+            <a:lvl1pPr marL="0" indent="0">
+              <a:buNone/>
+              <a:defRPr sz="1800"/>
+            </a:lvl1pPr>
+            <a:lvl2pPr marL="457200" indent="0">
+              <a:buNone/>
+              <a:defRPr sz="1200"/>
+            </a:lvl2pPr>
+            <a:lvl3pPr marL="914400" indent="0">
+              <a:buNone/>
+              <a:defRPr sz="1000"/>
+            </a:lvl3pPr>
+            <a:lvl4pPr marL="1371600" indent="0">
+              <a:buNone/>
+              <a:defRPr sz="900"/>
+            </a:lvl4pPr>
+            <a:lvl5pPr marL="1828800" indent="0">
+              <a:buNone/>
+              <a:defRPr sz="900"/>
+            </a:lvl5pPr>
+            <a:lvl6pPr marL="2286000" indent="0">
+              <a:buNone/>
+              <a:defRPr sz="900"/>
+            </a:lvl6pPr>
+            <a:lvl7pPr marL="2743200" indent="0">
+              <a:buNone/>
+              <a:defRPr sz="900"/>
+            </a:lvl7pPr>
+            <a:lvl8pPr marL="3200400" indent="0">
+              <a:buNone/>
+              <a:defRPr sz="900"/>
+            </a:lvl8pPr>
+            <a:lvl9pPr marL="3657600" indent="0">
+              <a:buNone/>
+              <a:defRPr sz="900"/>
+            </a:lvl9pPr>
+          </a:lstStyle>
+          <a:p>
+            <a:pPr lvl="0"/>
+            <a:r>
+              <a:rPr lang="zh-TW" altLang="en-US"/>
+              <a:t>按一下以編輯母片文字樣式</a:t>
+            </a:r>
+          </a:p>
+        </p:txBody>
+      </p:sp>
+      <p:sp>
+        <p:nvSpPr>
+          <p:cNvPr id="4" name="Date Placeholder 3"/>
+          <p:cNvSpPr>
+            <a:spLocks noGrp="1"/>
+          </p:cNvSpPr>
+          <p:nvPr>
+            <p:ph type="dt" sz="half" idx="10"/>
+          </p:nvPr>
+        </p:nvSpPr>
+        <p:spPr/>
+        <p:txBody>
+          <a:bodyPr/>
+          <a:lstStyle/>
+          <a:p>
+            <a:fld id="{06E0D348-D20D-44A1-B21A-9F9EE4313730}" type="datetimeFigureOut">
+              <a:rPr lang="zh-TW" altLang="en-US" smtClean="0"/>
+              <a:t>2024/10/30</a:t>
+            </a:fld>
+            <a:endParaRPr lang="zh-TW" altLang="en-US"/>
+          </a:p>
+        </p:txBody>
+      </p:sp>
+      <p:sp>
+        <p:nvSpPr>
+          <p:cNvPr id="5" name="Footer Placeholder 4"/>
+          <p:cNvSpPr>
+            <a:spLocks noGrp="1"/>
+          </p:cNvSpPr>
+          <p:nvPr>
+            <p:ph type="ftr" sz="quarter" idx="11"/>
+          </p:nvPr>
+        </p:nvSpPr>
+        <p:spPr/>
+        <p:txBody>
+          <a:bodyPr/>
+          <a:lstStyle/>
+          <a:p>
+            <a:endParaRPr lang="zh-TW" altLang="en-US"/>
+          </a:p>
+        </p:txBody>
+      </p:sp>
+      <p:sp>
+        <p:nvSpPr>
+          <p:cNvPr id="6" name="Slide Number Placeholder 5"/>
+          <p:cNvSpPr>
+            <a:spLocks noGrp="1"/>
+          </p:cNvSpPr>
+          <p:nvPr>
+            <p:ph type="sldNum" sz="quarter" idx="12"/>
+          </p:nvPr>
+        </p:nvSpPr>
+        <p:spPr/>
+        <p:txBody>
+          <a:bodyPr/>
+          <a:lstStyle/>
+          <a:p>
+            <a:fld id="{687D793A-871E-42F3-8717-99C703D609B6}" type="slidenum">
+              <a:rPr lang="zh-TW" altLang="en-US" smtClean="0"/>
+              <a:t>‹#›</a:t>
+            </a:fld>
+            <a:endParaRPr lang="zh-TW" altLang="en-US"/>
+          </a:p>
+        </p:txBody>
+      </p:sp>
+    </p:spTree>
+    <p:extLst>
+      <p:ext uri="{BB962C8B-B14F-4D97-AF65-F5344CB8AC3E}">
+        <p14:creationId xmlns:p14="http://schemas.microsoft.com/office/powerpoint/2010/main" val="2954065387"/>
+      </p:ext>
+    </p:extLst>
+  </p:cSld>
+  <p:clrMapOvr>
+    <a:masterClrMapping/>
+  </p:clrMapOvr>
+</p:sldLayout>
+</file>
+
+<file path=ppt/slideLayouts/slideLayout12.xml><?xml version="1.0" encoding="utf-8"?>
+<p:sldLayout xmlns:a="http://schemas.openxmlformats.org/drawingml/2006/main" xmlns:r="http://schemas.openxmlformats.org/officeDocument/2006/relationships" xmlns:p="http://schemas.openxmlformats.org/presentationml/2006/main" preserve="1">
+  <p:cSld name="引述 (含輔助字幕)">
+    <p:spTree>
+      <p:nvGrpSpPr>
+        <p:cNvPr id="1" name=""/>
+        <p:cNvGrpSpPr/>
+        <p:nvPr/>
+      </p:nvGrpSpPr>
+      <p:grpSpPr>
+        <a:xfrm>
+          <a:off x="0" y="0"/>
+          <a:ext cx="0" cy="0"/>
+          <a:chOff x="0" y="0"/>
+          <a:chExt cx="0" cy="0"/>
+        </a:xfrm>
+      </p:grpSpPr>
+      <p:sp>
+        <p:nvSpPr>
+          <p:cNvPr id="2" name="Title 1"/>
+          <p:cNvSpPr>
+            <a:spLocks noGrp="1"/>
+          </p:cNvSpPr>
+          <p:nvPr>
+            <p:ph type="title"/>
+          </p:nvPr>
+        </p:nvSpPr>
+        <p:spPr>
+          <a:xfrm>
+            <a:off x="1574801" y="1447800"/>
+            <a:ext cx="7999315" cy="2323374"/>
+          </a:xfrm>
+        </p:spPr>
+        <p:txBody>
+          <a:bodyPr/>
+          <a:lstStyle>
+            <a:lvl1pPr>
+              <a:defRPr sz="4800"/>
+            </a:lvl1pPr>
+          </a:lstStyle>
+          <a:p>
+            <a:r>
+              <a:rPr lang="zh-TW" altLang="en-US"/>
+              <a:t>按一下以編輯母片標題樣式</a:t>
+            </a:r>
+            <a:endParaRPr lang="en-US" dirty="0"/>
+          </a:p>
+        </p:txBody>
+      </p:sp>
+      <p:sp>
+        <p:nvSpPr>
+          <p:cNvPr id="11" name="Text Placeholder 3"/>
+          <p:cNvSpPr>
+            <a:spLocks noGrp="1"/>
+          </p:cNvSpPr>
+          <p:nvPr>
+            <p:ph type="body" sz="half" idx="14"/>
+          </p:nvPr>
+        </p:nvSpPr>
+        <p:spPr>
+          <a:xfrm>
+            <a:off x="1930400" y="3771174"/>
+            <a:ext cx="7279649" cy="342174"/>
+          </a:xfrm>
+        </p:spPr>
+        <p:txBody>
+          <a:bodyPr vert="horz" lIns="91440" tIns="45720" rIns="91440" bIns="45720" rtlCol="0" anchor="t">
+            <a:normAutofit/>
+          </a:bodyPr>
+          <a:lstStyle>
+            <a:lvl1pPr marL="0" indent="0">
+              <a:buNone/>
+              <a:defRPr lang="en-US" sz="1400" b="0" i="0" kern="1200" cap="small" dirty="0">
+                <a:solidFill>
+                  <a:schemeClr val="bg2">
+                    <a:lumMod val="40000"/>
+                    <a:lumOff val="60000"/>
+                  </a:schemeClr>
+                </a:solidFill>
+                <a:latin typeface="+mj-lt"/>
+                <a:ea typeface="+mj-ea"/>
+                <a:cs typeface="+mj-cs"/>
+              </a:defRPr>
+            </a:lvl1pPr>
+            <a:lvl2pPr marL="457200" indent="0">
+              <a:buNone/>
+              <a:defRPr sz="1200"/>
+            </a:lvl2pPr>
+            <a:lvl3pPr marL="914400" indent="0">
+              <a:buNone/>
+              <a:defRPr sz="1000"/>
+            </a:lvl3pPr>
+            <a:lvl4pPr marL="1371600" indent="0">
+              <a:buNone/>
+              <a:defRPr sz="900"/>
+            </a:lvl4pPr>
+            <a:lvl5pPr marL="1828800" indent="0">
+              <a:buNone/>
+              <a:defRPr sz="900"/>
+            </a:lvl5pPr>
+            <a:lvl6pPr marL="2286000" indent="0">
+              <a:buNone/>
+              <a:defRPr sz="900"/>
+            </a:lvl6pPr>
+            <a:lvl7pPr marL="2743200" indent="0">
+              <a:buNone/>
+              <a:defRPr sz="900"/>
+            </a:lvl7pPr>
+            <a:lvl8pPr marL="3200400" indent="0">
+              <a:buNone/>
+              <a:defRPr sz="900"/>
+            </a:lvl8pPr>
+            <a:lvl9pPr marL="3657600" indent="0">
+              <a:buNone/>
+              <a:defRPr sz="900"/>
+            </a:lvl9pPr>
+          </a:lstStyle>
+          <a:p>
+            <a:pPr marL="0" lvl="0" indent="0">
+              <a:buNone/>
+            </a:pPr>
+            <a:r>
+              <a:rPr lang="zh-TW" altLang="en-US"/>
+              <a:t>按一下以編輯母片文字樣式</a:t>
+            </a:r>
+          </a:p>
+        </p:txBody>
+      </p:sp>
+      <p:sp>
+        <p:nvSpPr>
+          <p:cNvPr id="10" name="Text Placeholder 3"/>
+          <p:cNvSpPr>
+            <a:spLocks noGrp="1"/>
+          </p:cNvSpPr>
+          <p:nvPr>
+            <p:ph type="body" sz="half" idx="2"/>
+          </p:nvPr>
+        </p:nvSpPr>
+        <p:spPr>
+          <a:xfrm>
+            <a:off x="1154954" y="4350657"/>
+            <a:ext cx="8825659" cy="1676400"/>
+          </a:xfrm>
+        </p:spPr>
+        <p:txBody>
+          <a:bodyPr anchor="ctr">
+            <a:normAutofit/>
+          </a:bodyPr>
+          <a:lstStyle>
+            <a:lvl1pPr marL="0" indent="0">
+              <a:buNone/>
+              <a:defRPr sz="1800"/>
+            </a:lvl1pPr>
+            <a:lvl2pPr marL="457200" indent="0">
+              <a:buNone/>
+              <a:defRPr sz="1200"/>
+            </a:lvl2pPr>
+            <a:lvl3pPr marL="914400" indent="0">
+              <a:buNone/>
+              <a:defRPr sz="1000"/>
+            </a:lvl3pPr>
+            <a:lvl4pPr marL="1371600" indent="0">
+              <a:buNone/>
+              <a:defRPr sz="900"/>
+            </a:lvl4pPr>
+            <a:lvl5pPr marL="1828800" indent="0">
+              <a:buNone/>
+              <a:defRPr sz="900"/>
+            </a:lvl5pPr>
+            <a:lvl6pPr marL="2286000" indent="0">
+              <a:buNone/>
+              <a:defRPr sz="900"/>
+            </a:lvl6pPr>
+            <a:lvl7pPr marL="2743200" indent="0">
+              <a:buNone/>
+              <a:defRPr sz="900"/>
+            </a:lvl7pPr>
+            <a:lvl8pPr marL="3200400" indent="0">
+              <a:buNone/>
+              <a:defRPr sz="900"/>
+            </a:lvl8pPr>
+            <a:lvl9pPr marL="3657600" indent="0">
+              <a:buNone/>
+              <a:defRPr sz="900"/>
+            </a:lvl9pPr>
+          </a:lstStyle>
+          <a:p>
+            <a:pPr lvl="0"/>
+            <a:r>
+              <a:rPr lang="zh-TW" altLang="en-US"/>
+              <a:t>按一下以編輯母片文字樣式</a:t>
+            </a:r>
+          </a:p>
+        </p:txBody>
+      </p:sp>
+      <p:sp>
+        <p:nvSpPr>
+          <p:cNvPr id="4" name="Date Placeholder 3"/>
+          <p:cNvSpPr>
+            <a:spLocks noGrp="1"/>
+          </p:cNvSpPr>
+          <p:nvPr>
+            <p:ph type="dt" sz="half" idx="10"/>
+          </p:nvPr>
+        </p:nvSpPr>
+        <p:spPr/>
+        <p:txBody>
+          <a:bodyPr/>
+          <a:lstStyle/>
+          <a:p>
+            <a:fld id="{06E0D348-D20D-44A1-B21A-9F9EE4313730}" type="datetimeFigureOut">
+              <a:rPr lang="zh-TW" altLang="en-US" smtClean="0"/>
+              <a:t>2024/10/30</a:t>
+            </a:fld>
+            <a:endParaRPr lang="zh-TW" altLang="en-US"/>
+          </a:p>
+        </p:txBody>
+      </p:sp>
+      <p:sp>
+        <p:nvSpPr>
+          <p:cNvPr id="5" name="Footer Placeholder 4"/>
+          <p:cNvSpPr>
+            <a:spLocks noGrp="1"/>
+          </p:cNvSpPr>
+          <p:nvPr>
+            <p:ph type="ftr" sz="quarter" idx="11"/>
+          </p:nvPr>
+        </p:nvSpPr>
+        <p:spPr/>
+        <p:txBody>
+          <a:bodyPr/>
+          <a:lstStyle/>
+          <a:p>
+            <a:endParaRPr lang="zh-TW" altLang="en-US"/>
+          </a:p>
+        </p:txBody>
+      </p:sp>
+      <p:sp>
+        <p:nvSpPr>
+          <p:cNvPr id="6" name="Slide Number Placeholder 5"/>
+          <p:cNvSpPr>
+            <a:spLocks noGrp="1"/>
+          </p:cNvSpPr>
+          <p:nvPr>
+            <p:ph type="sldNum" sz="quarter" idx="12"/>
+          </p:nvPr>
+        </p:nvSpPr>
+        <p:spPr/>
+        <p:txBody>
+          <a:bodyPr/>
+          <a:lstStyle/>
+          <a:p>
+            <a:fld id="{687D793A-871E-42F3-8717-99C703D609B6}" type="slidenum">
+              <a:rPr lang="zh-TW" altLang="en-US" smtClean="0"/>
+              <a:t>‹#›</a:t>
+            </a:fld>
+            <a:endParaRPr lang="zh-TW" altLang="en-US"/>
+          </a:p>
+        </p:txBody>
+      </p:sp>
+      <p:sp>
+        <p:nvSpPr>
+          <p:cNvPr id="12" name="TextBox 11"/>
+          <p:cNvSpPr txBox="1"/>
+          <p:nvPr/>
+        </p:nvSpPr>
+        <p:spPr>
+          <a:xfrm>
+            <a:off x="898295" y="971253"/>
+            <a:ext cx="801912" cy="1969770"/>
+          </a:xfrm>
+          <a:prstGeom prst="rect">
+            <a:avLst/>
+          </a:prstGeom>
+          <a:noFill/>
+        </p:spPr>
+        <p:txBody>
+          <a:bodyPr wrap="square" rtlCol="0">
+            <a:spAutoFit/>
+          </a:bodyPr>
+          <a:lstStyle>
+            <a:defPPr>
+              <a:defRPr lang="en-US"/>
+            </a:defPPr>
+            <a:lvl1pPr algn="r">
+              <a:defRPr sz="12200" b="0" i="0">
+                <a:solidFill>
+                  <a:schemeClr val="bg2">
+                    <a:lumMod val="40000"/>
+                    <a:lumOff val="60000"/>
+                  </a:schemeClr>
+                </a:solidFill>
+                <a:latin typeface="Arial"/>
+                <a:ea typeface="+mj-ea"/>
+                <a:cs typeface="+mj-cs"/>
+              </a:defRPr>
+            </a:lvl1pPr>
+          </a:lstStyle>
+          <a:p>
+            <a:pPr lvl="0"/>
+            <a:r>
+              <a:rPr lang="en-US" dirty="0"/>
+              <a:t>“</a:t>
+            </a:r>
+          </a:p>
+        </p:txBody>
+      </p:sp>
+      <p:sp>
+        <p:nvSpPr>
+          <p:cNvPr id="15" name="TextBox 14"/>
+          <p:cNvSpPr txBox="1"/>
+          <p:nvPr/>
+        </p:nvSpPr>
+        <p:spPr>
+          <a:xfrm>
+            <a:off x="9330490" y="2613787"/>
+            <a:ext cx="801912" cy="1969770"/>
+          </a:xfrm>
+          <a:prstGeom prst="rect">
+            <a:avLst/>
+          </a:prstGeom>
+          <a:noFill/>
+        </p:spPr>
+        <p:txBody>
+          <a:bodyPr wrap="square" rtlCol="0">
+            <a:spAutoFit/>
+          </a:bodyPr>
+          <a:lstStyle>
+            <a:defPPr>
+              <a:defRPr lang="en-US"/>
+            </a:defPPr>
+            <a:lvl1pPr algn="r">
+              <a:defRPr sz="12200" b="0" i="0">
+                <a:solidFill>
+                  <a:schemeClr val="bg2">
+                    <a:lumMod val="40000"/>
+                    <a:lumOff val="60000"/>
+                  </a:schemeClr>
+                </a:solidFill>
+                <a:latin typeface="Arial"/>
+                <a:ea typeface="+mj-ea"/>
+                <a:cs typeface="+mj-cs"/>
+              </a:defRPr>
+            </a:lvl1pPr>
+          </a:lstStyle>
+          <a:p>
+            <a:pPr lvl="0"/>
+            <a:r>
+              <a:rPr lang="en-US" dirty="0"/>
+              <a:t>”</a:t>
+            </a:r>
+          </a:p>
+        </p:txBody>
+      </p:sp>
+    </p:spTree>
+    <p:extLst>
+      <p:ext uri="{BB962C8B-B14F-4D97-AF65-F5344CB8AC3E}">
+        <p14:creationId xmlns:p14="http://schemas.microsoft.com/office/powerpoint/2010/main" val="2399319729"/>
+      </p:ext>
+    </p:extLst>
+  </p:cSld>
+  <p:clrMapOvr>
+    <a:masterClrMapping/>
+  </p:clrMapOvr>
+</p:sldLayout>
+</file>
+
+<file path=ppt/slideLayouts/slideLayout13.xml><?xml version="1.0" encoding="utf-8"?>
+<p:sldLayout xmlns:a="http://schemas.openxmlformats.org/drawingml/2006/main" xmlns:r="http://schemas.openxmlformats.org/officeDocument/2006/relationships" xmlns:p="http://schemas.openxmlformats.org/presentationml/2006/main" preserve="1">
+  <p:cSld name="名片">
+    <p:spTree>
+      <p:nvGrpSpPr>
+        <p:cNvPr id="1" name=""/>
+        <p:cNvGrpSpPr/>
+        <p:nvPr/>
+      </p:nvGrpSpPr>
+      <p:grpSpPr>
+        <a:xfrm>
+          <a:off x="0" y="0"/>
+          <a:ext cx="0" cy="0"/>
+          <a:chOff x="0" y="0"/>
+          <a:chExt cx="0" cy="0"/>
+        </a:xfrm>
+      </p:grpSpPr>
+      <p:sp>
+        <p:nvSpPr>
+          <p:cNvPr id="2" name="Title 1"/>
+          <p:cNvSpPr>
+            <a:spLocks noGrp="1"/>
+          </p:cNvSpPr>
+          <p:nvPr>
+            <p:ph type="title"/>
+          </p:nvPr>
+        </p:nvSpPr>
+        <p:spPr>
+          <a:xfrm>
+            <a:off x="1154954" y="3124201"/>
+            <a:ext cx="8825660" cy="1653180"/>
+          </a:xfrm>
+        </p:spPr>
+        <p:txBody>
+          <a:bodyPr anchor="b"/>
+          <a:lstStyle>
+            <a:lvl1pPr algn="l">
+              <a:defRPr sz="4000" b="0" cap="none"/>
+            </a:lvl1pPr>
+          </a:lstStyle>
+          <a:p>
+            <a:r>
+              <a:rPr lang="zh-TW" altLang="en-US"/>
+              <a:t>按一下以編輯母片標題樣式</a:t>
+            </a:r>
+            <a:endParaRPr lang="en-US" dirty="0"/>
+          </a:p>
+        </p:txBody>
+      </p:sp>
+      <p:sp>
+        <p:nvSpPr>
+          <p:cNvPr id="3" name="Text Placeholder 2"/>
+          <p:cNvSpPr>
+            <a:spLocks noGrp="1"/>
+          </p:cNvSpPr>
+          <p:nvPr>
+            <p:ph type="body" idx="1"/>
+          </p:nvPr>
+        </p:nvSpPr>
+        <p:spPr>
+          <a:xfrm>
+            <a:off x="1154954" y="4777381"/>
+            <a:ext cx="8825659" cy="860400"/>
+          </a:xfrm>
+        </p:spPr>
+        <p:txBody>
+          <a:bodyPr anchor="t"/>
+          <a:lstStyle>
+            <a:lvl1pPr marL="0" indent="0" algn="l">
+              <a:buNone/>
+              <a:defRPr sz="2000" cap="none">
+                <a:solidFill>
+                  <a:schemeClr val="bg2">
+                    <a:lumMod val="40000"/>
+                    <a:lumOff val="60000"/>
+                  </a:schemeClr>
+                </a:solidFill>
+              </a:defRPr>
+            </a:lvl1pPr>
+            <a:lvl2pPr marL="457200" indent="0">
+              <a:buNone/>
+              <a:defRPr sz="1800">
+                <a:solidFill>
+                  <a:schemeClr val="tx1">
+                    <a:tint val="75000"/>
+                  </a:schemeClr>
+                </a:solidFill>
+              </a:defRPr>
+            </a:lvl2pPr>
+            <a:lvl3pPr marL="914400" indent="0">
+              <a:buNone/>
+              <a:defRPr sz="1600">
+                <a:solidFill>
+                  <a:schemeClr val="tx1">
+                    <a:tint val="75000"/>
+                  </a:schemeClr>
+                </a:solidFill>
+              </a:defRPr>
+            </a:lvl3pPr>
+            <a:lvl4pPr marL="1371600" indent="0">
+              <a:buNone/>
+              <a:defRPr sz="1400">
+                <a:solidFill>
+                  <a:schemeClr val="tx1">
+                    <a:tint val="75000"/>
+                  </a:schemeClr>
+                </a:solidFill>
+              </a:defRPr>
+            </a:lvl4pPr>
+            <a:lvl5pPr marL="1828800" indent="0">
+              <a:buNone/>
+              <a:defRPr sz="1400">
+                <a:solidFill>
+                  <a:schemeClr val="tx1">
+                    <a:tint val="75000"/>
+                  </a:schemeClr>
+                </a:solidFill>
+              </a:defRPr>
+            </a:lvl5pPr>
+            <a:lvl6pPr marL="2286000" indent="0">
+              <a:buNone/>
+              <a:defRPr sz="1400">
+                <a:solidFill>
+                  <a:schemeClr val="tx1">
+                    <a:tint val="75000"/>
+                  </a:schemeClr>
+                </a:solidFill>
+              </a:defRPr>
+            </a:lvl6pPr>
+            <a:lvl7pPr marL="2743200" indent="0">
+              <a:buNone/>
+              <a:defRPr sz="1400">
+                <a:solidFill>
+                  <a:schemeClr val="tx1">
+                    <a:tint val="75000"/>
+                  </a:schemeClr>
+                </a:solidFill>
+              </a:defRPr>
+            </a:lvl7pPr>
+            <a:lvl8pPr marL="3200400" indent="0">
+              <a:buNone/>
+              <a:defRPr sz="1400">
+                <a:solidFill>
+                  <a:schemeClr val="tx1">
+                    <a:tint val="75000"/>
+                  </a:schemeClr>
+                </a:solidFill>
+              </a:defRPr>
+            </a:lvl8pPr>
+            <a:lvl9pPr marL="3657600" indent="0">
+              <a:buNone/>
+              <a:defRPr sz="1400">
+                <a:solidFill>
+                  <a:schemeClr val="tx1">
+                    <a:tint val="75000"/>
+                  </a:schemeClr>
+                </a:solidFill>
+              </a:defRPr>
+            </a:lvl9pPr>
+          </a:lstStyle>
+          <a:p>
+            <a:pPr lvl="0"/>
+            <a:r>
+              <a:rPr lang="zh-TW" altLang="en-US"/>
+              <a:t>按一下以編輯母片文字樣式</a:t>
+            </a:r>
+          </a:p>
+        </p:txBody>
+      </p:sp>
+      <p:sp>
+        <p:nvSpPr>
+          <p:cNvPr id="4" name="Date Placeholder 3"/>
+          <p:cNvSpPr>
+            <a:spLocks noGrp="1"/>
+          </p:cNvSpPr>
+          <p:nvPr>
+            <p:ph type="dt" sz="half" idx="10"/>
+          </p:nvPr>
+        </p:nvSpPr>
+        <p:spPr/>
+        <p:txBody>
+          <a:bodyPr/>
+          <a:lstStyle/>
+          <a:p>
+            <a:fld id="{06E0D348-D20D-44A1-B21A-9F9EE4313730}" type="datetimeFigureOut">
+              <a:rPr lang="zh-TW" altLang="en-US" smtClean="0"/>
+              <a:t>2024/10/30</a:t>
+            </a:fld>
+            <a:endParaRPr lang="zh-TW" altLang="en-US"/>
+          </a:p>
+        </p:txBody>
+      </p:sp>
+      <p:sp>
+        <p:nvSpPr>
+          <p:cNvPr id="5" name="Footer Placeholder 4"/>
+          <p:cNvSpPr>
+            <a:spLocks noGrp="1"/>
+          </p:cNvSpPr>
+          <p:nvPr>
+            <p:ph type="ftr" sz="quarter" idx="11"/>
+          </p:nvPr>
+        </p:nvSpPr>
+        <p:spPr/>
+        <p:txBody>
+          <a:bodyPr/>
+          <a:lstStyle/>
+          <a:p>
+            <a:endParaRPr lang="zh-TW" altLang="en-US"/>
+          </a:p>
+        </p:txBody>
+      </p:sp>
+      <p:sp>
+        <p:nvSpPr>
+          <p:cNvPr id="6" name="Slide Number Placeholder 5"/>
+          <p:cNvSpPr>
+            <a:spLocks noGrp="1"/>
+          </p:cNvSpPr>
+          <p:nvPr>
+            <p:ph type="sldNum" sz="quarter" idx="12"/>
+          </p:nvPr>
+        </p:nvSpPr>
+        <p:spPr/>
+        <p:txBody>
+          <a:bodyPr/>
+          <a:lstStyle/>
+          <a:p>
+            <a:fld id="{687D793A-871E-42F3-8717-99C703D609B6}" type="slidenum">
+              <a:rPr lang="zh-TW" altLang="en-US" smtClean="0"/>
+              <a:t>‹#›</a:t>
+            </a:fld>
+            <a:endParaRPr lang="zh-TW" altLang="en-US"/>
+          </a:p>
+        </p:txBody>
+      </p:sp>
+    </p:spTree>
+    <p:extLst>
+      <p:ext uri="{BB962C8B-B14F-4D97-AF65-F5344CB8AC3E}">
+        <p14:creationId xmlns:p14="http://schemas.microsoft.com/office/powerpoint/2010/main" val="786989691"/>
+      </p:ext>
+    </p:extLst>
+  </p:cSld>
+  <p:clrMapOvr>
+    <a:masterClrMapping/>
+  </p:clrMapOvr>
+</p:sldLayout>
+</file>
+
+<file path=ppt/slideLayouts/slideLayout14.xml><?xml version="1.0" encoding="utf-8"?>
+<p:sldLayout xmlns:a="http://schemas.openxmlformats.org/drawingml/2006/main" xmlns:r="http://schemas.openxmlformats.org/officeDocument/2006/relationships" xmlns:p="http://schemas.openxmlformats.org/presentationml/2006/main" preserve="1">
+  <p:cSld name="3 欄">
+    <p:spTree>
+      <p:nvGrpSpPr>
+        <p:cNvPr id="1" name=""/>
+        <p:cNvGrpSpPr/>
+        <p:nvPr/>
+      </p:nvGrpSpPr>
+      <p:grpSpPr>
+        <a:xfrm>
+          <a:off x="0" y="0"/>
+          <a:ext cx="0" cy="0"/>
+          <a:chOff x="0" y="0"/>
+          <a:chExt cx="0" cy="0"/>
+        </a:xfrm>
+      </p:grpSpPr>
+      <p:sp>
+        <p:nvSpPr>
+          <p:cNvPr id="2" name="Title 1"/>
+          <p:cNvSpPr>
+            <a:spLocks noGrp="1"/>
+          </p:cNvSpPr>
+          <p:nvPr>
+            <p:ph type="title"/>
+          </p:nvPr>
+        </p:nvSpPr>
+        <p:spPr/>
+        <p:txBody>
+          <a:bodyPr/>
+          <a:lstStyle>
+            <a:lvl1pPr>
+              <a:defRPr sz="4200"/>
+            </a:lvl1pPr>
+          </a:lstStyle>
+          <a:p>
+            <a:r>
+              <a:rPr lang="zh-TW" altLang="en-US"/>
+              <a:t>按一下以編輯母片標題樣式</a:t>
+            </a:r>
+            <a:endParaRPr lang="en-US" dirty="0"/>
+          </a:p>
+        </p:txBody>
+      </p:sp>
+      <p:sp>
+        <p:nvSpPr>
+          <p:cNvPr id="3" name="Text Placeholder 2"/>
+          <p:cNvSpPr>
+            <a:spLocks noGrp="1"/>
+          </p:cNvSpPr>
+          <p:nvPr>
+            <p:ph type="body" idx="1"/>
+          </p:nvPr>
+        </p:nvSpPr>
+        <p:spPr>
+          <a:xfrm>
+            <a:off x="632947" y="1981200"/>
+            <a:ext cx="2946866" cy="576262"/>
+          </a:xfrm>
+        </p:spPr>
+        <p:txBody>
+          <a:bodyPr anchor="b">
+            <a:noAutofit/>
+          </a:bodyPr>
+          <a:lstStyle>
+            <a:lvl1pPr marL="0" indent="0">
+              <a:buNone/>
+              <a:defRPr sz="2400" b="0">
+                <a:solidFill>
+                  <a:schemeClr val="bg2">
+                    <a:lumMod val="40000"/>
+                    <a:lumOff val="60000"/>
+                  </a:schemeClr>
+                </a:solidFill>
+              </a:defRPr>
+            </a:lvl1pPr>
+            <a:lvl2pPr marL="457200" indent="0">
+              <a:buNone/>
+              <a:defRPr sz="2000" b="1"/>
+            </a:lvl2pPr>
+            <a:lvl3pPr marL="914400" indent="0">
+              <a:buNone/>
+              <a:defRPr sz="1800" b="1"/>
+            </a:lvl3pPr>
+            <a:lvl4pPr marL="1371600" indent="0">
+              <a:buNone/>
+              <a:defRPr sz="1600" b="1"/>
+            </a:lvl4pPr>
+            <a:lvl5pPr marL="1828800" indent="0">
+              <a:buNone/>
+              <a:defRPr sz="1600" b="1"/>
+            </a:lvl5pPr>
+            <a:lvl6pPr marL="2286000" indent="0">
+              <a:buNone/>
+              <a:defRPr sz="1600" b="1"/>
+            </a:lvl6pPr>
+            <a:lvl7pPr marL="2743200" indent="0">
+              <a:buNone/>
+              <a:defRPr sz="1600" b="1"/>
+            </a:lvl7pPr>
+            <a:lvl8pPr marL="3200400" indent="0">
+              <a:buNone/>
+              <a:defRPr sz="1600" b="1"/>
+            </a:lvl8pPr>
+            <a:lvl9pPr marL="3657600" indent="0">
+              <a:buNone/>
+              <a:defRPr sz="1600" b="1"/>
+            </a:lvl9pPr>
+          </a:lstStyle>
+          <a:p>
+            <a:pPr lvl="0"/>
+            <a:r>
+              <a:rPr lang="zh-TW" altLang="en-US"/>
+              <a:t>按一下以編輯母片文字樣式</a:t>
+            </a:r>
+          </a:p>
+        </p:txBody>
+      </p:sp>
+      <p:sp>
+        <p:nvSpPr>
+          <p:cNvPr id="16" name="Text Placeholder 3"/>
+          <p:cNvSpPr>
+            <a:spLocks noGrp="1"/>
+          </p:cNvSpPr>
+          <p:nvPr>
+            <p:ph type="body" sz="half" idx="15"/>
+          </p:nvPr>
+        </p:nvSpPr>
+        <p:spPr>
+          <a:xfrm>
+            <a:off x="652463" y="2667000"/>
+            <a:ext cx="2927350" cy="3589338"/>
+          </a:xfrm>
+        </p:spPr>
+        <p:txBody>
+          <a:bodyPr anchor="t">
+            <a:normAutofit/>
+          </a:bodyPr>
+          <a:lstStyle>
+            <a:lvl1pPr marL="0" indent="0">
+              <a:buNone/>
+              <a:defRPr sz="1400"/>
+            </a:lvl1pPr>
+            <a:lvl2pPr marL="457200" indent="0">
+              <a:buNone/>
+              <a:defRPr sz="1200"/>
+            </a:lvl2pPr>
+            <a:lvl3pPr marL="914400" indent="0">
+              <a:buNone/>
+              <a:defRPr sz="1000"/>
+            </a:lvl3pPr>
+            <a:lvl4pPr marL="1371600" indent="0">
+              <a:buNone/>
+              <a:defRPr sz="900"/>
+            </a:lvl4pPr>
+            <a:lvl5pPr marL="1828800" indent="0">
+              <a:buNone/>
+              <a:defRPr sz="900"/>
+            </a:lvl5pPr>
+            <a:lvl6pPr marL="2286000" indent="0">
+              <a:buNone/>
+              <a:defRPr sz="900"/>
+            </a:lvl6pPr>
+            <a:lvl7pPr marL="2743200" indent="0">
+              <a:buNone/>
+              <a:defRPr sz="900"/>
+            </a:lvl7pPr>
+            <a:lvl8pPr marL="3200400" indent="0">
+              <a:buNone/>
+              <a:defRPr sz="900"/>
+            </a:lvl8pPr>
+            <a:lvl9pPr marL="3657600" indent="0">
+              <a:buNone/>
+              <a:defRPr sz="900"/>
+            </a:lvl9pPr>
+          </a:lstStyle>
+          <a:p>
+            <a:pPr lvl="0"/>
+            <a:r>
+              <a:rPr lang="zh-TW" altLang="en-US"/>
+              <a:t>按一下以編輯母片文字樣式</a:t>
+            </a:r>
+          </a:p>
+        </p:txBody>
+      </p:sp>
+      <p:sp>
+        <p:nvSpPr>
+          <p:cNvPr id="5" name="Text Placeholder 4"/>
+          <p:cNvSpPr>
+            <a:spLocks noGrp="1"/>
+          </p:cNvSpPr>
+          <p:nvPr>
+            <p:ph type="body" sz="quarter" idx="3"/>
+          </p:nvPr>
+        </p:nvSpPr>
+        <p:spPr>
+          <a:xfrm>
+            <a:off x="3883659" y="1981200"/>
+            <a:ext cx="2936241" cy="576262"/>
+          </a:xfrm>
+        </p:spPr>
+        <p:txBody>
+          <a:bodyPr anchor="b">
+            <a:noAutofit/>
+          </a:bodyPr>
+          <a:lstStyle>
+            <a:lvl1pPr marL="0" indent="0">
+              <a:buNone/>
+              <a:defRPr sz="2400" b="0">
+                <a:solidFill>
+                  <a:schemeClr val="bg2">
+                    <a:lumMod val="40000"/>
+                    <a:lumOff val="60000"/>
+                  </a:schemeClr>
+                </a:solidFill>
+              </a:defRPr>
+            </a:lvl1pPr>
+            <a:lvl2pPr marL="457200" indent="0">
+              <a:buNone/>
+              <a:defRPr sz="2000" b="1"/>
+            </a:lvl2pPr>
+            <a:lvl3pPr marL="914400" indent="0">
+              <a:buNone/>
+              <a:defRPr sz="1800" b="1"/>
+            </a:lvl3pPr>
+            <a:lvl4pPr marL="1371600" indent="0">
+              <a:buNone/>
+              <a:defRPr sz="1600" b="1"/>
+            </a:lvl4pPr>
+            <a:lvl5pPr marL="1828800" indent="0">
+              <a:buNone/>
+              <a:defRPr sz="1600" b="1"/>
+            </a:lvl5pPr>
+            <a:lvl6pPr marL="2286000" indent="0">
+              <a:buNone/>
+              <a:defRPr sz="1600" b="1"/>
+            </a:lvl6pPr>
+            <a:lvl7pPr marL="2743200" indent="0">
+              <a:buNone/>
+              <a:defRPr sz="1600" b="1"/>
+            </a:lvl7pPr>
+            <a:lvl8pPr marL="3200400" indent="0">
+              <a:buNone/>
+              <a:defRPr sz="1600" b="1"/>
+            </a:lvl8pPr>
+            <a:lvl9pPr marL="3657600" indent="0">
+              <a:buNone/>
+              <a:defRPr sz="1600" b="1"/>
+            </a:lvl9pPr>
+          </a:lstStyle>
+          <a:p>
+            <a:pPr lvl="0"/>
+            <a:r>
+              <a:rPr lang="zh-TW" altLang="en-US"/>
+              <a:t>按一下以編輯母片文字樣式</a:t>
+            </a:r>
+          </a:p>
+        </p:txBody>
+      </p:sp>
+      <p:sp>
+        <p:nvSpPr>
+          <p:cNvPr id="19" name="Text Placeholder 3"/>
+          <p:cNvSpPr>
+            <a:spLocks noGrp="1"/>
+          </p:cNvSpPr>
+          <p:nvPr>
+            <p:ph type="body" sz="half" idx="16"/>
+          </p:nvPr>
+        </p:nvSpPr>
+        <p:spPr>
+          <a:xfrm>
+            <a:off x="3873106" y="2667000"/>
+            <a:ext cx="2946794" cy="3589338"/>
+          </a:xfrm>
+        </p:spPr>
+        <p:txBody>
+          <a:bodyPr anchor="t">
+            <a:normAutofit/>
+          </a:bodyPr>
+          <a:lstStyle>
+            <a:lvl1pPr marL="0" indent="0">
+              <a:buNone/>
+              <a:defRPr sz="1400"/>
+            </a:lvl1pPr>
+            <a:lvl2pPr marL="457200" indent="0">
+              <a:buNone/>
+              <a:defRPr sz="1200"/>
+            </a:lvl2pPr>
+            <a:lvl3pPr marL="914400" indent="0">
+              <a:buNone/>
+              <a:defRPr sz="1000"/>
+            </a:lvl3pPr>
+            <a:lvl4pPr marL="1371600" indent="0">
+              <a:buNone/>
+              <a:defRPr sz="900"/>
+            </a:lvl4pPr>
+            <a:lvl5pPr marL="1828800" indent="0">
+              <a:buNone/>
+              <a:defRPr sz="900"/>
+            </a:lvl5pPr>
+            <a:lvl6pPr marL="2286000" indent="0">
+              <a:buNone/>
+              <a:defRPr sz="900"/>
+            </a:lvl6pPr>
+            <a:lvl7pPr marL="2743200" indent="0">
+              <a:buNone/>
+              <a:defRPr sz="900"/>
+            </a:lvl7pPr>
+            <a:lvl8pPr marL="3200400" indent="0">
+              <a:buNone/>
+              <a:defRPr sz="900"/>
+            </a:lvl8pPr>
+            <a:lvl9pPr marL="3657600" indent="0">
+              <a:buNone/>
+              <a:defRPr sz="900"/>
+            </a:lvl9pPr>
+          </a:lstStyle>
+          <a:p>
+            <a:pPr lvl="0"/>
+            <a:r>
+              <a:rPr lang="zh-TW" altLang="en-US"/>
+              <a:t>按一下以編輯母片文字樣式</a:t>
+            </a:r>
+          </a:p>
+        </p:txBody>
+      </p:sp>
+      <p:sp>
+        <p:nvSpPr>
+          <p:cNvPr id="14" name="Text Placeholder 4"/>
+          <p:cNvSpPr>
+            <a:spLocks noGrp="1"/>
+          </p:cNvSpPr>
+          <p:nvPr>
+            <p:ph type="body" sz="quarter" idx="13"/>
+          </p:nvPr>
+        </p:nvSpPr>
+        <p:spPr>
+          <a:xfrm>
+            <a:off x="7124700" y="1981200"/>
+            <a:ext cx="2932113" cy="576262"/>
+          </a:xfrm>
+        </p:spPr>
+        <p:txBody>
+          <a:bodyPr anchor="b">
+            <a:noAutofit/>
+          </a:bodyPr>
+          <a:lstStyle>
+            <a:lvl1pPr marL="0" indent="0">
+              <a:buNone/>
+              <a:defRPr sz="2400" b="0">
+                <a:solidFill>
+                  <a:schemeClr val="bg2">
+                    <a:lumMod val="40000"/>
+                    <a:lumOff val="60000"/>
+                  </a:schemeClr>
+                </a:solidFill>
+              </a:defRPr>
+            </a:lvl1pPr>
+            <a:lvl2pPr marL="457200" indent="0">
+              <a:buNone/>
+              <a:defRPr sz="2000" b="1"/>
+            </a:lvl2pPr>
+            <a:lvl3pPr marL="914400" indent="0">
+              <a:buNone/>
+              <a:defRPr sz="1800" b="1"/>
+            </a:lvl3pPr>
+            <a:lvl4pPr marL="1371600" indent="0">
+              <a:buNone/>
+              <a:defRPr sz="1600" b="1"/>
+            </a:lvl4pPr>
+            <a:lvl5pPr marL="1828800" indent="0">
+              <a:buNone/>
+              <a:defRPr sz="1600" b="1"/>
+            </a:lvl5pPr>
+            <a:lvl6pPr marL="2286000" indent="0">
+              <a:buNone/>
+              <a:defRPr sz="1600" b="1"/>
+            </a:lvl6pPr>
+            <a:lvl7pPr marL="2743200" indent="0">
+              <a:buNone/>
+              <a:defRPr sz="1600" b="1"/>
+            </a:lvl7pPr>
+            <a:lvl8pPr marL="3200400" indent="0">
+              <a:buNone/>
+              <a:defRPr sz="1600" b="1"/>
+            </a:lvl8pPr>
+            <a:lvl9pPr marL="3657600" indent="0">
+              <a:buNone/>
+              <a:defRPr sz="1600" b="1"/>
+            </a:lvl9pPr>
+          </a:lstStyle>
+          <a:p>
+            <a:pPr lvl="0"/>
+            <a:r>
+              <a:rPr lang="zh-TW" altLang="en-US"/>
+              <a:t>按一下以編輯母片文字樣式</a:t>
+            </a:r>
+          </a:p>
+        </p:txBody>
+      </p:sp>
+      <p:sp>
+        <p:nvSpPr>
+          <p:cNvPr id="20" name="Text Placeholder 3"/>
+          <p:cNvSpPr>
+            <a:spLocks noGrp="1"/>
+          </p:cNvSpPr>
+          <p:nvPr>
+            <p:ph type="body" sz="half" idx="17"/>
+          </p:nvPr>
+        </p:nvSpPr>
+        <p:spPr>
+          <a:xfrm>
+            <a:off x="7124700" y="2667000"/>
+            <a:ext cx="2932113" cy="3589338"/>
+          </a:xfrm>
+        </p:spPr>
+        <p:txBody>
+          <a:bodyPr anchor="t">
+            <a:normAutofit/>
+          </a:bodyPr>
+          <a:lstStyle>
+            <a:lvl1pPr marL="0" indent="0">
+              <a:buNone/>
+              <a:defRPr sz="1400"/>
+            </a:lvl1pPr>
+            <a:lvl2pPr marL="457200" indent="0">
+              <a:buNone/>
+              <a:defRPr sz="1200"/>
+            </a:lvl2pPr>
+            <a:lvl3pPr marL="914400" indent="0">
+              <a:buNone/>
+              <a:defRPr sz="1000"/>
+            </a:lvl3pPr>
+            <a:lvl4pPr marL="1371600" indent="0">
+              <a:buNone/>
+              <a:defRPr sz="900"/>
+            </a:lvl4pPr>
+            <a:lvl5pPr marL="1828800" indent="0">
+              <a:buNone/>
+              <a:defRPr sz="900"/>
+            </a:lvl5pPr>
+            <a:lvl6pPr marL="2286000" indent="0">
+              <a:buNone/>
+              <a:defRPr sz="900"/>
+            </a:lvl6pPr>
+            <a:lvl7pPr marL="2743200" indent="0">
+              <a:buNone/>
+              <a:defRPr sz="900"/>
+            </a:lvl7pPr>
+            <a:lvl8pPr marL="3200400" indent="0">
+              <a:buNone/>
+              <a:defRPr sz="900"/>
+            </a:lvl8pPr>
+            <a:lvl9pPr marL="3657600" indent="0">
+              <a:buNone/>
+              <a:defRPr sz="900"/>
+            </a:lvl9pPr>
+          </a:lstStyle>
+          <a:p>
+            <a:pPr lvl="0"/>
+            <a:r>
+              <a:rPr lang="zh-TW" altLang="en-US"/>
+              <a:t>按一下以編輯母片文字樣式</a:t>
+            </a:r>
+          </a:p>
+        </p:txBody>
+      </p:sp>
+      <p:cxnSp>
+        <p:nvCxnSpPr>
+          <p:cNvPr id="17" name="Straight Connector 16"/>
+          <p:cNvCxnSpPr/>
+          <p:nvPr/>
+        </p:nvCxnSpPr>
+        <p:spPr>
+          <a:xfrm>
+            <a:off x="3726142" y="2133600"/>
+            <a:ext cx="0" cy="3962400"/>
+          </a:xfrm>
+          <a:prstGeom prst="line">
+            <a:avLst/>
+          </a:prstGeom>
+          <a:ln w="12700" cmpd="sng">
+            <a:solidFill>
+              <a:schemeClr val="bg2">
+                <a:lumMod val="40000"/>
+                <a:lumOff val="60000"/>
+                <a:alpha val="40000"/>
+              </a:schemeClr>
+            </a:solidFill>
+          </a:ln>
+        </p:spPr>
+        <p:style>
+          <a:lnRef idx="2">
+            <a:schemeClr val="accent1"/>
+          </a:lnRef>
+          <a:fillRef idx="0">
+            <a:schemeClr val="accent1"/>
+          </a:fillRef>
+          <a:effectRef idx="1">
+            <a:schemeClr val="accent1"/>
+          </a:effectRef>
+          <a:fontRef idx="minor">
+            <a:schemeClr val="tx1"/>
+          </a:fontRef>
+        </p:style>
+      </p:cxnSp>
+      <p:cxnSp>
+        <p:nvCxnSpPr>
+          <p:cNvPr id="18" name="Straight Connector 17"/>
+          <p:cNvCxnSpPr/>
+          <p:nvPr/>
+        </p:nvCxnSpPr>
+        <p:spPr>
+          <a:xfrm>
+            <a:off x="6962227" y="2133600"/>
+            <a:ext cx="0" cy="3966882"/>
+          </a:xfrm>
+          <a:prstGeom prst="line">
+            <a:avLst/>
+          </a:prstGeom>
+          <a:ln w="12700" cmpd="sng">
+            <a:solidFill>
+              <a:schemeClr val="bg2">
+                <a:lumMod val="40000"/>
+                <a:lumOff val="60000"/>
+                <a:alpha val="40000"/>
+              </a:schemeClr>
+            </a:solidFill>
+          </a:ln>
+        </p:spPr>
+        <p:style>
+          <a:lnRef idx="2">
+            <a:schemeClr val="accent1"/>
+          </a:lnRef>
+          <a:fillRef idx="0">
+            <a:schemeClr val="accent1"/>
+          </a:fillRef>
+          <a:effectRef idx="1">
+            <a:schemeClr val="accent1"/>
+          </a:effectRef>
+          <a:fontRef idx="minor">
+            <a:schemeClr val="tx1"/>
+          </a:fontRef>
+        </p:style>
+      </p:cxnSp>
+      <p:sp>
+        <p:nvSpPr>
+          <p:cNvPr id="7" name="Date Placeholder 3"/>
+          <p:cNvSpPr>
+            <a:spLocks noGrp="1"/>
+          </p:cNvSpPr>
+          <p:nvPr>
+            <p:ph type="dt" sz="half" idx="10"/>
+          </p:nvPr>
+        </p:nvSpPr>
+        <p:spPr/>
+        <p:txBody>
+          <a:bodyPr/>
+          <a:lstStyle/>
+          <a:p>
+            <a:fld id="{06E0D348-D20D-44A1-B21A-9F9EE4313730}" type="datetimeFigureOut">
+              <a:rPr lang="zh-TW" altLang="en-US" smtClean="0"/>
+              <a:t>2024/10/30</a:t>
+            </a:fld>
+            <a:endParaRPr lang="zh-TW" altLang="en-US"/>
+          </a:p>
+        </p:txBody>
+      </p:sp>
+      <p:sp>
+        <p:nvSpPr>
+          <p:cNvPr id="4" name="Footer Placeholder 4"/>
+          <p:cNvSpPr>
+            <a:spLocks noGrp="1"/>
+          </p:cNvSpPr>
+          <p:nvPr>
+            <p:ph type="ftr" sz="quarter" idx="11"/>
+          </p:nvPr>
+        </p:nvSpPr>
+        <p:spPr/>
+        <p:txBody>
+          <a:bodyPr/>
+          <a:lstStyle/>
+          <a:p>
+            <a:endParaRPr lang="zh-TW" altLang="en-US"/>
+          </a:p>
+        </p:txBody>
+      </p:sp>
+      <p:sp>
+        <p:nvSpPr>
+          <p:cNvPr id="6" name="Slide Number Placeholder 5"/>
+          <p:cNvSpPr>
+            <a:spLocks noGrp="1"/>
+          </p:cNvSpPr>
+          <p:nvPr>
+            <p:ph type="sldNum" sz="quarter" idx="12"/>
+          </p:nvPr>
+        </p:nvSpPr>
+        <p:spPr/>
+        <p:txBody>
+          <a:bodyPr/>
+          <a:lstStyle/>
+          <a:p>
+            <a:fld id="{687D793A-871E-42F3-8717-99C703D609B6}" type="slidenum">
+              <a:rPr lang="zh-TW" altLang="en-US" smtClean="0"/>
+              <a:t>‹#›</a:t>
+            </a:fld>
+            <a:endParaRPr lang="zh-TW" altLang="en-US"/>
+          </a:p>
+        </p:txBody>
+      </p:sp>
+    </p:spTree>
+    <p:extLst>
+      <p:ext uri="{BB962C8B-B14F-4D97-AF65-F5344CB8AC3E}">
+        <p14:creationId xmlns:p14="http://schemas.microsoft.com/office/powerpoint/2010/main" val="1805520030"/>
+      </p:ext>
+    </p:extLst>
+  </p:cSld>
+  <p:clrMapOvr>
+    <a:masterClrMapping/>
+  </p:clrMapOvr>
+</p:sldLayout>
+</file>
+
+<file path=ppt/slideLayouts/slideLayout15.xml><?xml version="1.0" encoding="utf-8"?>
+<p:sldLayout xmlns:a="http://schemas.openxmlformats.org/drawingml/2006/main" xmlns:r="http://schemas.openxmlformats.org/officeDocument/2006/relationships" xmlns:p="http://schemas.openxmlformats.org/presentationml/2006/main" preserve="1">
+  <p:cSld name="3 圖片欄">
+    <p:spTree>
+      <p:nvGrpSpPr>
+        <p:cNvPr id="1" name=""/>
+        <p:cNvGrpSpPr/>
+        <p:nvPr/>
+      </p:nvGrpSpPr>
+      <p:grpSpPr>
+        <a:xfrm>
+          <a:off x="0" y="0"/>
+          <a:ext cx="0" cy="0"/>
+          <a:chOff x="0" y="0"/>
+          <a:chExt cx="0" cy="0"/>
+        </a:xfrm>
+      </p:grpSpPr>
+      <p:sp>
+        <p:nvSpPr>
+          <p:cNvPr id="2" name="Title 1"/>
+          <p:cNvSpPr>
+            <a:spLocks noGrp="1"/>
+          </p:cNvSpPr>
+          <p:nvPr>
+            <p:ph type="title"/>
+          </p:nvPr>
+        </p:nvSpPr>
+        <p:spPr/>
+        <p:txBody>
+          <a:bodyPr/>
+          <a:lstStyle>
+            <a:lvl1pPr>
+              <a:defRPr sz="4200"/>
+            </a:lvl1pPr>
+          </a:lstStyle>
+          <a:p>
+            <a:r>
+              <a:rPr lang="zh-TW" altLang="en-US"/>
+              <a:t>按一下以編輯母片標題樣式</a:t>
+            </a:r>
+            <a:endParaRPr lang="en-US" dirty="0"/>
+          </a:p>
+        </p:txBody>
+      </p:sp>
+      <p:sp>
+        <p:nvSpPr>
+          <p:cNvPr id="3" name="Text Placeholder 2"/>
+          <p:cNvSpPr>
+            <a:spLocks noGrp="1"/>
+          </p:cNvSpPr>
+          <p:nvPr>
+            <p:ph type="body" idx="1"/>
+          </p:nvPr>
+        </p:nvSpPr>
+        <p:spPr>
+          <a:xfrm>
+            <a:off x="652463" y="4250949"/>
+            <a:ext cx="2940050" cy="576262"/>
+          </a:xfrm>
+        </p:spPr>
+        <p:txBody>
+          <a:bodyPr anchor="b">
+            <a:noAutofit/>
+          </a:bodyPr>
+          <a:lstStyle>
+            <a:lvl1pPr marL="0" indent="0">
+              <a:buNone/>
+              <a:defRPr sz="2400" b="0">
+                <a:solidFill>
+                  <a:schemeClr val="bg2">
+                    <a:lumMod val="40000"/>
+                    <a:lumOff val="60000"/>
+                  </a:schemeClr>
+                </a:solidFill>
+              </a:defRPr>
+            </a:lvl1pPr>
+            <a:lvl2pPr marL="457200" indent="0">
+              <a:buNone/>
+              <a:defRPr sz="2000" b="1"/>
+            </a:lvl2pPr>
+            <a:lvl3pPr marL="914400" indent="0">
+              <a:buNone/>
+              <a:defRPr sz="1800" b="1"/>
+            </a:lvl3pPr>
+            <a:lvl4pPr marL="1371600" indent="0">
+              <a:buNone/>
+              <a:defRPr sz="1600" b="1"/>
+            </a:lvl4pPr>
+            <a:lvl5pPr marL="1828800" indent="0">
+              <a:buNone/>
+              <a:defRPr sz="1600" b="1"/>
+            </a:lvl5pPr>
+            <a:lvl6pPr marL="2286000" indent="0">
+              <a:buNone/>
+              <a:defRPr sz="1600" b="1"/>
+            </a:lvl6pPr>
+            <a:lvl7pPr marL="2743200" indent="0">
+              <a:buNone/>
+              <a:defRPr sz="1600" b="1"/>
+            </a:lvl7pPr>
+            <a:lvl8pPr marL="3200400" indent="0">
+              <a:buNone/>
+              <a:defRPr sz="1600" b="1"/>
+            </a:lvl8pPr>
+            <a:lvl9pPr marL="3657600" indent="0">
+              <a:buNone/>
+              <a:defRPr sz="1600" b="1"/>
+            </a:lvl9pPr>
+          </a:lstStyle>
+          <a:p>
+            <a:pPr lvl="0"/>
+            <a:r>
+              <a:rPr lang="zh-TW" altLang="en-US"/>
+              <a:t>按一下以編輯母片文字樣式</a:t>
+            </a:r>
+          </a:p>
+        </p:txBody>
+      </p:sp>
+      <p:sp>
+        <p:nvSpPr>
+          <p:cNvPr id="29" name="Picture Placeholder 2"/>
+          <p:cNvSpPr>
+            <a:spLocks noGrp="1" noChangeAspect="1"/>
+          </p:cNvSpPr>
+          <p:nvPr>
+            <p:ph type="pic" idx="15"/>
+          </p:nvPr>
+        </p:nvSpPr>
+        <p:spPr>
+          <a:xfrm>
+            <a:off x="652463" y="2209800"/>
+            <a:ext cx="2940050" cy="1524000"/>
+          </a:xfrm>
+          <a:prstGeom prst="roundRect">
+            <a:avLst>
+              <a:gd name="adj" fmla="val 1858"/>
+            </a:avLst>
+          </a:prstGeom>
+          <a:effectLst>
+            <a:outerShdw blurRad="50800" dist="50800" dir="5400000" algn="tl" rotWithShape="0">
+              <a:srgbClr val="000000">
+                <a:alpha val="43000"/>
+              </a:srgbClr>
+            </a:outerShdw>
+          </a:effectLst>
+        </p:spPr>
+        <p:txBody>
+          <a:bodyPr anchor="t">
+            <a:normAutofit/>
+          </a:bodyPr>
+          <a:lstStyle>
+            <a:lvl1pPr marL="0" indent="0" algn="ctr">
+              <a:buNone/>
+              <a:defRPr sz="1600"/>
+            </a:lvl1pPr>
+            <a:lvl2pPr marL="457200" indent="0">
+              <a:buNone/>
+              <a:defRPr sz="1600"/>
+            </a:lvl2pPr>
+            <a:lvl3pPr marL="914400" indent="0">
+              <a:buNone/>
+              <a:defRPr sz="1600"/>
+            </a:lvl3pPr>
+            <a:lvl4pPr marL="1371600" indent="0">
+              <a:buNone/>
+              <a:defRPr sz="1600"/>
+            </a:lvl4pPr>
+            <a:lvl5pPr marL="1828800" indent="0">
+              <a:buNone/>
+              <a:defRPr sz="1600"/>
+            </a:lvl5pPr>
+            <a:lvl6pPr marL="2286000" indent="0">
+              <a:buNone/>
+              <a:defRPr sz="1600"/>
+            </a:lvl6pPr>
+            <a:lvl7pPr marL="2743200" indent="0">
+              <a:buNone/>
+              <a:defRPr sz="1600"/>
+            </a:lvl7pPr>
+            <a:lvl8pPr marL="3200400" indent="0">
+              <a:buNone/>
+              <a:defRPr sz="1600"/>
+            </a:lvl8pPr>
+            <a:lvl9pPr marL="3657600" indent="0">
+              <a:buNone/>
+              <a:defRPr sz="1600"/>
+            </a:lvl9pPr>
+          </a:lstStyle>
+          <a:p>
+            <a:r>
+              <a:rPr lang="zh-TW" altLang="en-US"/>
+              <a:t>按一下圖示以新增圖片</a:t>
+            </a:r>
+            <a:endParaRPr lang="en-US" dirty="0"/>
+          </a:p>
+        </p:txBody>
+      </p:sp>
+      <p:sp>
+        <p:nvSpPr>
+          <p:cNvPr id="22" name="Text Placeholder 3"/>
+          <p:cNvSpPr>
+            <a:spLocks noGrp="1"/>
+          </p:cNvSpPr>
+          <p:nvPr>
+            <p:ph type="body" sz="half" idx="18"/>
+          </p:nvPr>
+        </p:nvSpPr>
+        <p:spPr>
+          <a:xfrm>
+            <a:off x="652463" y="4827211"/>
+            <a:ext cx="2940050" cy="659189"/>
+          </a:xfrm>
+        </p:spPr>
+        <p:txBody>
+          <a:bodyPr anchor="t">
+            <a:normAutofit/>
+          </a:bodyPr>
+          <a:lstStyle>
+            <a:lvl1pPr marL="0" indent="0">
+              <a:buNone/>
+              <a:defRPr sz="1400"/>
+            </a:lvl1pPr>
+            <a:lvl2pPr marL="457200" indent="0">
+              <a:buNone/>
+              <a:defRPr sz="1200"/>
+            </a:lvl2pPr>
+            <a:lvl3pPr marL="914400" indent="0">
+              <a:buNone/>
+              <a:defRPr sz="1000"/>
+            </a:lvl3pPr>
+            <a:lvl4pPr marL="1371600" indent="0">
+              <a:buNone/>
+              <a:defRPr sz="900"/>
+            </a:lvl4pPr>
+            <a:lvl5pPr marL="1828800" indent="0">
+              <a:buNone/>
+              <a:defRPr sz="900"/>
+            </a:lvl5pPr>
+            <a:lvl6pPr marL="2286000" indent="0">
+              <a:buNone/>
+              <a:defRPr sz="900"/>
+            </a:lvl6pPr>
+            <a:lvl7pPr marL="2743200" indent="0">
+              <a:buNone/>
+              <a:defRPr sz="900"/>
+            </a:lvl7pPr>
+            <a:lvl8pPr marL="3200400" indent="0">
+              <a:buNone/>
+              <a:defRPr sz="900"/>
+            </a:lvl8pPr>
+            <a:lvl9pPr marL="3657600" indent="0">
+              <a:buNone/>
+              <a:defRPr sz="900"/>
+            </a:lvl9pPr>
+          </a:lstStyle>
+          <a:p>
+            <a:pPr lvl="0"/>
+            <a:r>
+              <a:rPr lang="zh-TW" altLang="en-US"/>
+              <a:t>按一下以編輯母片文字樣式</a:t>
+            </a:r>
+          </a:p>
+        </p:txBody>
+      </p:sp>
+      <p:sp>
+        <p:nvSpPr>
+          <p:cNvPr id="5" name="Text Placeholder 4"/>
+          <p:cNvSpPr>
+            <a:spLocks noGrp="1"/>
+          </p:cNvSpPr>
+          <p:nvPr>
+            <p:ph type="body" sz="quarter" idx="3"/>
+          </p:nvPr>
+        </p:nvSpPr>
+        <p:spPr>
+          <a:xfrm>
+            <a:off x="3889375" y="4250949"/>
+            <a:ext cx="2930525" cy="576262"/>
+          </a:xfrm>
+        </p:spPr>
+        <p:txBody>
+          <a:bodyPr anchor="b">
+            <a:noAutofit/>
+          </a:bodyPr>
+          <a:lstStyle>
+            <a:lvl1pPr marL="0" indent="0">
+              <a:buNone/>
+              <a:defRPr sz="2400" b="0">
+                <a:solidFill>
+                  <a:schemeClr val="bg2">
+                    <a:lumMod val="40000"/>
+                    <a:lumOff val="60000"/>
+                  </a:schemeClr>
+                </a:solidFill>
+              </a:defRPr>
+            </a:lvl1pPr>
+            <a:lvl2pPr marL="457200" indent="0">
+              <a:buNone/>
+              <a:defRPr sz="2000" b="1"/>
+            </a:lvl2pPr>
+            <a:lvl3pPr marL="914400" indent="0">
+              <a:buNone/>
+              <a:defRPr sz="1800" b="1"/>
+            </a:lvl3pPr>
+            <a:lvl4pPr marL="1371600" indent="0">
+              <a:buNone/>
+              <a:defRPr sz="1600" b="1"/>
+            </a:lvl4pPr>
+            <a:lvl5pPr marL="1828800" indent="0">
+              <a:buNone/>
+              <a:defRPr sz="1600" b="1"/>
+            </a:lvl5pPr>
+            <a:lvl6pPr marL="2286000" indent="0">
+              <a:buNone/>
+              <a:defRPr sz="1600" b="1"/>
+            </a:lvl6pPr>
+            <a:lvl7pPr marL="2743200" indent="0">
+              <a:buNone/>
+              <a:defRPr sz="1600" b="1"/>
+            </a:lvl7pPr>
+            <a:lvl8pPr marL="3200400" indent="0">
+              <a:buNone/>
+              <a:defRPr sz="1600" b="1"/>
+            </a:lvl8pPr>
+            <a:lvl9pPr marL="3657600" indent="0">
+              <a:buNone/>
+              <a:defRPr sz="1600" b="1"/>
+            </a:lvl9pPr>
+          </a:lstStyle>
+          <a:p>
+            <a:pPr lvl="0"/>
+            <a:r>
+              <a:rPr lang="zh-TW" altLang="en-US"/>
+              <a:t>按一下以編輯母片文字樣式</a:t>
+            </a:r>
+          </a:p>
+        </p:txBody>
+      </p:sp>
+      <p:sp>
+        <p:nvSpPr>
+          <p:cNvPr id="30" name="Picture Placeholder 2"/>
+          <p:cNvSpPr>
+            <a:spLocks noGrp="1" noChangeAspect="1"/>
+          </p:cNvSpPr>
+          <p:nvPr>
+            <p:ph type="pic" idx="21"/>
+          </p:nvPr>
+        </p:nvSpPr>
+        <p:spPr>
+          <a:xfrm>
+            <a:off x="3889374" y="2209800"/>
+            <a:ext cx="2930525" cy="1524000"/>
+          </a:xfrm>
+          <a:prstGeom prst="roundRect">
+            <a:avLst>
+              <a:gd name="adj" fmla="val 1858"/>
+            </a:avLst>
+          </a:prstGeom>
+          <a:effectLst>
+            <a:outerShdw blurRad="50800" dist="50800" dir="5400000" algn="tl" rotWithShape="0">
+              <a:srgbClr val="000000">
+                <a:alpha val="43000"/>
+              </a:srgbClr>
+            </a:outerShdw>
+          </a:effectLst>
+        </p:spPr>
+        <p:txBody>
+          <a:bodyPr anchor="t">
+            <a:normAutofit/>
+          </a:bodyPr>
+          <a:lstStyle>
+            <a:lvl1pPr marL="0" indent="0" algn="ctr">
+              <a:buNone/>
+              <a:defRPr sz="1600"/>
+            </a:lvl1pPr>
+            <a:lvl2pPr marL="457200" indent="0">
+              <a:buNone/>
+              <a:defRPr sz="1600"/>
+            </a:lvl2pPr>
+            <a:lvl3pPr marL="914400" indent="0">
+              <a:buNone/>
+              <a:defRPr sz="1600"/>
+            </a:lvl3pPr>
+            <a:lvl4pPr marL="1371600" indent="0">
+              <a:buNone/>
+              <a:defRPr sz="1600"/>
+            </a:lvl4pPr>
+            <a:lvl5pPr marL="1828800" indent="0">
+              <a:buNone/>
+              <a:defRPr sz="1600"/>
+            </a:lvl5pPr>
+            <a:lvl6pPr marL="2286000" indent="0">
+              <a:buNone/>
+              <a:defRPr sz="1600"/>
+            </a:lvl6pPr>
+            <a:lvl7pPr marL="2743200" indent="0">
+              <a:buNone/>
+              <a:defRPr sz="1600"/>
+            </a:lvl7pPr>
+            <a:lvl8pPr marL="3200400" indent="0">
+              <a:buNone/>
+              <a:defRPr sz="1600"/>
+            </a:lvl8pPr>
+            <a:lvl9pPr marL="3657600" indent="0">
+              <a:buNone/>
+              <a:defRPr sz="1600"/>
+            </a:lvl9pPr>
+          </a:lstStyle>
+          <a:p>
+            <a:r>
+              <a:rPr lang="zh-TW" altLang="en-US"/>
+              <a:t>按一下圖示以新增圖片</a:t>
+            </a:r>
+            <a:endParaRPr lang="en-US" dirty="0"/>
+          </a:p>
+        </p:txBody>
+      </p:sp>
+      <p:sp>
+        <p:nvSpPr>
+          <p:cNvPr id="23" name="Text Placeholder 3"/>
+          <p:cNvSpPr>
+            <a:spLocks noGrp="1"/>
+          </p:cNvSpPr>
+          <p:nvPr>
+            <p:ph type="body" sz="half" idx="19"/>
+          </p:nvPr>
+        </p:nvSpPr>
+        <p:spPr>
+          <a:xfrm>
+            <a:off x="3888022" y="4827210"/>
+            <a:ext cx="2934406" cy="659189"/>
+          </a:xfrm>
+        </p:spPr>
+        <p:txBody>
+          <a:bodyPr anchor="t">
+            <a:normAutofit/>
+          </a:bodyPr>
+          <a:lstStyle>
+            <a:lvl1pPr marL="0" indent="0">
+              <a:buNone/>
+              <a:defRPr sz="1400"/>
+            </a:lvl1pPr>
+            <a:lvl2pPr marL="457200" indent="0">
+              <a:buNone/>
+              <a:defRPr sz="1200"/>
+            </a:lvl2pPr>
+            <a:lvl3pPr marL="914400" indent="0">
+              <a:buNone/>
+              <a:defRPr sz="1000"/>
+            </a:lvl3pPr>
+            <a:lvl4pPr marL="1371600" indent="0">
+              <a:buNone/>
+              <a:defRPr sz="900"/>
+            </a:lvl4pPr>
+            <a:lvl5pPr marL="1828800" indent="0">
+              <a:buNone/>
+              <a:defRPr sz="900"/>
+            </a:lvl5pPr>
+            <a:lvl6pPr marL="2286000" indent="0">
+              <a:buNone/>
+              <a:defRPr sz="900"/>
+            </a:lvl6pPr>
+            <a:lvl7pPr marL="2743200" indent="0">
+              <a:buNone/>
+              <a:defRPr sz="900"/>
+            </a:lvl7pPr>
+            <a:lvl8pPr marL="3200400" indent="0">
+              <a:buNone/>
+              <a:defRPr sz="900"/>
+            </a:lvl8pPr>
+            <a:lvl9pPr marL="3657600" indent="0">
+              <a:buNone/>
+              <a:defRPr sz="900"/>
+            </a:lvl9pPr>
+          </a:lstStyle>
+          <a:p>
+            <a:pPr lvl="0"/>
+            <a:r>
+              <a:rPr lang="zh-TW" altLang="en-US"/>
+              <a:t>按一下以編輯母片文字樣式</a:t>
+            </a:r>
+          </a:p>
+        </p:txBody>
+      </p:sp>
+      <p:sp>
+        <p:nvSpPr>
+          <p:cNvPr id="14" name="Text Placeholder 4"/>
+          <p:cNvSpPr>
+            <a:spLocks noGrp="1"/>
+          </p:cNvSpPr>
+          <p:nvPr>
+            <p:ph type="body" sz="quarter" idx="13"/>
+          </p:nvPr>
+        </p:nvSpPr>
+        <p:spPr>
+          <a:xfrm>
+            <a:off x="7124700" y="4250949"/>
+            <a:ext cx="2932113" cy="576262"/>
+          </a:xfrm>
+        </p:spPr>
+        <p:txBody>
+          <a:bodyPr anchor="b">
+            <a:noAutofit/>
+          </a:bodyPr>
+          <a:lstStyle>
+            <a:lvl1pPr marL="0" indent="0">
+              <a:buNone/>
+              <a:defRPr sz="2400" b="0">
+                <a:solidFill>
+                  <a:schemeClr val="bg2">
+                    <a:lumMod val="40000"/>
+                    <a:lumOff val="60000"/>
+                  </a:schemeClr>
+                </a:solidFill>
+              </a:defRPr>
+            </a:lvl1pPr>
+            <a:lvl2pPr marL="457200" indent="0">
+              <a:buNone/>
+              <a:defRPr sz="2000" b="1"/>
+            </a:lvl2pPr>
+            <a:lvl3pPr marL="914400" indent="0">
+              <a:buNone/>
+              <a:defRPr sz="1800" b="1"/>
+            </a:lvl3pPr>
+            <a:lvl4pPr marL="1371600" indent="0">
+              <a:buNone/>
+              <a:defRPr sz="1600" b="1"/>
+            </a:lvl4pPr>
+            <a:lvl5pPr marL="1828800" indent="0">
+              <a:buNone/>
+              <a:defRPr sz="1600" b="1"/>
+            </a:lvl5pPr>
+            <a:lvl6pPr marL="2286000" indent="0">
+              <a:buNone/>
+              <a:defRPr sz="1600" b="1"/>
+            </a:lvl6pPr>
+            <a:lvl7pPr marL="2743200" indent="0">
+              <a:buNone/>
+              <a:defRPr sz="1600" b="1"/>
+            </a:lvl7pPr>
+            <a:lvl8pPr marL="3200400" indent="0">
+              <a:buNone/>
+              <a:defRPr sz="1600" b="1"/>
+            </a:lvl8pPr>
+            <a:lvl9pPr marL="3657600" indent="0">
+              <a:buNone/>
+              <a:defRPr sz="1600" b="1"/>
+            </a:lvl9pPr>
+          </a:lstStyle>
+          <a:p>
+            <a:pPr lvl="0"/>
+            <a:r>
+              <a:rPr lang="zh-TW" altLang="en-US"/>
+              <a:t>按一下以編輯母片文字樣式</a:t>
+            </a:r>
+          </a:p>
+        </p:txBody>
+      </p:sp>
+      <p:sp>
+        <p:nvSpPr>
+          <p:cNvPr id="31" name="Picture Placeholder 2"/>
+          <p:cNvSpPr>
+            <a:spLocks noGrp="1" noChangeAspect="1"/>
+          </p:cNvSpPr>
+          <p:nvPr>
+            <p:ph type="pic" idx="22"/>
+          </p:nvPr>
+        </p:nvSpPr>
+        <p:spPr>
+          <a:xfrm>
+            <a:off x="7124699" y="2209800"/>
+            <a:ext cx="2932113" cy="1524000"/>
+          </a:xfrm>
+          <a:prstGeom prst="roundRect">
+            <a:avLst>
+              <a:gd name="adj" fmla="val 1858"/>
+            </a:avLst>
+          </a:prstGeom>
+          <a:effectLst>
+            <a:outerShdw blurRad="50800" dist="50800" dir="5400000" algn="tl" rotWithShape="0">
+              <a:srgbClr val="000000">
+                <a:alpha val="43000"/>
+              </a:srgbClr>
+            </a:outerShdw>
+          </a:effectLst>
+        </p:spPr>
+        <p:txBody>
+          <a:bodyPr anchor="t">
+            <a:normAutofit/>
+          </a:bodyPr>
+          <a:lstStyle>
+            <a:lvl1pPr marL="0" indent="0" algn="ctr">
+              <a:buNone/>
+              <a:defRPr sz="1600"/>
+            </a:lvl1pPr>
+            <a:lvl2pPr marL="457200" indent="0">
+              <a:buNone/>
+              <a:defRPr sz="1600"/>
+            </a:lvl2pPr>
+            <a:lvl3pPr marL="914400" indent="0">
+              <a:buNone/>
+              <a:defRPr sz="1600"/>
+            </a:lvl3pPr>
+            <a:lvl4pPr marL="1371600" indent="0">
+              <a:buNone/>
+              <a:defRPr sz="1600"/>
+            </a:lvl4pPr>
+            <a:lvl5pPr marL="1828800" indent="0">
+              <a:buNone/>
+              <a:defRPr sz="1600"/>
+            </a:lvl5pPr>
+            <a:lvl6pPr marL="2286000" indent="0">
+              <a:buNone/>
+              <a:defRPr sz="1600"/>
+            </a:lvl6pPr>
+            <a:lvl7pPr marL="2743200" indent="0">
+              <a:buNone/>
+              <a:defRPr sz="1600"/>
+            </a:lvl7pPr>
+            <a:lvl8pPr marL="3200400" indent="0">
+              <a:buNone/>
+              <a:defRPr sz="1600"/>
+            </a:lvl8pPr>
+            <a:lvl9pPr marL="3657600" indent="0">
+              <a:buNone/>
+              <a:defRPr sz="1600"/>
+            </a:lvl9pPr>
+          </a:lstStyle>
+          <a:p>
+            <a:r>
+              <a:rPr lang="zh-TW" altLang="en-US"/>
+              <a:t>按一下圖示以新增圖片</a:t>
+            </a:r>
+            <a:endParaRPr lang="en-US" dirty="0"/>
+          </a:p>
+        </p:txBody>
+      </p:sp>
+      <p:sp>
+        <p:nvSpPr>
+          <p:cNvPr id="24" name="Text Placeholder 3"/>
+          <p:cNvSpPr>
+            <a:spLocks noGrp="1"/>
+          </p:cNvSpPr>
+          <p:nvPr>
+            <p:ph type="body" sz="half" idx="20"/>
+          </p:nvPr>
+        </p:nvSpPr>
+        <p:spPr>
+          <a:xfrm>
+            <a:off x="7124575" y="4827208"/>
+            <a:ext cx="2935997" cy="659189"/>
+          </a:xfrm>
+        </p:spPr>
+        <p:txBody>
+          <a:bodyPr anchor="t">
+            <a:normAutofit/>
+          </a:bodyPr>
+          <a:lstStyle>
+            <a:lvl1pPr marL="0" indent="0">
+              <a:buNone/>
+              <a:defRPr sz="1400"/>
+            </a:lvl1pPr>
+            <a:lvl2pPr marL="457200" indent="0">
+              <a:buNone/>
+              <a:defRPr sz="1200"/>
+            </a:lvl2pPr>
+            <a:lvl3pPr marL="914400" indent="0">
+              <a:buNone/>
+              <a:defRPr sz="1000"/>
+            </a:lvl3pPr>
+            <a:lvl4pPr marL="1371600" indent="0">
+              <a:buNone/>
+              <a:defRPr sz="900"/>
+            </a:lvl4pPr>
+            <a:lvl5pPr marL="1828800" indent="0">
+              <a:buNone/>
+              <a:defRPr sz="900"/>
+            </a:lvl5pPr>
+            <a:lvl6pPr marL="2286000" indent="0">
+              <a:buNone/>
+              <a:defRPr sz="900"/>
+            </a:lvl6pPr>
+            <a:lvl7pPr marL="2743200" indent="0">
+              <a:buNone/>
+              <a:defRPr sz="900"/>
+            </a:lvl7pPr>
+            <a:lvl8pPr marL="3200400" indent="0">
+              <a:buNone/>
+              <a:defRPr sz="900"/>
+            </a:lvl8pPr>
+            <a:lvl9pPr marL="3657600" indent="0">
+              <a:buNone/>
+              <a:defRPr sz="900"/>
+            </a:lvl9pPr>
+          </a:lstStyle>
+          <a:p>
+            <a:pPr lvl="0"/>
+            <a:r>
+              <a:rPr lang="zh-TW" altLang="en-US"/>
+              <a:t>按一下以編輯母片文字樣式</a:t>
+            </a:r>
+          </a:p>
+        </p:txBody>
+      </p:sp>
+      <p:cxnSp>
+        <p:nvCxnSpPr>
+          <p:cNvPr id="19" name="Straight Connector 18"/>
+          <p:cNvCxnSpPr/>
+          <p:nvPr/>
+        </p:nvCxnSpPr>
+        <p:spPr>
+          <a:xfrm>
+            <a:off x="3726142" y="2133600"/>
+            <a:ext cx="0" cy="3962400"/>
+          </a:xfrm>
+          <a:prstGeom prst="line">
+            <a:avLst/>
+          </a:prstGeom>
+          <a:ln w="12700" cmpd="sng">
+            <a:solidFill>
+              <a:schemeClr val="bg2">
+                <a:lumMod val="40000"/>
+                <a:lumOff val="60000"/>
+                <a:alpha val="40000"/>
+              </a:schemeClr>
+            </a:solidFill>
+          </a:ln>
+        </p:spPr>
+        <p:style>
+          <a:lnRef idx="2">
+            <a:schemeClr val="accent1"/>
+          </a:lnRef>
+          <a:fillRef idx="0">
+            <a:schemeClr val="accent1"/>
+          </a:fillRef>
+          <a:effectRef idx="1">
+            <a:schemeClr val="accent1"/>
+          </a:effectRef>
+          <a:fontRef idx="minor">
+            <a:schemeClr val="tx1"/>
+          </a:fontRef>
+        </p:style>
+      </p:cxnSp>
+      <p:cxnSp>
+        <p:nvCxnSpPr>
+          <p:cNvPr id="20" name="Straight Connector 19"/>
+          <p:cNvCxnSpPr/>
+          <p:nvPr/>
+        </p:nvCxnSpPr>
+        <p:spPr>
+          <a:xfrm>
+            <a:off x="6962227" y="2133600"/>
+            <a:ext cx="0" cy="3966882"/>
+          </a:xfrm>
+          <a:prstGeom prst="line">
+            <a:avLst/>
+          </a:prstGeom>
+          <a:ln w="12700" cmpd="sng">
+            <a:solidFill>
+              <a:schemeClr val="bg2">
+                <a:lumMod val="40000"/>
+                <a:lumOff val="60000"/>
+                <a:alpha val="40000"/>
+              </a:schemeClr>
+            </a:solidFill>
+          </a:ln>
+        </p:spPr>
+        <p:style>
+          <a:lnRef idx="2">
+            <a:schemeClr val="accent1"/>
+          </a:lnRef>
+          <a:fillRef idx="0">
+            <a:schemeClr val="accent1"/>
+          </a:fillRef>
+          <a:effectRef idx="1">
+            <a:schemeClr val="accent1"/>
+          </a:effectRef>
+          <a:fontRef idx="minor">
+            <a:schemeClr val="tx1"/>
+          </a:fontRef>
+        </p:style>
+      </p:cxnSp>
+      <p:sp>
+        <p:nvSpPr>
+          <p:cNvPr id="7" name="Date Placeholder 3"/>
+          <p:cNvSpPr>
+            <a:spLocks noGrp="1"/>
+          </p:cNvSpPr>
+          <p:nvPr>
+            <p:ph type="dt" sz="half" idx="10"/>
+          </p:nvPr>
+        </p:nvSpPr>
+        <p:spPr/>
+        <p:txBody>
+          <a:bodyPr/>
+          <a:lstStyle/>
+          <a:p>
+            <a:fld id="{06E0D348-D20D-44A1-B21A-9F9EE4313730}" type="datetimeFigureOut">
+              <a:rPr lang="zh-TW" altLang="en-US" smtClean="0"/>
+              <a:t>2024/10/30</a:t>
+            </a:fld>
+            <a:endParaRPr lang="zh-TW" altLang="en-US"/>
+          </a:p>
+        </p:txBody>
+      </p:sp>
+      <p:sp>
+        <p:nvSpPr>
+          <p:cNvPr id="4" name="Footer Placeholder 4"/>
+          <p:cNvSpPr>
+            <a:spLocks noGrp="1"/>
+          </p:cNvSpPr>
+          <p:nvPr>
+            <p:ph type="ftr" sz="quarter" idx="11"/>
+          </p:nvPr>
+        </p:nvSpPr>
+        <p:spPr/>
+        <p:txBody>
+          <a:bodyPr/>
+          <a:lstStyle/>
+          <a:p>
+            <a:endParaRPr lang="zh-TW" altLang="en-US"/>
+          </a:p>
+        </p:txBody>
+      </p:sp>
+      <p:sp>
+        <p:nvSpPr>
+          <p:cNvPr id="6" name="Slide Number Placeholder 5"/>
+          <p:cNvSpPr>
+            <a:spLocks noGrp="1"/>
+          </p:cNvSpPr>
+          <p:nvPr>
+            <p:ph type="sldNum" sz="quarter" idx="12"/>
+          </p:nvPr>
+        </p:nvSpPr>
+        <p:spPr/>
+        <p:txBody>
+          <a:bodyPr/>
+          <a:lstStyle/>
+          <a:p>
+            <a:fld id="{687D793A-871E-42F3-8717-99C703D609B6}" type="slidenum">
+              <a:rPr lang="zh-TW" altLang="en-US" smtClean="0"/>
+              <a:t>‹#›</a:t>
+            </a:fld>
+            <a:endParaRPr lang="zh-TW" altLang="en-US"/>
+          </a:p>
+        </p:txBody>
+      </p:sp>
+    </p:spTree>
+    <p:extLst>
+      <p:ext uri="{BB962C8B-B14F-4D97-AF65-F5344CB8AC3E}">
+        <p14:creationId xmlns:p14="http://schemas.microsoft.com/office/powerpoint/2010/main" val="1037207838"/>
+      </p:ext>
+    </p:extLst>
+  </p:cSld>
+  <p:clrMapOvr>
+    <a:masterClrMapping/>
+  </p:clrMapOvr>
+</p:sldLayout>
+</file>
+
+<file path=ppt/slideLayouts/slideLayout16.xml><?xml version="1.0" encoding="utf-8"?>
 <p:sldLayout xmlns:a="http://schemas.openxmlformats.org/drawingml/2006/main" xmlns:r="http://schemas.openxmlformats.org/officeDocument/2006/relationships" xmlns:p="http://schemas.openxmlformats.org/presentationml/2006/main" type="vertTx" preserve="1">
   <p:cSld name="標題及直排文字">
     <p:spTree>
@@ -346,13 +4093,7 @@
       </p:grpSpPr>
       <p:sp>
         <p:nvSpPr>
-          <p:cNvPr id="2" name="標題 1">
-            <a:extLst>
-              <a:ext uri="{FF2B5EF4-FFF2-40B4-BE49-F238E27FC236}">
-                <a16:creationId xmlns:a16="http://schemas.microsoft.com/office/drawing/2014/main" id="{A02F0018-7F8E-4206-A929-07CDC6B5F34A}"/>
-              </a:ext>
-            </a:extLst>
-          </p:cNvPr>
+          <p:cNvPr id="2" name="Title 1"/>
           <p:cNvSpPr>
             <a:spLocks noGrp="1"/>
           </p:cNvSpPr>
@@ -369,18 +4110,13 @@
               <a:rPr lang="zh-TW" altLang="en-US"/>
               <a:t>按一下以編輯母片標題樣式</a:t>
             </a:r>
-          </a:p>
-        </p:txBody>
-      </p:sp>
-      <p:sp>
-        <p:nvSpPr>
-          <p:cNvPr id="3" name="直排文字版面配置區 2">
-            <a:extLst>
-              <a:ext uri="{FF2B5EF4-FFF2-40B4-BE49-F238E27FC236}">
-                <a16:creationId xmlns:a16="http://schemas.microsoft.com/office/drawing/2014/main" id="{9B801E88-34C3-4545-A358-81F5614FED64}"/>
-              </a:ext>
-            </a:extLst>
-          </p:cNvPr>
+            <a:endParaRPr lang="en-US" dirty="0"/>
+          </a:p>
+        </p:txBody>
+      </p:sp>
+      <p:sp>
+        <p:nvSpPr>
+          <p:cNvPr id="3" name="Vertical Text Placeholder 2"/>
           <p:cNvSpPr>
             <a:spLocks noGrp="1"/>
           </p:cNvSpPr>
@@ -390,7 +4126,7 @@
         </p:nvSpPr>
         <p:spPr/>
         <p:txBody>
-          <a:bodyPr vert="eaVert"/>
+          <a:bodyPr vert="eaVert" anchor="t" anchorCtr="0"/>
           <a:lstStyle/>
           <a:p>
             <a:pPr lvl="0"/>
@@ -426,18 +4162,13 @@
               <a:rPr lang="zh-TW" altLang="en-US"/>
               <a:t>第五層</a:t>
             </a:r>
-          </a:p>
-        </p:txBody>
-      </p:sp>
-      <p:sp>
-        <p:nvSpPr>
-          <p:cNvPr id="4" name="日期版面配置區 3">
-            <a:extLst>
-              <a:ext uri="{FF2B5EF4-FFF2-40B4-BE49-F238E27FC236}">
-                <a16:creationId xmlns:a16="http://schemas.microsoft.com/office/drawing/2014/main" id="{60AFD716-8B99-4230-B55F-C8B88ECBB171}"/>
-              </a:ext>
-            </a:extLst>
-          </p:cNvPr>
+            <a:endParaRPr lang="en-US" dirty="0"/>
+          </a:p>
+        </p:txBody>
+      </p:sp>
+      <p:sp>
+        <p:nvSpPr>
+          <p:cNvPr id="4" name="Date Placeholder 3"/>
           <p:cNvSpPr>
             <a:spLocks noGrp="1"/>
           </p:cNvSpPr>
@@ -450,9 +4181,9 @@
           <a:bodyPr/>
           <a:lstStyle/>
           <a:p>
-            <a:fld id="{C3C90D7E-32D6-4894-AE08-7BBB3E610FC9}" type="datetimeFigureOut">
+            <a:fld id="{06E0D348-D20D-44A1-B21A-9F9EE4313730}" type="datetimeFigureOut">
               <a:rPr lang="zh-TW" altLang="en-US" smtClean="0"/>
-              <a:t>2024/9/16</a:t>
+              <a:t>2024/10/30</a:t>
             </a:fld>
             <a:endParaRPr lang="zh-TW" altLang="en-US"/>
           </a:p>
@@ -460,13 +4191,7 @@
       </p:sp>
       <p:sp>
         <p:nvSpPr>
-          <p:cNvPr id="5" name="頁尾版面配置區 4">
-            <a:extLst>
-              <a:ext uri="{FF2B5EF4-FFF2-40B4-BE49-F238E27FC236}">
-                <a16:creationId xmlns:a16="http://schemas.microsoft.com/office/drawing/2014/main" id="{EA374743-76D9-4BF8-A60C-2F50B2636A8A}"/>
-              </a:ext>
-            </a:extLst>
-          </p:cNvPr>
+          <p:cNvPr id="5" name="Footer Placeholder 4"/>
           <p:cNvSpPr>
             <a:spLocks noGrp="1"/>
           </p:cNvSpPr>
@@ -485,13 +4210,7 @@
       </p:sp>
       <p:sp>
         <p:nvSpPr>
-          <p:cNvPr id="6" name="投影片編號版面配置區 5">
-            <a:extLst>
-              <a:ext uri="{FF2B5EF4-FFF2-40B4-BE49-F238E27FC236}">
-                <a16:creationId xmlns:a16="http://schemas.microsoft.com/office/drawing/2014/main" id="{00454594-6C11-4013-A666-A151E960EC9B}"/>
-              </a:ext>
-            </a:extLst>
-          </p:cNvPr>
+          <p:cNvPr id="6" name="Slide Number Placeholder 5"/>
           <p:cNvSpPr>
             <a:spLocks noGrp="1"/>
           </p:cNvSpPr>
@@ -504,7 +4223,7 @@
           <a:bodyPr/>
           <a:lstStyle/>
           <a:p>
-            <a:fld id="{E31EC408-072F-4346-BD0A-D6AA5788A305}" type="slidenum">
+            <a:fld id="{687D793A-871E-42F3-8717-99C703D609B6}" type="slidenum">
               <a:rPr lang="zh-TW" altLang="en-US" smtClean="0"/>
               <a:t>‹#›</a:t>
             </a:fld>
@@ -515,7 +4234,7 @@
     </p:spTree>
     <p:extLst>
       <p:ext uri="{BB962C8B-B14F-4D97-AF65-F5344CB8AC3E}">
-        <p14:creationId xmlns:p14="http://schemas.microsoft.com/office/powerpoint/2010/main" val="188953001"/>
+        <p14:creationId xmlns:p14="http://schemas.microsoft.com/office/powerpoint/2010/main" val="4240179410"/>
       </p:ext>
     </p:extLst>
   </p:cSld>
@@ -525,7 +4244,7 @@
 </p:sldLayout>
 </file>
 
-<file path=ppt/slideLayouts/slideLayout11.xml><?xml version="1.0" encoding="utf-8"?>
+<file path=ppt/slideLayouts/slideLayout17.xml><?xml version="1.0" encoding="utf-8"?>
 <p:sldLayout xmlns:a="http://schemas.openxmlformats.org/drawingml/2006/main" xmlns:r="http://schemas.openxmlformats.org/officeDocument/2006/relationships" xmlns:p="http://schemas.openxmlformats.org/presentationml/2006/main" type="vertTitleAndTx" preserve="1">
   <p:cSld name="直排標題及文字">
     <p:spTree>
@@ -544,13 +4263,7 @@
       </p:grpSpPr>
       <p:sp>
         <p:nvSpPr>
-          <p:cNvPr id="2" name="直排標題 1">
-            <a:extLst>
-              <a:ext uri="{FF2B5EF4-FFF2-40B4-BE49-F238E27FC236}">
-                <a16:creationId xmlns:a16="http://schemas.microsoft.com/office/drawing/2014/main" id="{70F760AC-E708-4605-85E2-7D0F424B3E29}"/>
-              </a:ext>
-            </a:extLst>
-          </p:cNvPr>
+          <p:cNvPr id="2" name="Vertical Title 1"/>
           <p:cNvSpPr>
             <a:spLocks noGrp="1"/>
           </p:cNvSpPr>
@@ -560,47 +4273,42 @@
         </p:nvSpPr>
         <p:spPr>
           <a:xfrm>
-            <a:off x="8724900" y="365125"/>
-            <a:ext cx="2628900" cy="5811838"/>
+            <a:off x="8304212" y="430213"/>
+            <a:ext cx="1752601" cy="5826125"/>
           </a:xfrm>
         </p:spPr>
         <p:txBody>
+          <a:bodyPr vert="eaVert" anchor="b" anchorCtr="0"/>
+          <a:lstStyle/>
+          <a:p>
+            <a:r>
+              <a:rPr lang="zh-TW" altLang="en-US"/>
+              <a:t>按一下以編輯母片標題樣式</a:t>
+            </a:r>
+            <a:endParaRPr lang="en-US" dirty="0"/>
+          </a:p>
+        </p:txBody>
+      </p:sp>
+      <p:sp>
+        <p:nvSpPr>
+          <p:cNvPr id="3" name="Vertical Text Placeholder 2"/>
+          <p:cNvSpPr>
+            <a:spLocks noGrp="1"/>
+          </p:cNvSpPr>
+          <p:nvPr>
+            <p:ph type="body" orient="vert" idx="1"/>
+          </p:nvPr>
+        </p:nvSpPr>
+        <p:spPr>
+          <a:xfrm>
+            <a:off x="652463" y="887414"/>
+            <a:ext cx="7423149" cy="5368924"/>
+          </a:xfrm>
+        </p:spPr>
+        <p:txBody>
           <a:bodyPr vert="eaVert"/>
           <a:lstStyle/>
           <a:p>
-            <a:r>
-              <a:rPr lang="zh-TW" altLang="en-US"/>
-              <a:t>按一下以編輯母片標題樣式</a:t>
-            </a:r>
-          </a:p>
-        </p:txBody>
-      </p:sp>
-      <p:sp>
-        <p:nvSpPr>
-          <p:cNvPr id="3" name="直排文字版面配置區 2">
-            <a:extLst>
-              <a:ext uri="{FF2B5EF4-FFF2-40B4-BE49-F238E27FC236}">
-                <a16:creationId xmlns:a16="http://schemas.microsoft.com/office/drawing/2014/main" id="{84BECF48-F3B6-4D47-82A8-C6AE92EDC2F0}"/>
-              </a:ext>
-            </a:extLst>
-          </p:cNvPr>
-          <p:cNvSpPr>
-            <a:spLocks noGrp="1"/>
-          </p:cNvSpPr>
-          <p:nvPr>
-            <p:ph type="body" orient="vert" idx="1"/>
-          </p:nvPr>
-        </p:nvSpPr>
-        <p:spPr>
-          <a:xfrm>
-            <a:off x="838200" y="365125"/>
-            <a:ext cx="7734300" cy="5811838"/>
-          </a:xfrm>
-        </p:spPr>
-        <p:txBody>
-          <a:bodyPr vert="eaVert"/>
-          <a:lstStyle/>
-          <a:p>
             <a:pPr lvl="0"/>
             <a:r>
               <a:rPr lang="zh-TW" altLang="en-US"/>
@@ -634,18 +4342,13 @@
               <a:rPr lang="zh-TW" altLang="en-US"/>
               <a:t>第五層</a:t>
             </a:r>
-          </a:p>
-        </p:txBody>
-      </p:sp>
-      <p:sp>
-        <p:nvSpPr>
-          <p:cNvPr id="4" name="日期版面配置區 3">
-            <a:extLst>
-              <a:ext uri="{FF2B5EF4-FFF2-40B4-BE49-F238E27FC236}">
-                <a16:creationId xmlns:a16="http://schemas.microsoft.com/office/drawing/2014/main" id="{215DE52A-093E-4116-A2FE-F61BA999B89F}"/>
-              </a:ext>
-            </a:extLst>
-          </p:cNvPr>
+            <a:endParaRPr lang="en-US" dirty="0"/>
+          </a:p>
+        </p:txBody>
+      </p:sp>
+      <p:sp>
+        <p:nvSpPr>
+          <p:cNvPr id="4" name="Date Placeholder 3"/>
           <p:cNvSpPr>
             <a:spLocks noGrp="1"/>
           </p:cNvSpPr>
@@ -658,9 +4361,9 @@
           <a:bodyPr/>
           <a:lstStyle/>
           <a:p>
-            <a:fld id="{C3C90D7E-32D6-4894-AE08-7BBB3E610FC9}" type="datetimeFigureOut">
+            <a:fld id="{06E0D348-D20D-44A1-B21A-9F9EE4313730}" type="datetimeFigureOut">
               <a:rPr lang="zh-TW" altLang="en-US" smtClean="0"/>
-              <a:t>2024/9/16</a:t>
+              <a:t>2024/10/30</a:t>
             </a:fld>
             <a:endParaRPr lang="zh-TW" altLang="en-US"/>
           </a:p>
@@ -668,13 +4371,7 @@
       </p:sp>
       <p:sp>
         <p:nvSpPr>
-          <p:cNvPr id="5" name="頁尾版面配置區 4">
-            <a:extLst>
-              <a:ext uri="{FF2B5EF4-FFF2-40B4-BE49-F238E27FC236}">
-                <a16:creationId xmlns:a16="http://schemas.microsoft.com/office/drawing/2014/main" id="{34553FE1-A5D9-4070-AA9C-378F491D4677}"/>
-              </a:ext>
-            </a:extLst>
-          </p:cNvPr>
+          <p:cNvPr id="5" name="Footer Placeholder 4"/>
           <p:cNvSpPr>
             <a:spLocks noGrp="1"/>
           </p:cNvSpPr>
@@ -693,13 +4390,7 @@
       </p:sp>
       <p:sp>
         <p:nvSpPr>
-          <p:cNvPr id="6" name="投影片編號版面配置區 5">
-            <a:extLst>
-              <a:ext uri="{FF2B5EF4-FFF2-40B4-BE49-F238E27FC236}">
-                <a16:creationId xmlns:a16="http://schemas.microsoft.com/office/drawing/2014/main" id="{928EFDDC-5B11-4543-8144-518625EDA57F}"/>
-              </a:ext>
-            </a:extLst>
-          </p:cNvPr>
+          <p:cNvPr id="6" name="Slide Number Placeholder 5"/>
           <p:cNvSpPr>
             <a:spLocks noGrp="1"/>
           </p:cNvSpPr>
@@ -712,7 +4403,7 @@
           <a:bodyPr/>
           <a:lstStyle/>
           <a:p>
-            <a:fld id="{E31EC408-072F-4346-BD0A-D6AA5788A305}" type="slidenum">
+            <a:fld id="{687D793A-871E-42F3-8717-99C703D609B6}" type="slidenum">
               <a:rPr lang="zh-TW" altLang="en-US" smtClean="0"/>
               <a:t>‹#›</a:t>
             </a:fld>
@@ -723,7 +4414,7 @@
     </p:spTree>
     <p:extLst>
       <p:ext uri="{BB962C8B-B14F-4D97-AF65-F5344CB8AC3E}">
-        <p14:creationId xmlns:p14="http://schemas.microsoft.com/office/powerpoint/2010/main" val="2483123943"/>
+        <p14:creationId xmlns:p14="http://schemas.microsoft.com/office/powerpoint/2010/main" val="1401305667"/>
       </p:ext>
     </p:extLst>
   </p:cSld>
@@ -752,13 +4443,7 @@
       </p:grpSpPr>
       <p:sp>
         <p:nvSpPr>
-          <p:cNvPr id="2" name="標題 1">
-            <a:extLst>
-              <a:ext uri="{FF2B5EF4-FFF2-40B4-BE49-F238E27FC236}">
-                <a16:creationId xmlns:a16="http://schemas.microsoft.com/office/drawing/2014/main" id="{A1BFCF4C-FB58-444C-B754-A594851E4C7B}"/>
-              </a:ext>
-            </a:extLst>
-          </p:cNvPr>
+          <p:cNvPr id="2" name="Title 1"/>
           <p:cNvSpPr>
             <a:spLocks noGrp="1"/>
           </p:cNvSpPr>
@@ -775,18 +4460,13 @@
               <a:rPr lang="zh-TW" altLang="en-US"/>
               <a:t>按一下以編輯母片標題樣式</a:t>
             </a:r>
-          </a:p>
-        </p:txBody>
-      </p:sp>
-      <p:sp>
-        <p:nvSpPr>
-          <p:cNvPr id="3" name="內容版面配置區 2">
-            <a:extLst>
-              <a:ext uri="{FF2B5EF4-FFF2-40B4-BE49-F238E27FC236}">
-                <a16:creationId xmlns:a16="http://schemas.microsoft.com/office/drawing/2014/main" id="{987C475D-648F-4511-A6FE-04B04F755F93}"/>
-              </a:ext>
-            </a:extLst>
-          </p:cNvPr>
+            <a:endParaRPr lang="en-US" dirty="0"/>
+          </a:p>
+        </p:txBody>
+      </p:sp>
+      <p:sp>
+        <p:nvSpPr>
+          <p:cNvPr id="3" name="Content Placeholder 2"/>
           <p:cNvSpPr>
             <a:spLocks noGrp="1"/>
           </p:cNvSpPr>
@@ -832,18 +4512,13 @@
               <a:rPr lang="zh-TW" altLang="en-US"/>
               <a:t>第五層</a:t>
             </a:r>
-          </a:p>
-        </p:txBody>
-      </p:sp>
-      <p:sp>
-        <p:nvSpPr>
-          <p:cNvPr id="4" name="日期版面配置區 3">
-            <a:extLst>
-              <a:ext uri="{FF2B5EF4-FFF2-40B4-BE49-F238E27FC236}">
-                <a16:creationId xmlns:a16="http://schemas.microsoft.com/office/drawing/2014/main" id="{F511FCF8-D8F7-4914-920F-D63F2D97F713}"/>
-              </a:ext>
-            </a:extLst>
-          </p:cNvPr>
+            <a:endParaRPr lang="en-US" dirty="0"/>
+          </a:p>
+        </p:txBody>
+      </p:sp>
+      <p:sp>
+        <p:nvSpPr>
+          <p:cNvPr id="7" name="Date Placeholder 3"/>
           <p:cNvSpPr>
             <a:spLocks noGrp="1"/>
           </p:cNvSpPr>
@@ -856,9 +4531,9 @@
           <a:bodyPr/>
           <a:lstStyle/>
           <a:p>
-            <a:fld id="{C3C90D7E-32D6-4894-AE08-7BBB3E610FC9}" type="datetimeFigureOut">
+            <a:fld id="{06E0D348-D20D-44A1-B21A-9F9EE4313730}" type="datetimeFigureOut">
               <a:rPr lang="zh-TW" altLang="en-US" smtClean="0"/>
-              <a:t>2024/9/16</a:t>
+              <a:t>2024/10/30</a:t>
             </a:fld>
             <a:endParaRPr lang="zh-TW" altLang="en-US"/>
           </a:p>
@@ -866,13 +4541,7 @@
       </p:sp>
       <p:sp>
         <p:nvSpPr>
-          <p:cNvPr id="5" name="頁尾版面配置區 4">
-            <a:extLst>
-              <a:ext uri="{FF2B5EF4-FFF2-40B4-BE49-F238E27FC236}">
-                <a16:creationId xmlns:a16="http://schemas.microsoft.com/office/drawing/2014/main" id="{7E1D3E8F-338D-4B4D-B411-5282866FF95D}"/>
-              </a:ext>
-            </a:extLst>
-          </p:cNvPr>
+          <p:cNvPr id="5" name="Footer Placeholder 4"/>
           <p:cNvSpPr>
             <a:spLocks noGrp="1"/>
           </p:cNvSpPr>
@@ -891,13 +4560,7 @@
       </p:sp>
       <p:sp>
         <p:nvSpPr>
-          <p:cNvPr id="6" name="投影片編號版面配置區 5">
-            <a:extLst>
-              <a:ext uri="{FF2B5EF4-FFF2-40B4-BE49-F238E27FC236}">
-                <a16:creationId xmlns:a16="http://schemas.microsoft.com/office/drawing/2014/main" id="{F7DF3AD5-06B6-42D8-AEDF-66CCE6582524}"/>
-              </a:ext>
-            </a:extLst>
-          </p:cNvPr>
+          <p:cNvPr id="6" name="Slide Number Placeholder 5"/>
           <p:cNvSpPr>
             <a:spLocks noGrp="1"/>
           </p:cNvSpPr>
@@ -910,7 +4573,7 @@
           <a:bodyPr/>
           <a:lstStyle/>
           <a:p>
-            <a:fld id="{E31EC408-072F-4346-BD0A-D6AA5788A305}" type="slidenum">
+            <a:fld id="{687D793A-871E-42F3-8717-99C703D609B6}" type="slidenum">
               <a:rPr lang="zh-TW" altLang="en-US" smtClean="0"/>
               <a:t>‹#›</a:t>
             </a:fld>
@@ -921,7 +4584,7 @@
     </p:spTree>
     <p:extLst>
       <p:ext uri="{BB962C8B-B14F-4D97-AF65-F5344CB8AC3E}">
-        <p14:creationId xmlns:p14="http://schemas.microsoft.com/office/powerpoint/2010/main" val="4198509733"/>
+        <p14:creationId xmlns:p14="http://schemas.microsoft.com/office/powerpoint/2010/main" val="3233147460"/>
       </p:ext>
     </p:extLst>
   </p:cSld>
@@ -950,13 +4613,7 @@
       </p:grpSpPr>
       <p:sp>
         <p:nvSpPr>
-          <p:cNvPr id="2" name="標題 1">
-            <a:extLst>
-              <a:ext uri="{FF2B5EF4-FFF2-40B4-BE49-F238E27FC236}">
-                <a16:creationId xmlns:a16="http://schemas.microsoft.com/office/drawing/2014/main" id="{5986B870-2B24-4658-9AEB-3C92E8E40B41}"/>
-              </a:ext>
-            </a:extLst>
-          </p:cNvPr>
+          <p:cNvPr id="2" name="Title 1"/>
           <p:cNvSpPr>
             <a:spLocks noGrp="1"/>
           </p:cNvSpPr>
@@ -966,15 +4623,15 @@
         </p:nvSpPr>
         <p:spPr>
           <a:xfrm>
-            <a:off x="831850" y="1709738"/>
-            <a:ext cx="10515600" cy="2852737"/>
+            <a:off x="1154956" y="2861733"/>
+            <a:ext cx="8825657" cy="1915647"/>
           </a:xfrm>
         </p:spPr>
         <p:txBody>
           <a:bodyPr anchor="b"/>
           <a:lstStyle>
-            <a:lvl1pPr>
-              <a:defRPr sz="6000"/>
+            <a:lvl1pPr algn="l">
+              <a:defRPr sz="4000" b="0" cap="none"/>
             </a:lvl1pPr>
           </a:lstStyle>
           <a:p>
@@ -982,18 +4639,13 @@
               <a:rPr lang="zh-TW" altLang="en-US"/>
               <a:t>按一下以編輯母片標題樣式</a:t>
             </a:r>
-          </a:p>
-        </p:txBody>
-      </p:sp>
-      <p:sp>
-        <p:nvSpPr>
-          <p:cNvPr id="3" name="文字版面配置區 2">
-            <a:extLst>
-              <a:ext uri="{FF2B5EF4-FFF2-40B4-BE49-F238E27FC236}">
-                <a16:creationId xmlns:a16="http://schemas.microsoft.com/office/drawing/2014/main" id="{90235018-E757-4630-8511-F466B919268F}"/>
-              </a:ext>
-            </a:extLst>
-          </p:cNvPr>
+            <a:endParaRPr lang="en-US" dirty="0"/>
+          </a:p>
+        </p:txBody>
+      </p:sp>
+      <p:sp>
+        <p:nvSpPr>
+          <p:cNvPr id="3" name="Text Placeholder 2"/>
           <p:cNvSpPr>
             <a:spLocks noGrp="1"/>
           </p:cNvSpPr>
@@ -1003,26 +4655,27 @@
         </p:nvSpPr>
         <p:spPr>
           <a:xfrm>
-            <a:off x="831850" y="4589463"/>
-            <a:ext cx="10515600" cy="1500187"/>
+            <a:off x="1154955" y="4777381"/>
+            <a:ext cx="8825658" cy="860400"/>
           </a:xfrm>
         </p:spPr>
         <p:txBody>
-          <a:bodyPr/>
+          <a:bodyPr anchor="t"/>
           <a:lstStyle>
-            <a:lvl1pPr marL="0" indent="0">
-              <a:buNone/>
-              <a:defRPr sz="2400">
+            <a:lvl1pPr marL="0" indent="0" algn="l">
+              <a:buNone/>
+              <a:defRPr sz="2000" cap="all">
                 <a:solidFill>
-                  <a:schemeClr val="tx1">
-                    <a:tint val="75000"/>
+                  <a:schemeClr val="bg2">
+                    <a:lumMod val="40000"/>
+                    <a:lumOff val="60000"/>
                   </a:schemeClr>
                 </a:solidFill>
               </a:defRPr>
             </a:lvl1pPr>
             <a:lvl2pPr marL="457200" indent="0">
               <a:buNone/>
-              <a:defRPr sz="2000">
+              <a:defRPr sz="1800">
                 <a:solidFill>
                   <a:schemeClr val="tx1">
                     <a:tint val="75000"/>
@@ -1032,7 +4685,7 @@
             </a:lvl2pPr>
             <a:lvl3pPr marL="914400" indent="0">
               <a:buNone/>
-              <a:defRPr sz="1800">
+              <a:defRPr sz="1600">
                 <a:solidFill>
                   <a:schemeClr val="tx1">
                     <a:tint val="75000"/>
@@ -1042,7 +4695,7 @@
             </a:lvl3pPr>
             <a:lvl4pPr marL="1371600" indent="0">
               <a:buNone/>
-              <a:defRPr sz="1600">
+              <a:defRPr sz="1400">
                 <a:solidFill>
                   <a:schemeClr val="tx1">
                     <a:tint val="75000"/>
@@ -1052,7 +4705,7 @@
             </a:lvl4pPr>
             <a:lvl5pPr marL="1828800" indent="0">
               <a:buNone/>
-              <a:defRPr sz="1600">
+              <a:defRPr sz="1400">
                 <a:solidFill>
                   <a:schemeClr val="tx1">
                     <a:tint val="75000"/>
@@ -1062,7 +4715,7 @@
             </a:lvl5pPr>
             <a:lvl6pPr marL="2286000" indent="0">
               <a:buNone/>
-              <a:defRPr sz="1600">
+              <a:defRPr sz="1400">
                 <a:solidFill>
                   <a:schemeClr val="tx1">
                     <a:tint val="75000"/>
@@ -1072,7 +4725,7 @@
             </a:lvl6pPr>
             <a:lvl7pPr marL="2743200" indent="0">
               <a:buNone/>
-              <a:defRPr sz="1600">
+              <a:defRPr sz="1400">
                 <a:solidFill>
                   <a:schemeClr val="tx1">
                     <a:tint val="75000"/>
@@ -1082,7 +4735,7 @@
             </a:lvl7pPr>
             <a:lvl8pPr marL="3200400" indent="0">
               <a:buNone/>
-              <a:defRPr sz="1600">
+              <a:defRPr sz="1400">
                 <a:solidFill>
                   <a:schemeClr val="tx1">
                     <a:tint val="75000"/>
@@ -1092,7 +4745,7 @@
             </a:lvl8pPr>
             <a:lvl9pPr marL="3657600" indent="0">
               <a:buNone/>
-              <a:defRPr sz="1600">
+              <a:defRPr sz="1400">
                 <a:solidFill>
                   <a:schemeClr val="tx1">
                     <a:tint val="75000"/>
@@ -1112,13 +4765,7 @@
       </p:sp>
       <p:sp>
         <p:nvSpPr>
-          <p:cNvPr id="4" name="日期版面配置區 3">
-            <a:extLst>
-              <a:ext uri="{FF2B5EF4-FFF2-40B4-BE49-F238E27FC236}">
-                <a16:creationId xmlns:a16="http://schemas.microsoft.com/office/drawing/2014/main" id="{37546C76-CF19-433D-9070-0A54A149F1B2}"/>
-              </a:ext>
-            </a:extLst>
-          </p:cNvPr>
+          <p:cNvPr id="4" name="Date Placeholder 3"/>
           <p:cNvSpPr>
             <a:spLocks noGrp="1"/>
           </p:cNvSpPr>
@@ -1131,9 +4778,9 @@
           <a:bodyPr/>
           <a:lstStyle/>
           <a:p>
-            <a:fld id="{C3C90D7E-32D6-4894-AE08-7BBB3E610FC9}" type="datetimeFigureOut">
+            <a:fld id="{06E0D348-D20D-44A1-B21A-9F9EE4313730}" type="datetimeFigureOut">
               <a:rPr lang="zh-TW" altLang="en-US" smtClean="0"/>
-              <a:t>2024/9/16</a:t>
+              <a:t>2024/10/30</a:t>
             </a:fld>
             <a:endParaRPr lang="zh-TW" altLang="en-US"/>
           </a:p>
@@ -1141,13 +4788,7 @@
       </p:sp>
       <p:sp>
         <p:nvSpPr>
-          <p:cNvPr id="5" name="頁尾版面配置區 4">
-            <a:extLst>
-              <a:ext uri="{FF2B5EF4-FFF2-40B4-BE49-F238E27FC236}">
-                <a16:creationId xmlns:a16="http://schemas.microsoft.com/office/drawing/2014/main" id="{9C9DC25F-827C-4564-AD0E-7FD815D53AF7}"/>
-              </a:ext>
-            </a:extLst>
-          </p:cNvPr>
+          <p:cNvPr id="5" name="Footer Placeholder 4"/>
           <p:cNvSpPr>
             <a:spLocks noGrp="1"/>
           </p:cNvSpPr>
@@ -1166,13 +4807,7 @@
       </p:sp>
       <p:sp>
         <p:nvSpPr>
-          <p:cNvPr id="6" name="投影片編號版面配置區 5">
-            <a:extLst>
-              <a:ext uri="{FF2B5EF4-FFF2-40B4-BE49-F238E27FC236}">
-                <a16:creationId xmlns:a16="http://schemas.microsoft.com/office/drawing/2014/main" id="{8C0653A6-68AA-4213-8D62-EAF9243D6998}"/>
-              </a:ext>
-            </a:extLst>
-          </p:cNvPr>
+          <p:cNvPr id="6" name="Slide Number Placeholder 5"/>
           <p:cNvSpPr>
             <a:spLocks noGrp="1"/>
           </p:cNvSpPr>
@@ -1185,7 +4820,7 @@
           <a:bodyPr/>
           <a:lstStyle/>
           <a:p>
-            <a:fld id="{E31EC408-072F-4346-BD0A-D6AA5788A305}" type="slidenum">
+            <a:fld id="{687D793A-871E-42F3-8717-99C703D609B6}" type="slidenum">
               <a:rPr lang="zh-TW" altLang="en-US" smtClean="0"/>
               <a:t>‹#›</a:t>
             </a:fld>
@@ -1196,7 +4831,7 @@
     </p:spTree>
     <p:extLst>
       <p:ext uri="{BB962C8B-B14F-4D97-AF65-F5344CB8AC3E}">
-        <p14:creationId xmlns:p14="http://schemas.microsoft.com/office/powerpoint/2010/main" val="3126775509"/>
+        <p14:creationId xmlns:p14="http://schemas.microsoft.com/office/powerpoint/2010/main" val="1498036130"/>
       </p:ext>
     </p:extLst>
   </p:cSld>
@@ -1225,13 +4860,7 @@
       </p:grpSpPr>
       <p:sp>
         <p:nvSpPr>
-          <p:cNvPr id="2" name="標題 1">
-            <a:extLst>
-              <a:ext uri="{FF2B5EF4-FFF2-40B4-BE49-F238E27FC236}">
-                <a16:creationId xmlns:a16="http://schemas.microsoft.com/office/drawing/2014/main" id="{F8A74D77-9E6E-4FD1-97AD-0ADC1228B6AF}"/>
-              </a:ext>
-            </a:extLst>
-          </p:cNvPr>
+          <p:cNvPr id="2" name="Title 1"/>
           <p:cNvSpPr>
             <a:spLocks noGrp="1"/>
           </p:cNvSpPr>
@@ -1248,18 +4877,13 @@
               <a:rPr lang="zh-TW" altLang="en-US"/>
               <a:t>按一下以編輯母片標題樣式</a:t>
             </a:r>
-          </a:p>
-        </p:txBody>
-      </p:sp>
-      <p:sp>
-        <p:nvSpPr>
-          <p:cNvPr id="3" name="內容版面配置區 2">
-            <a:extLst>
-              <a:ext uri="{FF2B5EF4-FFF2-40B4-BE49-F238E27FC236}">
-                <a16:creationId xmlns:a16="http://schemas.microsoft.com/office/drawing/2014/main" id="{9FDE4E9B-689C-4373-B281-9636BE211982}"/>
-              </a:ext>
-            </a:extLst>
-          </p:cNvPr>
+            <a:endParaRPr lang="en-US" dirty="0"/>
+          </a:p>
+        </p:txBody>
+      </p:sp>
+      <p:sp>
+        <p:nvSpPr>
+          <p:cNvPr id="3" name="Content Placeholder 2"/>
           <p:cNvSpPr>
             <a:spLocks noGrp="1"/>
           </p:cNvSpPr>
@@ -1269,126 +4893,218 @@
         </p:nvSpPr>
         <p:spPr>
           <a:xfrm>
-            <a:off x="838200" y="1825625"/>
-            <a:ext cx="5181600" cy="4351338"/>
+            <a:off x="1103312" y="2060575"/>
+            <a:ext cx="4396339" cy="4195763"/>
           </a:xfrm>
         </p:spPr>
         <p:txBody>
+          <a:bodyPr>
+            <a:normAutofit/>
+          </a:bodyPr>
+          <a:lstStyle>
+            <a:lvl1pPr>
+              <a:defRPr sz="1800"/>
+            </a:lvl1pPr>
+            <a:lvl2pPr>
+              <a:defRPr sz="1600"/>
+            </a:lvl2pPr>
+            <a:lvl3pPr>
+              <a:defRPr sz="1400"/>
+            </a:lvl3pPr>
+            <a:lvl4pPr>
+              <a:defRPr sz="1200"/>
+            </a:lvl4pPr>
+            <a:lvl5pPr>
+              <a:defRPr sz="1200"/>
+            </a:lvl5pPr>
+            <a:lvl6pPr>
+              <a:defRPr sz="1200"/>
+            </a:lvl6pPr>
+            <a:lvl7pPr>
+              <a:defRPr sz="1200"/>
+            </a:lvl7pPr>
+            <a:lvl8pPr>
+              <a:defRPr sz="1200"/>
+            </a:lvl8pPr>
+            <a:lvl9pPr>
+              <a:defRPr sz="1200"/>
+            </a:lvl9pPr>
+          </a:lstStyle>
+          <a:p>
+            <a:pPr lvl="0"/>
+            <a:r>
+              <a:rPr lang="zh-TW" altLang="en-US"/>
+              <a:t>按一下以編輯母片文字樣式</a:t>
+            </a:r>
+          </a:p>
+          <a:p>
+            <a:pPr lvl="1"/>
+            <a:r>
+              <a:rPr lang="zh-TW" altLang="en-US"/>
+              <a:t>第二層</a:t>
+            </a:r>
+          </a:p>
+          <a:p>
+            <a:pPr lvl="2"/>
+            <a:r>
+              <a:rPr lang="zh-TW" altLang="en-US"/>
+              <a:t>第三層</a:t>
+            </a:r>
+          </a:p>
+          <a:p>
+            <a:pPr lvl="3"/>
+            <a:r>
+              <a:rPr lang="zh-TW" altLang="en-US"/>
+              <a:t>第四層</a:t>
+            </a:r>
+          </a:p>
+          <a:p>
+            <a:pPr lvl="4"/>
+            <a:r>
+              <a:rPr lang="zh-TW" altLang="en-US"/>
+              <a:t>第五層</a:t>
+            </a:r>
+            <a:endParaRPr lang="en-US" dirty="0"/>
+          </a:p>
+        </p:txBody>
+      </p:sp>
+      <p:sp>
+        <p:nvSpPr>
+          <p:cNvPr id="4" name="Content Placeholder 3"/>
+          <p:cNvSpPr>
+            <a:spLocks noGrp="1"/>
+          </p:cNvSpPr>
+          <p:nvPr>
+            <p:ph sz="half" idx="2"/>
+          </p:nvPr>
+        </p:nvSpPr>
+        <p:spPr>
+          <a:xfrm>
+            <a:off x="5654493" y="2056092"/>
+            <a:ext cx="4396341" cy="4200245"/>
+          </a:xfrm>
+        </p:spPr>
+        <p:txBody>
+          <a:bodyPr>
+            <a:normAutofit/>
+          </a:bodyPr>
+          <a:lstStyle>
+            <a:lvl1pPr>
+              <a:defRPr sz="1800"/>
+            </a:lvl1pPr>
+            <a:lvl2pPr>
+              <a:defRPr sz="1600"/>
+            </a:lvl2pPr>
+            <a:lvl3pPr>
+              <a:defRPr sz="1400"/>
+            </a:lvl3pPr>
+            <a:lvl4pPr>
+              <a:defRPr sz="1200"/>
+            </a:lvl4pPr>
+            <a:lvl5pPr>
+              <a:defRPr sz="1200"/>
+            </a:lvl5pPr>
+            <a:lvl6pPr>
+              <a:defRPr sz="1200"/>
+            </a:lvl6pPr>
+            <a:lvl7pPr>
+              <a:defRPr sz="1200"/>
+            </a:lvl7pPr>
+            <a:lvl8pPr>
+              <a:defRPr sz="1200"/>
+            </a:lvl8pPr>
+            <a:lvl9pPr>
+              <a:defRPr sz="1200"/>
+            </a:lvl9pPr>
+          </a:lstStyle>
+          <a:p>
+            <a:pPr lvl="0"/>
+            <a:r>
+              <a:rPr lang="zh-TW" altLang="en-US"/>
+              <a:t>按一下以編輯母片文字樣式</a:t>
+            </a:r>
+          </a:p>
+          <a:p>
+            <a:pPr lvl="1"/>
+            <a:r>
+              <a:rPr lang="zh-TW" altLang="en-US"/>
+              <a:t>第二層</a:t>
+            </a:r>
+          </a:p>
+          <a:p>
+            <a:pPr lvl="2"/>
+            <a:r>
+              <a:rPr lang="zh-TW" altLang="en-US"/>
+              <a:t>第三層</a:t>
+            </a:r>
+          </a:p>
+          <a:p>
+            <a:pPr lvl="3"/>
+            <a:r>
+              <a:rPr lang="zh-TW" altLang="en-US"/>
+              <a:t>第四層</a:t>
+            </a:r>
+          </a:p>
+          <a:p>
+            <a:pPr lvl="4"/>
+            <a:r>
+              <a:rPr lang="zh-TW" altLang="en-US"/>
+              <a:t>第五層</a:t>
+            </a:r>
+            <a:endParaRPr lang="en-US" dirty="0"/>
+          </a:p>
+        </p:txBody>
+      </p:sp>
+      <p:sp>
+        <p:nvSpPr>
+          <p:cNvPr id="5" name="Date Placeholder 4"/>
+          <p:cNvSpPr>
+            <a:spLocks noGrp="1"/>
+          </p:cNvSpPr>
+          <p:nvPr>
+            <p:ph type="dt" sz="half" idx="10"/>
+          </p:nvPr>
+        </p:nvSpPr>
+        <p:spPr/>
+        <p:txBody>
           <a:bodyPr/>
           <a:lstStyle/>
           <a:p>
-            <a:pPr lvl="0"/>
-            <a:r>
-              <a:rPr lang="zh-TW" altLang="en-US"/>
-              <a:t>按一下以編輯母片文字樣式</a:t>
-            </a:r>
-          </a:p>
-          <a:p>
-            <a:pPr lvl="1"/>
-            <a:r>
-              <a:rPr lang="zh-TW" altLang="en-US"/>
-              <a:t>第二層</a:t>
-            </a:r>
-          </a:p>
-          <a:p>
-            <a:pPr lvl="2"/>
-            <a:r>
-              <a:rPr lang="zh-TW" altLang="en-US"/>
-              <a:t>第三層</a:t>
-            </a:r>
-          </a:p>
-          <a:p>
-            <a:pPr lvl="3"/>
-            <a:r>
-              <a:rPr lang="zh-TW" altLang="en-US"/>
-              <a:t>第四層</a:t>
-            </a:r>
-          </a:p>
-          <a:p>
-            <a:pPr lvl="4"/>
-            <a:r>
-              <a:rPr lang="zh-TW" altLang="en-US"/>
-              <a:t>第五層</a:t>
-            </a:r>
-          </a:p>
-        </p:txBody>
-      </p:sp>
-      <p:sp>
-        <p:nvSpPr>
-          <p:cNvPr id="4" name="內容版面配置區 3">
-            <a:extLst>
-              <a:ext uri="{FF2B5EF4-FFF2-40B4-BE49-F238E27FC236}">
-                <a16:creationId xmlns:a16="http://schemas.microsoft.com/office/drawing/2014/main" id="{CD25EC10-0BDA-4ECA-AB8E-059AC3378E22}"/>
-              </a:ext>
-            </a:extLst>
-          </p:cNvPr>
-          <p:cNvSpPr>
-            <a:spLocks noGrp="1"/>
-          </p:cNvSpPr>
-          <p:nvPr>
-            <p:ph sz="half" idx="2"/>
-          </p:nvPr>
-        </p:nvSpPr>
-        <p:spPr>
-          <a:xfrm>
-            <a:off x="6172200" y="1825625"/>
-            <a:ext cx="5181600" cy="4351338"/>
-          </a:xfrm>
-        </p:spPr>
+            <a:fld id="{06E0D348-D20D-44A1-B21A-9F9EE4313730}" type="datetimeFigureOut">
+              <a:rPr lang="zh-TW" altLang="en-US" smtClean="0"/>
+              <a:t>2024/10/30</a:t>
+            </a:fld>
+            <a:endParaRPr lang="zh-TW" altLang="en-US"/>
+          </a:p>
+        </p:txBody>
+      </p:sp>
+      <p:sp>
+        <p:nvSpPr>
+          <p:cNvPr id="6" name="Footer Placeholder 5"/>
+          <p:cNvSpPr>
+            <a:spLocks noGrp="1"/>
+          </p:cNvSpPr>
+          <p:nvPr>
+            <p:ph type="ftr" sz="quarter" idx="11"/>
+          </p:nvPr>
+        </p:nvSpPr>
+        <p:spPr/>
         <p:txBody>
           <a:bodyPr/>
           <a:lstStyle/>
           <a:p>
-            <a:pPr lvl="0"/>
-            <a:r>
-              <a:rPr lang="zh-TW" altLang="en-US"/>
-              <a:t>按一下以編輯母片文字樣式</a:t>
-            </a:r>
-          </a:p>
-          <a:p>
-            <a:pPr lvl="1"/>
-            <a:r>
-              <a:rPr lang="zh-TW" altLang="en-US"/>
-              <a:t>第二層</a:t>
-            </a:r>
-          </a:p>
-          <a:p>
-            <a:pPr lvl="2"/>
-            <a:r>
-              <a:rPr lang="zh-TW" altLang="en-US"/>
-              <a:t>第三層</a:t>
-            </a:r>
-          </a:p>
-          <a:p>
-            <a:pPr lvl="3"/>
-            <a:r>
-              <a:rPr lang="zh-TW" altLang="en-US"/>
-              <a:t>第四層</a:t>
-            </a:r>
-          </a:p>
-          <a:p>
-            <a:pPr lvl="4"/>
-            <a:r>
-              <a:rPr lang="zh-TW" altLang="en-US"/>
-              <a:t>第五層</a:t>
-            </a:r>
-          </a:p>
-        </p:txBody>
-      </p:sp>
-      <p:sp>
-        <p:nvSpPr>
-          <p:cNvPr id="5" name="日期版面配置區 4">
-            <a:extLst>
-              <a:ext uri="{FF2B5EF4-FFF2-40B4-BE49-F238E27FC236}">
-                <a16:creationId xmlns:a16="http://schemas.microsoft.com/office/drawing/2014/main" id="{63DAF127-0983-4C38-869C-C0A513FA9147}"/>
-              </a:ext>
-            </a:extLst>
-          </p:cNvPr>
-          <p:cNvSpPr>
-            <a:spLocks noGrp="1"/>
-          </p:cNvSpPr>
-          <p:nvPr>
-            <p:ph type="dt" sz="half" idx="10"/>
+            <a:endParaRPr lang="zh-TW" altLang="en-US"/>
+          </a:p>
+        </p:txBody>
+      </p:sp>
+      <p:sp>
+        <p:nvSpPr>
+          <p:cNvPr id="7" name="Slide Number Placeholder 6"/>
+          <p:cNvSpPr>
+            <a:spLocks noGrp="1"/>
+          </p:cNvSpPr>
+          <p:nvPr>
+            <p:ph type="sldNum" sz="quarter" idx="12"/>
           </p:nvPr>
         </p:nvSpPr>
         <p:spPr/>
@@ -1396,61 +5112,7 @@
           <a:bodyPr/>
           <a:lstStyle/>
           <a:p>
-            <a:fld id="{C3C90D7E-32D6-4894-AE08-7BBB3E610FC9}" type="datetimeFigureOut">
-              <a:rPr lang="zh-TW" altLang="en-US" smtClean="0"/>
-              <a:t>2024/9/16</a:t>
-            </a:fld>
-            <a:endParaRPr lang="zh-TW" altLang="en-US"/>
-          </a:p>
-        </p:txBody>
-      </p:sp>
-      <p:sp>
-        <p:nvSpPr>
-          <p:cNvPr id="6" name="頁尾版面配置區 5">
-            <a:extLst>
-              <a:ext uri="{FF2B5EF4-FFF2-40B4-BE49-F238E27FC236}">
-                <a16:creationId xmlns:a16="http://schemas.microsoft.com/office/drawing/2014/main" id="{E014CBA6-CCE3-4CF4-8E13-D895EDBD8F25}"/>
-              </a:ext>
-            </a:extLst>
-          </p:cNvPr>
-          <p:cNvSpPr>
-            <a:spLocks noGrp="1"/>
-          </p:cNvSpPr>
-          <p:nvPr>
-            <p:ph type="ftr" sz="quarter" idx="11"/>
-          </p:nvPr>
-        </p:nvSpPr>
-        <p:spPr/>
-        <p:txBody>
-          <a:bodyPr/>
-          <a:lstStyle/>
-          <a:p>
-            <a:endParaRPr lang="zh-TW" altLang="en-US"/>
-          </a:p>
-        </p:txBody>
-      </p:sp>
-      <p:sp>
-        <p:nvSpPr>
-          <p:cNvPr id="7" name="投影片編號版面配置區 6">
-            <a:extLst>
-              <a:ext uri="{FF2B5EF4-FFF2-40B4-BE49-F238E27FC236}">
-                <a16:creationId xmlns:a16="http://schemas.microsoft.com/office/drawing/2014/main" id="{5CEAA8E5-79B3-445E-B8C3-29BD56CE6D7A}"/>
-              </a:ext>
-            </a:extLst>
-          </p:cNvPr>
-          <p:cNvSpPr>
-            <a:spLocks noGrp="1"/>
-          </p:cNvSpPr>
-          <p:nvPr>
-            <p:ph type="sldNum" sz="quarter" idx="12"/>
-          </p:nvPr>
-        </p:nvSpPr>
-        <p:spPr/>
-        <p:txBody>
-          <a:bodyPr/>
-          <a:lstStyle/>
-          <a:p>
-            <a:fld id="{E31EC408-072F-4346-BD0A-D6AA5788A305}" type="slidenum">
+            <a:fld id="{687D793A-871E-42F3-8717-99C703D609B6}" type="slidenum">
               <a:rPr lang="zh-TW" altLang="en-US" smtClean="0"/>
               <a:t>‹#›</a:t>
             </a:fld>
@@ -1461,7 +5123,7 @@
     </p:spTree>
     <p:extLst>
       <p:ext uri="{BB962C8B-B14F-4D97-AF65-F5344CB8AC3E}">
-        <p14:creationId xmlns:p14="http://schemas.microsoft.com/office/powerpoint/2010/main" val="3858213488"/>
+        <p14:creationId xmlns:p14="http://schemas.microsoft.com/office/powerpoint/2010/main" val="4137045429"/>
       </p:ext>
     </p:extLst>
   </p:cSld>
@@ -1490,65 +5152,62 @@
       </p:grpSpPr>
       <p:sp>
         <p:nvSpPr>
-          <p:cNvPr id="2" name="標題 1">
-            <a:extLst>
-              <a:ext uri="{FF2B5EF4-FFF2-40B4-BE49-F238E27FC236}">
-                <a16:creationId xmlns:a16="http://schemas.microsoft.com/office/drawing/2014/main" id="{A00F76B6-8DEC-4A74-A06A-BA0146321CD8}"/>
-              </a:ext>
-            </a:extLst>
-          </p:cNvPr>
+          <p:cNvPr id="2" name="Title 1"/>
           <p:cNvSpPr>
             <a:spLocks noGrp="1"/>
           </p:cNvSpPr>
           <p:nvPr>
             <p:ph type="title"/>
+          </p:nvPr>
+        </p:nvSpPr>
+        <p:spPr/>
+        <p:txBody>
+          <a:bodyPr/>
+          <a:lstStyle>
+            <a:lvl1pPr>
+              <a:defRPr/>
+            </a:lvl1pPr>
+          </a:lstStyle>
+          <a:p>
+            <a:r>
+              <a:rPr lang="zh-TW" altLang="en-US"/>
+              <a:t>按一下以編輯母片標題樣式</a:t>
+            </a:r>
+            <a:endParaRPr lang="en-US" dirty="0"/>
+          </a:p>
+        </p:txBody>
+      </p:sp>
+      <p:sp>
+        <p:nvSpPr>
+          <p:cNvPr id="3" name="Text Placeholder 2"/>
+          <p:cNvSpPr>
+            <a:spLocks noGrp="1"/>
+          </p:cNvSpPr>
+          <p:nvPr>
+            <p:ph type="body" idx="1"/>
           </p:nvPr>
         </p:nvSpPr>
         <p:spPr>
           <a:xfrm>
-            <a:off x="839788" y="365125"/>
-            <a:ext cx="10515600" cy="1325563"/>
+            <a:off x="1103313" y="1905000"/>
+            <a:ext cx="4396338" cy="576262"/>
           </a:xfrm>
         </p:spPr>
         <p:txBody>
-          <a:bodyPr/>
-          <a:lstStyle/>
-          <a:p>
-            <a:r>
-              <a:rPr lang="zh-TW" altLang="en-US"/>
-              <a:t>按一下以編輯母片標題樣式</a:t>
-            </a:r>
-          </a:p>
-        </p:txBody>
-      </p:sp>
-      <p:sp>
-        <p:nvSpPr>
-          <p:cNvPr id="3" name="文字版面配置區 2">
-            <a:extLst>
-              <a:ext uri="{FF2B5EF4-FFF2-40B4-BE49-F238E27FC236}">
-                <a16:creationId xmlns:a16="http://schemas.microsoft.com/office/drawing/2014/main" id="{EF00F5C5-99A7-4F16-855A-F170362659F7}"/>
-              </a:ext>
-            </a:extLst>
-          </p:cNvPr>
-          <p:cNvSpPr>
-            <a:spLocks noGrp="1"/>
-          </p:cNvSpPr>
-          <p:nvPr>
-            <p:ph type="body" idx="1"/>
-          </p:nvPr>
-        </p:nvSpPr>
-        <p:spPr>
-          <a:xfrm>
-            <a:off x="839788" y="1681163"/>
-            <a:ext cx="5157787" cy="823912"/>
-          </a:xfrm>
-        </p:spPr>
-        <p:txBody>
-          <a:bodyPr anchor="b"/>
+          <a:bodyPr anchor="b">
+            <a:noAutofit/>
+          </a:bodyPr>
           <a:lstStyle>
             <a:lvl1pPr marL="0" indent="0">
               <a:buNone/>
-              <a:defRPr sz="2400" b="1"/>
+              <a:defRPr sz="2400" b="0">
+                <a:solidFill>
+                  <a:schemeClr val="bg2">
+                    <a:lumMod val="40000"/>
+                    <a:lumOff val="60000"/>
+                  </a:schemeClr>
+                </a:solidFill>
+              </a:defRPr>
             </a:lvl1pPr>
             <a:lvl2pPr marL="457200" indent="0">
               <a:buNone/>
@@ -1594,13 +5253,7 @@
       </p:sp>
       <p:sp>
         <p:nvSpPr>
-          <p:cNvPr id="4" name="內容版面配置區 3">
-            <a:extLst>
-              <a:ext uri="{FF2B5EF4-FFF2-40B4-BE49-F238E27FC236}">
-                <a16:creationId xmlns:a16="http://schemas.microsoft.com/office/drawing/2014/main" id="{6722BEB2-C9B4-4C14-8234-D17E84349984}"/>
-              </a:ext>
-            </a:extLst>
-          </p:cNvPr>
+          <p:cNvPr id="4" name="Content Placeholder 3"/>
           <p:cNvSpPr>
             <a:spLocks noGrp="1"/>
           </p:cNvSpPr>
@@ -1610,13 +5263,43 @@
         </p:nvSpPr>
         <p:spPr>
           <a:xfrm>
-            <a:off x="839788" y="2505075"/>
-            <a:ext cx="5157787" cy="3684588"/>
+            <a:off x="1103312" y="2514600"/>
+            <a:ext cx="4396339" cy="3741738"/>
           </a:xfrm>
         </p:spPr>
         <p:txBody>
-          <a:bodyPr/>
-          <a:lstStyle/>
+          <a:bodyPr>
+            <a:normAutofit/>
+          </a:bodyPr>
+          <a:lstStyle>
+            <a:lvl1pPr>
+              <a:defRPr sz="1800"/>
+            </a:lvl1pPr>
+            <a:lvl2pPr>
+              <a:defRPr sz="1600"/>
+            </a:lvl2pPr>
+            <a:lvl3pPr>
+              <a:defRPr sz="1400"/>
+            </a:lvl3pPr>
+            <a:lvl4pPr>
+              <a:defRPr sz="1200"/>
+            </a:lvl4pPr>
+            <a:lvl5pPr>
+              <a:defRPr sz="1200"/>
+            </a:lvl5pPr>
+            <a:lvl6pPr>
+              <a:defRPr sz="1200"/>
+            </a:lvl6pPr>
+            <a:lvl7pPr>
+              <a:defRPr sz="1200"/>
+            </a:lvl7pPr>
+            <a:lvl8pPr>
+              <a:defRPr sz="1200"/>
+            </a:lvl8pPr>
+            <a:lvl9pPr>
+              <a:defRPr sz="1200"/>
+            </a:lvl9pPr>
+          </a:lstStyle>
           <a:p>
             <a:pPr lvl="0"/>
             <a:r>
@@ -1651,18 +5334,13 @@
               <a:rPr lang="zh-TW" altLang="en-US"/>
               <a:t>第五層</a:t>
             </a:r>
-          </a:p>
-        </p:txBody>
-      </p:sp>
-      <p:sp>
-        <p:nvSpPr>
-          <p:cNvPr id="5" name="文字版面配置區 4">
-            <a:extLst>
-              <a:ext uri="{FF2B5EF4-FFF2-40B4-BE49-F238E27FC236}">
-                <a16:creationId xmlns:a16="http://schemas.microsoft.com/office/drawing/2014/main" id="{E4A41162-A0AC-4211-940F-4B92208F9B0E}"/>
-              </a:ext>
-            </a:extLst>
-          </p:cNvPr>
+            <a:endParaRPr lang="en-US" dirty="0"/>
+          </a:p>
+        </p:txBody>
+      </p:sp>
+      <p:sp>
+        <p:nvSpPr>
+          <p:cNvPr id="5" name="Text Placeholder 4"/>
           <p:cNvSpPr>
             <a:spLocks noGrp="1"/>
           </p:cNvSpPr>
@@ -1672,16 +5350,25 @@
         </p:nvSpPr>
         <p:spPr>
           <a:xfrm>
-            <a:off x="6172200" y="1681163"/>
-            <a:ext cx="5183188" cy="823912"/>
+            <a:off x="5654495" y="1905000"/>
+            <a:ext cx="4396339" cy="576262"/>
           </a:xfrm>
         </p:spPr>
         <p:txBody>
-          <a:bodyPr anchor="b"/>
+          <a:bodyPr anchor="b">
+            <a:noAutofit/>
+          </a:bodyPr>
           <a:lstStyle>
             <a:lvl1pPr marL="0" indent="0">
               <a:buNone/>
-              <a:defRPr sz="2400" b="1"/>
+              <a:defRPr sz="2400" b="0">
+                <a:solidFill>
+                  <a:schemeClr val="bg2">
+                    <a:lumMod val="40000"/>
+                    <a:lumOff val="60000"/>
+                  </a:schemeClr>
+                </a:solidFill>
+              </a:defRPr>
             </a:lvl1pPr>
             <a:lvl2pPr marL="457200" indent="0">
               <a:buNone/>
@@ -1727,13 +5414,7 @@
       </p:sp>
       <p:sp>
         <p:nvSpPr>
-          <p:cNvPr id="6" name="內容版面配置區 5">
-            <a:extLst>
-              <a:ext uri="{FF2B5EF4-FFF2-40B4-BE49-F238E27FC236}">
-                <a16:creationId xmlns:a16="http://schemas.microsoft.com/office/drawing/2014/main" id="{E8EA159A-F9D7-4F58-A7C3-6E5B65E42266}"/>
-              </a:ext>
-            </a:extLst>
-          </p:cNvPr>
+          <p:cNvPr id="6" name="Content Placeholder 5"/>
           <p:cNvSpPr>
             <a:spLocks noGrp="1"/>
           </p:cNvSpPr>
@@ -1743,64 +5424,112 @@
         </p:nvSpPr>
         <p:spPr>
           <a:xfrm>
-            <a:off x="6172200" y="2505075"/>
-            <a:ext cx="5183188" cy="3684588"/>
+            <a:off x="5654495" y="2514600"/>
+            <a:ext cx="4396339" cy="3741738"/>
           </a:xfrm>
         </p:spPr>
         <p:txBody>
+          <a:bodyPr>
+            <a:normAutofit/>
+          </a:bodyPr>
+          <a:lstStyle>
+            <a:lvl1pPr>
+              <a:defRPr sz="1800"/>
+            </a:lvl1pPr>
+            <a:lvl2pPr>
+              <a:defRPr sz="1600"/>
+            </a:lvl2pPr>
+            <a:lvl3pPr>
+              <a:defRPr sz="1400"/>
+            </a:lvl3pPr>
+            <a:lvl4pPr>
+              <a:defRPr sz="1200"/>
+            </a:lvl4pPr>
+            <a:lvl5pPr>
+              <a:defRPr sz="1200"/>
+            </a:lvl5pPr>
+            <a:lvl6pPr>
+              <a:defRPr sz="1200"/>
+            </a:lvl6pPr>
+            <a:lvl7pPr>
+              <a:defRPr sz="1200"/>
+            </a:lvl7pPr>
+            <a:lvl8pPr>
+              <a:defRPr sz="1200"/>
+            </a:lvl8pPr>
+            <a:lvl9pPr>
+              <a:defRPr sz="1200"/>
+            </a:lvl9pPr>
+          </a:lstStyle>
+          <a:p>
+            <a:pPr lvl="0"/>
+            <a:r>
+              <a:rPr lang="zh-TW" altLang="en-US"/>
+              <a:t>按一下以編輯母片文字樣式</a:t>
+            </a:r>
+          </a:p>
+          <a:p>
+            <a:pPr lvl="1"/>
+            <a:r>
+              <a:rPr lang="zh-TW" altLang="en-US"/>
+              <a:t>第二層</a:t>
+            </a:r>
+          </a:p>
+          <a:p>
+            <a:pPr lvl="2"/>
+            <a:r>
+              <a:rPr lang="zh-TW" altLang="en-US"/>
+              <a:t>第三層</a:t>
+            </a:r>
+          </a:p>
+          <a:p>
+            <a:pPr lvl="3"/>
+            <a:r>
+              <a:rPr lang="zh-TW" altLang="en-US"/>
+              <a:t>第四層</a:t>
+            </a:r>
+          </a:p>
+          <a:p>
+            <a:pPr lvl="4"/>
+            <a:r>
+              <a:rPr lang="zh-TW" altLang="en-US"/>
+              <a:t>第五層</a:t>
+            </a:r>
+            <a:endParaRPr lang="en-US" dirty="0"/>
+          </a:p>
+        </p:txBody>
+      </p:sp>
+      <p:sp>
+        <p:nvSpPr>
+          <p:cNvPr id="7" name="Date Placeholder 6"/>
+          <p:cNvSpPr>
+            <a:spLocks noGrp="1"/>
+          </p:cNvSpPr>
+          <p:nvPr>
+            <p:ph type="dt" sz="half" idx="10"/>
+          </p:nvPr>
+        </p:nvSpPr>
+        <p:spPr/>
+        <p:txBody>
           <a:bodyPr/>
           <a:lstStyle/>
           <a:p>
-            <a:pPr lvl="0"/>
-            <a:r>
-              <a:rPr lang="zh-TW" altLang="en-US"/>
-              <a:t>按一下以編輯母片文字樣式</a:t>
-            </a:r>
-          </a:p>
-          <a:p>
-            <a:pPr lvl="1"/>
-            <a:r>
-              <a:rPr lang="zh-TW" altLang="en-US"/>
-              <a:t>第二層</a:t>
-            </a:r>
-          </a:p>
-          <a:p>
-            <a:pPr lvl="2"/>
-            <a:r>
-              <a:rPr lang="zh-TW" altLang="en-US"/>
-              <a:t>第三層</a:t>
-            </a:r>
-          </a:p>
-          <a:p>
-            <a:pPr lvl="3"/>
-            <a:r>
-              <a:rPr lang="zh-TW" altLang="en-US"/>
-              <a:t>第四層</a:t>
-            </a:r>
-          </a:p>
-          <a:p>
-            <a:pPr lvl="4"/>
-            <a:r>
-              <a:rPr lang="zh-TW" altLang="en-US"/>
-              <a:t>第五層</a:t>
-            </a:r>
-          </a:p>
-        </p:txBody>
-      </p:sp>
-      <p:sp>
-        <p:nvSpPr>
-          <p:cNvPr id="7" name="日期版面配置區 6">
-            <a:extLst>
-              <a:ext uri="{FF2B5EF4-FFF2-40B4-BE49-F238E27FC236}">
-                <a16:creationId xmlns:a16="http://schemas.microsoft.com/office/drawing/2014/main" id="{AE973E80-9141-48B7-A9D7-605A4541768F}"/>
-              </a:ext>
-            </a:extLst>
-          </p:cNvPr>
-          <p:cNvSpPr>
-            <a:spLocks noGrp="1"/>
-          </p:cNvSpPr>
-          <p:nvPr>
-            <p:ph type="dt" sz="half" idx="10"/>
+            <a:fld id="{06E0D348-D20D-44A1-B21A-9F9EE4313730}" type="datetimeFigureOut">
+              <a:rPr lang="zh-TW" altLang="en-US" smtClean="0"/>
+              <a:t>2024/10/30</a:t>
+            </a:fld>
+            <a:endParaRPr lang="zh-TW" altLang="en-US"/>
+          </a:p>
+        </p:txBody>
+      </p:sp>
+      <p:sp>
+        <p:nvSpPr>
+          <p:cNvPr id="8" name="Footer Placeholder 7"/>
+          <p:cNvSpPr>
+            <a:spLocks noGrp="1"/>
+          </p:cNvSpPr>
+          <p:nvPr>
+            <p:ph type="ftr" sz="quarter" idx="11"/>
           </p:nvPr>
         </p:nvSpPr>
         <p:spPr/>
@@ -1808,28 +5537,18 @@
           <a:bodyPr/>
           <a:lstStyle/>
           <a:p>
-            <a:fld id="{C3C90D7E-32D6-4894-AE08-7BBB3E610FC9}" type="datetimeFigureOut">
-              <a:rPr lang="zh-TW" altLang="en-US" smtClean="0"/>
-              <a:t>2024/9/16</a:t>
-            </a:fld>
             <a:endParaRPr lang="zh-TW" altLang="en-US"/>
           </a:p>
         </p:txBody>
       </p:sp>
       <p:sp>
         <p:nvSpPr>
-          <p:cNvPr id="8" name="頁尾版面配置區 7">
-            <a:extLst>
-              <a:ext uri="{FF2B5EF4-FFF2-40B4-BE49-F238E27FC236}">
-                <a16:creationId xmlns:a16="http://schemas.microsoft.com/office/drawing/2014/main" id="{6520B07A-79F8-43E7-8013-632DD2AED223}"/>
-              </a:ext>
-            </a:extLst>
-          </p:cNvPr>
-          <p:cNvSpPr>
-            <a:spLocks noGrp="1"/>
-          </p:cNvSpPr>
-          <p:nvPr>
-            <p:ph type="ftr" sz="quarter" idx="11"/>
+          <p:cNvPr id="9" name="Slide Number Placeholder 8"/>
+          <p:cNvSpPr>
+            <a:spLocks noGrp="1"/>
+          </p:cNvSpPr>
+          <p:nvPr>
+            <p:ph type="sldNum" sz="quarter" idx="12"/>
           </p:nvPr>
         </p:nvSpPr>
         <p:spPr/>
@@ -1837,32 +5556,7 @@
           <a:bodyPr/>
           <a:lstStyle/>
           <a:p>
-            <a:endParaRPr lang="zh-TW" altLang="en-US"/>
-          </a:p>
-        </p:txBody>
-      </p:sp>
-      <p:sp>
-        <p:nvSpPr>
-          <p:cNvPr id="9" name="投影片編號版面配置區 8">
-            <a:extLst>
-              <a:ext uri="{FF2B5EF4-FFF2-40B4-BE49-F238E27FC236}">
-                <a16:creationId xmlns:a16="http://schemas.microsoft.com/office/drawing/2014/main" id="{3B997D8F-4F1C-4DE6-A82C-3E0C38ACAE96}"/>
-              </a:ext>
-            </a:extLst>
-          </p:cNvPr>
-          <p:cNvSpPr>
-            <a:spLocks noGrp="1"/>
-          </p:cNvSpPr>
-          <p:nvPr>
-            <p:ph type="sldNum" sz="quarter" idx="12"/>
-          </p:nvPr>
-        </p:nvSpPr>
-        <p:spPr/>
-        <p:txBody>
-          <a:bodyPr/>
-          <a:lstStyle/>
-          <a:p>
-            <a:fld id="{E31EC408-072F-4346-BD0A-D6AA5788A305}" type="slidenum">
+            <a:fld id="{687D793A-871E-42F3-8717-99C703D609B6}" type="slidenum">
               <a:rPr lang="zh-TW" altLang="en-US" smtClean="0"/>
               <a:t>‹#›</a:t>
             </a:fld>
@@ -1873,7 +5567,7 @@
     </p:spTree>
     <p:extLst>
       <p:ext uri="{BB962C8B-B14F-4D97-AF65-F5344CB8AC3E}">
-        <p14:creationId xmlns:p14="http://schemas.microsoft.com/office/powerpoint/2010/main" val="3379995638"/>
+        <p14:creationId xmlns:p14="http://schemas.microsoft.com/office/powerpoint/2010/main" val="2442733175"/>
       </p:ext>
     </p:extLst>
   </p:cSld>
@@ -1902,13 +5596,7 @@
       </p:grpSpPr>
       <p:sp>
         <p:nvSpPr>
-          <p:cNvPr id="2" name="標題 1">
-            <a:extLst>
-              <a:ext uri="{FF2B5EF4-FFF2-40B4-BE49-F238E27FC236}">
-                <a16:creationId xmlns:a16="http://schemas.microsoft.com/office/drawing/2014/main" id="{6CE04611-FD10-429D-89AA-73C259B64293}"/>
-              </a:ext>
-            </a:extLst>
-          </p:cNvPr>
+          <p:cNvPr id="2" name="Title 1"/>
           <p:cNvSpPr>
             <a:spLocks noGrp="1"/>
           </p:cNvSpPr>
@@ -1925,18 +5613,13 @@
               <a:rPr lang="zh-TW" altLang="en-US"/>
               <a:t>按一下以編輯母片標題樣式</a:t>
             </a:r>
-          </a:p>
-        </p:txBody>
-      </p:sp>
-      <p:sp>
-        <p:nvSpPr>
-          <p:cNvPr id="3" name="日期版面配置區 2">
-            <a:extLst>
-              <a:ext uri="{FF2B5EF4-FFF2-40B4-BE49-F238E27FC236}">
-                <a16:creationId xmlns:a16="http://schemas.microsoft.com/office/drawing/2014/main" id="{2D9009F3-A280-4DA8-ACC4-187DE2172BCA}"/>
-              </a:ext>
-            </a:extLst>
-          </p:cNvPr>
+            <a:endParaRPr lang="en-US" dirty="0"/>
+          </a:p>
+        </p:txBody>
+      </p:sp>
+      <p:sp>
+        <p:nvSpPr>
+          <p:cNvPr id="7" name="Date Placeholder 2"/>
           <p:cNvSpPr>
             <a:spLocks noGrp="1"/>
           </p:cNvSpPr>
@@ -1949,9 +5632,9 @@
           <a:bodyPr/>
           <a:lstStyle/>
           <a:p>
-            <a:fld id="{C3C90D7E-32D6-4894-AE08-7BBB3E610FC9}" type="datetimeFigureOut">
+            <a:fld id="{06E0D348-D20D-44A1-B21A-9F9EE4313730}" type="datetimeFigureOut">
               <a:rPr lang="zh-TW" altLang="en-US" smtClean="0"/>
-              <a:t>2024/9/16</a:t>
+              <a:t>2024/10/30</a:t>
             </a:fld>
             <a:endParaRPr lang="zh-TW" altLang="en-US"/>
           </a:p>
@@ -1959,13 +5642,7 @@
       </p:sp>
       <p:sp>
         <p:nvSpPr>
-          <p:cNvPr id="4" name="頁尾版面配置區 3">
-            <a:extLst>
-              <a:ext uri="{FF2B5EF4-FFF2-40B4-BE49-F238E27FC236}">
-                <a16:creationId xmlns:a16="http://schemas.microsoft.com/office/drawing/2014/main" id="{F8FD791E-F627-4DDB-AD69-F7639FDD1767}"/>
-              </a:ext>
-            </a:extLst>
-          </p:cNvPr>
+          <p:cNvPr id="5" name="Footer Placeholder 3"/>
           <p:cNvSpPr>
             <a:spLocks noGrp="1"/>
           </p:cNvSpPr>
@@ -1984,13 +5661,7 @@
       </p:sp>
       <p:sp>
         <p:nvSpPr>
-          <p:cNvPr id="5" name="投影片編號版面配置區 4">
-            <a:extLst>
-              <a:ext uri="{FF2B5EF4-FFF2-40B4-BE49-F238E27FC236}">
-                <a16:creationId xmlns:a16="http://schemas.microsoft.com/office/drawing/2014/main" id="{CE9C3C73-9A1B-4A20-B40C-BF8E0726E9AE}"/>
-              </a:ext>
-            </a:extLst>
-          </p:cNvPr>
+          <p:cNvPr id="6" name="Slide Number Placeholder 4"/>
           <p:cNvSpPr>
             <a:spLocks noGrp="1"/>
           </p:cNvSpPr>
@@ -2003,7 +5674,7 @@
           <a:bodyPr/>
           <a:lstStyle/>
           <a:p>
-            <a:fld id="{E31EC408-072F-4346-BD0A-D6AA5788A305}" type="slidenum">
+            <a:fld id="{687D793A-871E-42F3-8717-99C703D609B6}" type="slidenum">
               <a:rPr lang="zh-TW" altLang="en-US" smtClean="0"/>
               <a:t>‹#›</a:t>
             </a:fld>
@@ -2014,7 +5685,7 @@
     </p:spTree>
     <p:extLst>
       <p:ext uri="{BB962C8B-B14F-4D97-AF65-F5344CB8AC3E}">
-        <p14:creationId xmlns:p14="http://schemas.microsoft.com/office/powerpoint/2010/main" val="3116621787"/>
+        <p14:creationId xmlns:p14="http://schemas.microsoft.com/office/powerpoint/2010/main" val="3368469363"/>
       </p:ext>
     </p:extLst>
   </p:cSld>
@@ -2043,13 +5714,7 @@
       </p:grpSpPr>
       <p:sp>
         <p:nvSpPr>
-          <p:cNvPr id="2" name="日期版面配置區 1">
-            <a:extLst>
-              <a:ext uri="{FF2B5EF4-FFF2-40B4-BE49-F238E27FC236}">
-                <a16:creationId xmlns:a16="http://schemas.microsoft.com/office/drawing/2014/main" id="{1E1D8EED-F2A7-4221-9887-0DBB62EB3F80}"/>
-              </a:ext>
-            </a:extLst>
-          </p:cNvPr>
+          <p:cNvPr id="7" name="Date Placeholder 1"/>
           <p:cNvSpPr>
             <a:spLocks noGrp="1"/>
           </p:cNvSpPr>
@@ -2062,9 +5727,9 @@
           <a:bodyPr/>
           <a:lstStyle/>
           <a:p>
-            <a:fld id="{C3C90D7E-32D6-4894-AE08-7BBB3E610FC9}" type="datetimeFigureOut">
+            <a:fld id="{06E0D348-D20D-44A1-B21A-9F9EE4313730}" type="datetimeFigureOut">
               <a:rPr lang="zh-TW" altLang="en-US" smtClean="0"/>
-              <a:t>2024/9/16</a:t>
+              <a:t>2024/10/30</a:t>
             </a:fld>
             <a:endParaRPr lang="zh-TW" altLang="en-US"/>
           </a:p>
@@ -2072,13 +5737,7 @@
       </p:sp>
       <p:sp>
         <p:nvSpPr>
-          <p:cNvPr id="3" name="頁尾版面配置區 2">
-            <a:extLst>
-              <a:ext uri="{FF2B5EF4-FFF2-40B4-BE49-F238E27FC236}">
-                <a16:creationId xmlns:a16="http://schemas.microsoft.com/office/drawing/2014/main" id="{10593B39-DC86-45A7-85EF-B4DB9C28DC80}"/>
-              </a:ext>
-            </a:extLst>
-          </p:cNvPr>
+          <p:cNvPr id="5" name="Footer Placeholder 2"/>
           <p:cNvSpPr>
             <a:spLocks noGrp="1"/>
           </p:cNvSpPr>
@@ -2097,13 +5756,7 @@
       </p:sp>
       <p:sp>
         <p:nvSpPr>
-          <p:cNvPr id="4" name="投影片編號版面配置區 3">
-            <a:extLst>
-              <a:ext uri="{FF2B5EF4-FFF2-40B4-BE49-F238E27FC236}">
-                <a16:creationId xmlns:a16="http://schemas.microsoft.com/office/drawing/2014/main" id="{3D9056B2-6966-4CAF-94D1-2295A737E168}"/>
-              </a:ext>
-            </a:extLst>
-          </p:cNvPr>
+          <p:cNvPr id="6" name="Slide Number Placeholder 3"/>
           <p:cNvSpPr>
             <a:spLocks noGrp="1"/>
           </p:cNvSpPr>
@@ -2116,7 +5769,7 @@
           <a:bodyPr/>
           <a:lstStyle/>
           <a:p>
-            <a:fld id="{E31EC408-072F-4346-BD0A-D6AA5788A305}" type="slidenum">
+            <a:fld id="{687D793A-871E-42F3-8717-99C703D609B6}" type="slidenum">
               <a:rPr lang="zh-TW" altLang="en-US" smtClean="0"/>
               <a:t>‹#›</a:t>
             </a:fld>
@@ -2127,7 +5780,7 @@
     </p:spTree>
     <p:extLst>
       <p:ext uri="{BB962C8B-B14F-4D97-AF65-F5344CB8AC3E}">
-        <p14:creationId xmlns:p14="http://schemas.microsoft.com/office/powerpoint/2010/main" val="3887241942"/>
+        <p14:creationId xmlns:p14="http://schemas.microsoft.com/office/powerpoint/2010/main" val="48230964"/>
       </p:ext>
     </p:extLst>
   </p:cSld>
@@ -2156,13 +5809,7 @@
       </p:grpSpPr>
       <p:sp>
         <p:nvSpPr>
-          <p:cNvPr id="2" name="標題 1">
-            <a:extLst>
-              <a:ext uri="{FF2B5EF4-FFF2-40B4-BE49-F238E27FC236}">
-                <a16:creationId xmlns:a16="http://schemas.microsoft.com/office/drawing/2014/main" id="{5C3076DF-D16B-4600-9550-96C6A8DD7F1A}"/>
-              </a:ext>
-            </a:extLst>
-          </p:cNvPr>
+          <p:cNvPr id="2" name="Title 1"/>
           <p:cNvSpPr>
             <a:spLocks noGrp="1"/>
           </p:cNvSpPr>
@@ -2172,15 +5819,15 @@
         </p:nvSpPr>
         <p:spPr>
           <a:xfrm>
-            <a:off x="839788" y="457200"/>
-            <a:ext cx="3932237" cy="1600200"/>
+            <a:off x="1154953" y="1447800"/>
+            <a:ext cx="3401064" cy="1447800"/>
           </a:xfrm>
         </p:spPr>
         <p:txBody>
           <a:bodyPr anchor="b"/>
           <a:lstStyle>
-            <a:lvl1pPr>
-              <a:defRPr sz="3200"/>
+            <a:lvl1pPr algn="l">
+              <a:defRPr sz="2400" b="0"/>
             </a:lvl1pPr>
           </a:lstStyle>
           <a:p>
@@ -2188,18 +5835,13 @@
               <a:rPr lang="zh-TW" altLang="en-US"/>
               <a:t>按一下以編輯母片標題樣式</a:t>
             </a:r>
-          </a:p>
-        </p:txBody>
-      </p:sp>
-      <p:sp>
-        <p:nvSpPr>
-          <p:cNvPr id="3" name="內容版面配置區 2">
-            <a:extLst>
-              <a:ext uri="{FF2B5EF4-FFF2-40B4-BE49-F238E27FC236}">
-                <a16:creationId xmlns:a16="http://schemas.microsoft.com/office/drawing/2014/main" id="{9CD3D667-FDE5-4F5D-9495-588EC18912CE}"/>
-              </a:ext>
-            </a:extLst>
-          </p:cNvPr>
+            <a:endParaRPr lang="en-US" dirty="0"/>
+          </a:p>
+        </p:txBody>
+      </p:sp>
+      <p:sp>
+        <p:nvSpPr>
+          <p:cNvPr id="3" name="Content Placeholder 2"/>
           <p:cNvSpPr>
             <a:spLocks noGrp="1"/>
           </p:cNvSpPr>
@@ -2209,39 +5851,41 @@
         </p:nvSpPr>
         <p:spPr>
           <a:xfrm>
-            <a:off x="5183188" y="987425"/>
-            <a:ext cx="6172200" cy="4873625"/>
+            <a:off x="4784616" y="1447800"/>
+            <a:ext cx="5195997" cy="4572000"/>
           </a:xfrm>
         </p:spPr>
         <p:txBody>
-          <a:bodyPr/>
+          <a:bodyPr anchor="ctr">
+            <a:normAutofit/>
+          </a:bodyPr>
           <a:lstStyle>
             <a:lvl1pPr>
-              <a:defRPr sz="3200"/>
+              <a:defRPr sz="2000"/>
             </a:lvl1pPr>
             <a:lvl2pPr>
-              <a:defRPr sz="2800"/>
+              <a:defRPr sz="1800"/>
             </a:lvl2pPr>
             <a:lvl3pPr>
-              <a:defRPr sz="2400"/>
+              <a:defRPr sz="1600"/>
             </a:lvl3pPr>
             <a:lvl4pPr>
-              <a:defRPr sz="2000"/>
+              <a:defRPr sz="1400"/>
             </a:lvl4pPr>
             <a:lvl5pPr>
-              <a:defRPr sz="2000"/>
+              <a:defRPr sz="1400"/>
             </a:lvl5pPr>
             <a:lvl6pPr>
-              <a:defRPr sz="2000"/>
+              <a:defRPr sz="1400"/>
             </a:lvl6pPr>
             <a:lvl7pPr>
-              <a:defRPr sz="2000"/>
+              <a:defRPr sz="1400"/>
             </a:lvl7pPr>
             <a:lvl8pPr>
-              <a:defRPr sz="2000"/>
+              <a:defRPr sz="1400"/>
             </a:lvl8pPr>
             <a:lvl9pPr>
-              <a:defRPr sz="2000"/>
+              <a:defRPr sz="1400"/>
             </a:lvl9pPr>
           </a:lstStyle>
           <a:p>
@@ -2278,18 +5922,13 @@
               <a:rPr lang="zh-TW" altLang="en-US"/>
               <a:t>第五層</a:t>
             </a:r>
-          </a:p>
-        </p:txBody>
-      </p:sp>
-      <p:sp>
-        <p:nvSpPr>
-          <p:cNvPr id="4" name="文字版面配置區 3">
-            <a:extLst>
-              <a:ext uri="{FF2B5EF4-FFF2-40B4-BE49-F238E27FC236}">
-                <a16:creationId xmlns:a16="http://schemas.microsoft.com/office/drawing/2014/main" id="{22F511E7-BEEF-4F51-BA0E-52C1908D5608}"/>
-              </a:ext>
-            </a:extLst>
-          </p:cNvPr>
+            <a:endParaRPr lang="en-US" dirty="0"/>
+          </a:p>
+        </p:txBody>
+      </p:sp>
+      <p:sp>
+        <p:nvSpPr>
+          <p:cNvPr id="4" name="Text Placeholder 3"/>
           <p:cNvSpPr>
             <a:spLocks noGrp="1"/>
           </p:cNvSpPr>
@@ -2299,8 +5938,8 @@
         </p:nvSpPr>
         <p:spPr>
           <a:xfrm>
-            <a:off x="839788" y="2057400"/>
-            <a:ext cx="3932237" cy="3811588"/>
+            <a:off x="1154953" y="3129280"/>
+            <a:ext cx="3401063" cy="2895599"/>
           </a:xfrm>
         </p:spPr>
         <p:txBody>
@@ -2308,39 +5947,39 @@
           <a:lstStyle>
             <a:lvl1pPr marL="0" indent="0">
               <a:buNone/>
-              <a:defRPr sz="1600"/>
+              <a:defRPr sz="1400"/>
             </a:lvl1pPr>
             <a:lvl2pPr marL="457200" indent="0">
               <a:buNone/>
-              <a:defRPr sz="1400"/>
+              <a:defRPr sz="1200"/>
             </a:lvl2pPr>
             <a:lvl3pPr marL="914400" indent="0">
               <a:buNone/>
-              <a:defRPr sz="1200"/>
+              <a:defRPr sz="1000"/>
             </a:lvl3pPr>
             <a:lvl4pPr marL="1371600" indent="0">
               <a:buNone/>
-              <a:defRPr sz="1000"/>
+              <a:defRPr sz="900"/>
             </a:lvl4pPr>
             <a:lvl5pPr marL="1828800" indent="0">
               <a:buNone/>
-              <a:defRPr sz="1000"/>
+              <a:defRPr sz="900"/>
             </a:lvl5pPr>
             <a:lvl6pPr marL="2286000" indent="0">
               <a:buNone/>
-              <a:defRPr sz="1000"/>
+              <a:defRPr sz="900"/>
             </a:lvl6pPr>
             <a:lvl7pPr marL="2743200" indent="0">
               <a:buNone/>
-              <a:defRPr sz="1000"/>
+              <a:defRPr sz="900"/>
             </a:lvl7pPr>
             <a:lvl8pPr marL="3200400" indent="0">
               <a:buNone/>
-              <a:defRPr sz="1000"/>
+              <a:defRPr sz="900"/>
             </a:lvl8pPr>
             <a:lvl9pPr marL="3657600" indent="0">
               <a:buNone/>
-              <a:defRPr sz="1000"/>
+              <a:defRPr sz="900"/>
             </a:lvl9pPr>
           </a:lstStyle>
           <a:p>
@@ -2354,13 +5993,7 @@
       </p:sp>
       <p:sp>
         <p:nvSpPr>
-          <p:cNvPr id="5" name="日期版面配置區 4">
-            <a:extLst>
-              <a:ext uri="{FF2B5EF4-FFF2-40B4-BE49-F238E27FC236}">
-                <a16:creationId xmlns:a16="http://schemas.microsoft.com/office/drawing/2014/main" id="{88060697-A92E-4178-A790-FCBB90D70573}"/>
-              </a:ext>
-            </a:extLst>
-          </p:cNvPr>
+          <p:cNvPr id="7" name="Date Placeholder 4"/>
           <p:cNvSpPr>
             <a:spLocks noGrp="1"/>
           </p:cNvSpPr>
@@ -2373,9 +6006,9 @@
           <a:bodyPr/>
           <a:lstStyle/>
           <a:p>
-            <a:fld id="{C3C90D7E-32D6-4894-AE08-7BBB3E610FC9}" type="datetimeFigureOut">
+            <a:fld id="{06E0D348-D20D-44A1-B21A-9F9EE4313730}" type="datetimeFigureOut">
               <a:rPr lang="zh-TW" altLang="en-US" smtClean="0"/>
-              <a:t>2024/9/16</a:t>
+              <a:t>2024/10/30</a:t>
             </a:fld>
             <a:endParaRPr lang="zh-TW" altLang="en-US"/>
           </a:p>
@@ -2383,13 +6016,7 @@
       </p:sp>
       <p:sp>
         <p:nvSpPr>
-          <p:cNvPr id="6" name="頁尾版面配置區 5">
-            <a:extLst>
-              <a:ext uri="{FF2B5EF4-FFF2-40B4-BE49-F238E27FC236}">
-                <a16:creationId xmlns:a16="http://schemas.microsoft.com/office/drawing/2014/main" id="{2A8E3F57-A99A-4C4C-BF14-EE42AB99CE78}"/>
-              </a:ext>
-            </a:extLst>
-          </p:cNvPr>
+          <p:cNvPr id="5" name="Footer Placeholder 5"/>
           <p:cNvSpPr>
             <a:spLocks noGrp="1"/>
           </p:cNvSpPr>
@@ -2408,13 +6035,7 @@
       </p:sp>
       <p:sp>
         <p:nvSpPr>
-          <p:cNvPr id="7" name="投影片編號版面配置區 6">
-            <a:extLst>
-              <a:ext uri="{FF2B5EF4-FFF2-40B4-BE49-F238E27FC236}">
-                <a16:creationId xmlns:a16="http://schemas.microsoft.com/office/drawing/2014/main" id="{39234440-6924-48D7-AC1A-200D5946BCA9}"/>
-              </a:ext>
-            </a:extLst>
-          </p:cNvPr>
+          <p:cNvPr id="6" name="Slide Number Placeholder 6"/>
           <p:cNvSpPr>
             <a:spLocks noGrp="1"/>
           </p:cNvSpPr>
@@ -2427,7 +6048,7 @@
           <a:bodyPr/>
           <a:lstStyle/>
           <a:p>
-            <a:fld id="{E31EC408-072F-4346-BD0A-D6AA5788A305}" type="slidenum">
+            <a:fld id="{687D793A-871E-42F3-8717-99C703D609B6}" type="slidenum">
               <a:rPr lang="zh-TW" altLang="en-US" smtClean="0"/>
               <a:t>‹#›</a:t>
             </a:fld>
@@ -2438,7 +6059,7 @@
     </p:spTree>
     <p:extLst>
       <p:ext uri="{BB962C8B-B14F-4D97-AF65-F5344CB8AC3E}">
-        <p14:creationId xmlns:p14="http://schemas.microsoft.com/office/powerpoint/2010/main" val="2036183199"/>
+        <p14:creationId xmlns:p14="http://schemas.microsoft.com/office/powerpoint/2010/main" val="2513753110"/>
       </p:ext>
     </p:extLst>
   </p:cSld>
@@ -2467,13 +6088,7 @@
       </p:grpSpPr>
       <p:sp>
         <p:nvSpPr>
-          <p:cNvPr id="2" name="標題 1">
-            <a:extLst>
-              <a:ext uri="{FF2B5EF4-FFF2-40B4-BE49-F238E27FC236}">
-                <a16:creationId xmlns:a16="http://schemas.microsoft.com/office/drawing/2014/main" id="{B2E81694-0B93-4D65-9DA3-21597478A96C}"/>
-              </a:ext>
-            </a:extLst>
-          </p:cNvPr>
+          <p:cNvPr id="2" name="Title 1"/>
           <p:cNvSpPr>
             <a:spLocks noGrp="1"/>
           </p:cNvSpPr>
@@ -2483,15 +6098,17 @@
         </p:nvSpPr>
         <p:spPr>
           <a:xfrm>
-            <a:off x="839788" y="457200"/>
-            <a:ext cx="3932237" cy="1600200"/>
+            <a:off x="1153907" y="1854192"/>
+            <a:ext cx="5092906" cy="1574808"/>
           </a:xfrm>
         </p:spPr>
         <p:txBody>
-          <a:bodyPr anchor="b"/>
+          <a:bodyPr anchor="b">
+            <a:normAutofit/>
+          </a:bodyPr>
           <a:lstStyle>
-            <a:lvl1pPr>
-              <a:defRPr sz="3200"/>
+            <a:lvl1pPr algn="l">
+              <a:defRPr sz="3600" b="0"/>
             </a:lvl1pPr>
           </a:lstStyle>
           <a:p>
@@ -2499,20 +6116,15 @@
               <a:rPr lang="zh-TW" altLang="en-US"/>
               <a:t>按一下以編輯母片標題樣式</a:t>
             </a:r>
-          </a:p>
-        </p:txBody>
-      </p:sp>
-      <p:sp>
-        <p:nvSpPr>
-          <p:cNvPr id="3" name="圖片版面配置區 2">
-            <a:extLst>
-              <a:ext uri="{FF2B5EF4-FFF2-40B4-BE49-F238E27FC236}">
-                <a16:creationId xmlns:a16="http://schemas.microsoft.com/office/drawing/2014/main" id="{23E4D718-8CB0-4334-BB8A-FB8B57D7CDC6}"/>
-              </a:ext>
-            </a:extLst>
-          </p:cNvPr>
-          <p:cNvSpPr>
-            <a:spLocks noGrp="1"/>
+            <a:endParaRPr lang="en-US" dirty="0"/>
+          </a:p>
+        </p:txBody>
+      </p:sp>
+      <p:sp>
+        <p:nvSpPr>
+          <p:cNvPr id="3" name="Picture Placeholder 2"/>
+          <p:cNvSpPr>
+            <a:spLocks noGrp="1" noChangeAspect="1"/>
           </p:cNvSpPr>
           <p:nvPr>
             <p:ph type="pic" idx="1"/>
@@ -2520,118 +6132,132 @@
         </p:nvSpPr>
         <p:spPr>
           <a:xfrm>
-            <a:off x="5183188" y="987425"/>
-            <a:ext cx="6172200" cy="4873625"/>
+            <a:off x="6949546" y="1143000"/>
+            <a:ext cx="3200400" cy="4572000"/>
           </a:xfrm>
+          <a:prstGeom prst="roundRect">
+            <a:avLst>
+              <a:gd name="adj" fmla="val 1858"/>
+            </a:avLst>
+          </a:prstGeom>
+          <a:effectLst>
+            <a:outerShdw blurRad="50800" dist="50800" dir="5400000" algn="tl" rotWithShape="0">
+              <a:srgbClr val="000000">
+                <a:alpha val="43000"/>
+              </a:srgbClr>
+            </a:outerShdw>
+          </a:effectLst>
         </p:spPr>
         <p:txBody>
-          <a:bodyPr/>
+          <a:bodyPr anchor="t">
+            <a:normAutofit/>
+          </a:bodyPr>
           <a:lstStyle>
-            <a:lvl1pPr marL="0" indent="0">
-              <a:buNone/>
-              <a:defRPr sz="3200"/>
-            </a:lvl1pPr>
-            <a:lvl2pPr marL="457200" indent="0">
-              <a:buNone/>
-              <a:defRPr sz="2800"/>
-            </a:lvl2pPr>
-            <a:lvl3pPr marL="914400" indent="0">
-              <a:buNone/>
-              <a:defRPr sz="2400"/>
-            </a:lvl3pPr>
-            <a:lvl4pPr marL="1371600" indent="0">
-              <a:buNone/>
-              <a:defRPr sz="2000"/>
-            </a:lvl4pPr>
-            <a:lvl5pPr marL="1828800" indent="0">
-              <a:buNone/>
-              <a:defRPr sz="2000"/>
-            </a:lvl5pPr>
-            <a:lvl6pPr marL="2286000" indent="0">
-              <a:buNone/>
-              <a:defRPr sz="2000"/>
-            </a:lvl6pPr>
-            <a:lvl7pPr marL="2743200" indent="0">
-              <a:buNone/>
-              <a:defRPr sz="2000"/>
-            </a:lvl7pPr>
-            <a:lvl8pPr marL="3200400" indent="0">
-              <a:buNone/>
-              <a:defRPr sz="2000"/>
-            </a:lvl8pPr>
-            <a:lvl9pPr marL="3657600" indent="0">
-              <a:buNone/>
-              <a:defRPr sz="2000"/>
-            </a:lvl9pPr>
-          </a:lstStyle>
-          <a:p>
-            <a:endParaRPr lang="zh-TW" altLang="en-US"/>
-          </a:p>
-        </p:txBody>
-      </p:sp>
-      <p:sp>
-        <p:nvSpPr>
-          <p:cNvPr id="4" name="文字版面配置區 3">
-            <a:extLst>
-              <a:ext uri="{FF2B5EF4-FFF2-40B4-BE49-F238E27FC236}">
-                <a16:creationId xmlns:a16="http://schemas.microsoft.com/office/drawing/2014/main" id="{0DC47463-53E7-4FE3-B60B-1657D11127BD}"/>
-              </a:ext>
-            </a:extLst>
-          </p:cNvPr>
-          <p:cNvSpPr>
-            <a:spLocks noGrp="1"/>
-          </p:cNvSpPr>
-          <p:nvPr>
-            <p:ph type="body" sz="half" idx="2"/>
-          </p:nvPr>
-        </p:nvSpPr>
-        <p:spPr>
-          <a:xfrm>
-            <a:off x="839788" y="2057400"/>
-            <a:ext cx="3932237" cy="3811588"/>
-          </a:xfrm>
-        </p:spPr>
-        <p:txBody>
-          <a:bodyPr/>
-          <a:lstStyle>
-            <a:lvl1pPr marL="0" indent="0">
+            <a:lvl1pPr marL="0" indent="0" algn="ctr">
               <a:buNone/>
               <a:defRPr sz="1600"/>
             </a:lvl1pPr>
             <a:lvl2pPr marL="457200" indent="0">
               <a:buNone/>
-              <a:defRPr sz="1400"/>
+              <a:defRPr sz="1600"/>
             </a:lvl2pPr>
             <a:lvl3pPr marL="914400" indent="0">
               <a:buNone/>
-              <a:defRPr sz="1200"/>
+              <a:defRPr sz="1600"/>
             </a:lvl3pPr>
             <a:lvl4pPr marL="1371600" indent="0">
               <a:buNone/>
-              <a:defRPr sz="1000"/>
+              <a:defRPr sz="1600"/>
             </a:lvl4pPr>
             <a:lvl5pPr marL="1828800" indent="0">
               <a:buNone/>
-              <a:defRPr sz="1000"/>
+              <a:defRPr sz="1600"/>
             </a:lvl5pPr>
             <a:lvl6pPr marL="2286000" indent="0">
               <a:buNone/>
-              <a:defRPr sz="1000"/>
+              <a:defRPr sz="1600"/>
             </a:lvl6pPr>
             <a:lvl7pPr marL="2743200" indent="0">
               <a:buNone/>
-              <a:defRPr sz="1000"/>
+              <a:defRPr sz="1600"/>
             </a:lvl7pPr>
             <a:lvl8pPr marL="3200400" indent="0">
               <a:buNone/>
-              <a:defRPr sz="1000"/>
+              <a:defRPr sz="1600"/>
             </a:lvl8pPr>
             <a:lvl9pPr marL="3657600" indent="0">
               <a:buNone/>
-              <a:defRPr sz="1000"/>
+              <a:defRPr sz="1600"/>
             </a:lvl9pPr>
           </a:lstStyle>
           <a:p>
+            <a:r>
+              <a:rPr lang="zh-TW" altLang="en-US"/>
+              <a:t>按一下圖示以新增圖片</a:t>
+            </a:r>
+            <a:endParaRPr lang="en-US" dirty="0"/>
+          </a:p>
+        </p:txBody>
+      </p:sp>
+      <p:sp>
+        <p:nvSpPr>
+          <p:cNvPr id="4" name="Text Placeholder 3"/>
+          <p:cNvSpPr>
+            <a:spLocks noGrp="1"/>
+          </p:cNvSpPr>
+          <p:nvPr>
+            <p:ph type="body" sz="half" idx="2"/>
+          </p:nvPr>
+        </p:nvSpPr>
+        <p:spPr>
+          <a:xfrm>
+            <a:off x="1154954" y="3657600"/>
+            <a:ext cx="5084979" cy="1371600"/>
+          </a:xfrm>
+        </p:spPr>
+        <p:txBody>
+          <a:bodyPr>
+            <a:normAutofit/>
+          </a:bodyPr>
+          <a:lstStyle>
+            <a:lvl1pPr marL="0" indent="0">
+              <a:buNone/>
+              <a:defRPr sz="1400"/>
+            </a:lvl1pPr>
+            <a:lvl2pPr marL="457200" indent="0">
+              <a:buNone/>
+              <a:defRPr sz="1200"/>
+            </a:lvl2pPr>
+            <a:lvl3pPr marL="914400" indent="0">
+              <a:buNone/>
+              <a:defRPr sz="1000"/>
+            </a:lvl3pPr>
+            <a:lvl4pPr marL="1371600" indent="0">
+              <a:buNone/>
+              <a:defRPr sz="900"/>
+            </a:lvl4pPr>
+            <a:lvl5pPr marL="1828800" indent="0">
+              <a:buNone/>
+              <a:defRPr sz="900"/>
+            </a:lvl5pPr>
+            <a:lvl6pPr marL="2286000" indent="0">
+              <a:buNone/>
+              <a:defRPr sz="900"/>
+            </a:lvl6pPr>
+            <a:lvl7pPr marL="2743200" indent="0">
+              <a:buNone/>
+              <a:defRPr sz="900"/>
+            </a:lvl7pPr>
+            <a:lvl8pPr marL="3200400" indent="0">
+              <a:buNone/>
+              <a:defRPr sz="900"/>
+            </a:lvl8pPr>
+            <a:lvl9pPr marL="3657600" indent="0">
+              <a:buNone/>
+              <a:defRPr sz="900"/>
+            </a:lvl9pPr>
+          </a:lstStyle>
+          <a:p>
             <a:pPr lvl="0"/>
             <a:r>
               <a:rPr lang="zh-TW" altLang="en-US"/>
@@ -2642,13 +6268,7 @@
       </p:sp>
       <p:sp>
         <p:nvSpPr>
-          <p:cNvPr id="5" name="日期版面配置區 4">
-            <a:extLst>
-              <a:ext uri="{FF2B5EF4-FFF2-40B4-BE49-F238E27FC236}">
-                <a16:creationId xmlns:a16="http://schemas.microsoft.com/office/drawing/2014/main" id="{28875DC5-6AFF-40C0-8C77-F81A0A3E1B0F}"/>
-              </a:ext>
-            </a:extLst>
-          </p:cNvPr>
+          <p:cNvPr id="5" name="Date Placeholder 4"/>
           <p:cNvSpPr>
             <a:spLocks noGrp="1"/>
           </p:cNvSpPr>
@@ -2661,9 +6281,9 @@
           <a:bodyPr/>
           <a:lstStyle/>
           <a:p>
-            <a:fld id="{C3C90D7E-32D6-4894-AE08-7BBB3E610FC9}" type="datetimeFigureOut">
+            <a:fld id="{06E0D348-D20D-44A1-B21A-9F9EE4313730}" type="datetimeFigureOut">
               <a:rPr lang="zh-TW" altLang="en-US" smtClean="0"/>
-              <a:t>2024/9/16</a:t>
+              <a:t>2024/10/30</a:t>
             </a:fld>
             <a:endParaRPr lang="zh-TW" altLang="en-US"/>
           </a:p>
@@ -2671,13 +6291,7 @@
       </p:sp>
       <p:sp>
         <p:nvSpPr>
-          <p:cNvPr id="6" name="頁尾版面配置區 5">
-            <a:extLst>
-              <a:ext uri="{FF2B5EF4-FFF2-40B4-BE49-F238E27FC236}">
-                <a16:creationId xmlns:a16="http://schemas.microsoft.com/office/drawing/2014/main" id="{24F8A973-6D07-4F0C-97A0-280FEFC238E0}"/>
-              </a:ext>
-            </a:extLst>
-          </p:cNvPr>
+          <p:cNvPr id="6" name="Footer Placeholder 5"/>
           <p:cNvSpPr>
             <a:spLocks noGrp="1"/>
           </p:cNvSpPr>
@@ -2696,13 +6310,7 @@
       </p:sp>
       <p:sp>
         <p:nvSpPr>
-          <p:cNvPr id="7" name="投影片編號版面配置區 6">
-            <a:extLst>
-              <a:ext uri="{FF2B5EF4-FFF2-40B4-BE49-F238E27FC236}">
-                <a16:creationId xmlns:a16="http://schemas.microsoft.com/office/drawing/2014/main" id="{DB60BB1E-F41B-40F0-929B-5208374980BF}"/>
-              </a:ext>
-            </a:extLst>
-          </p:cNvPr>
+          <p:cNvPr id="7" name="Slide Number Placeholder 6"/>
           <p:cNvSpPr>
             <a:spLocks noGrp="1"/>
           </p:cNvSpPr>
@@ -2715,7 +6323,7 @@
           <a:bodyPr/>
           <a:lstStyle/>
           <a:p>
-            <a:fld id="{E31EC408-072F-4346-BD0A-D6AA5788A305}" type="slidenum">
+            <a:fld id="{687D793A-871E-42F3-8717-99C703D609B6}" type="slidenum">
               <a:rPr lang="zh-TW" altLang="en-US" smtClean="0"/>
               <a:t>‹#›</a:t>
             </a:fld>
@@ -2726,7 +6334,7 @@
     </p:spTree>
     <p:extLst>
       <p:ext uri="{BB962C8B-B14F-4D97-AF65-F5344CB8AC3E}">
-        <p14:creationId xmlns:p14="http://schemas.microsoft.com/office/powerpoint/2010/main" val="3148270851"/>
+        <p14:creationId xmlns:p14="http://schemas.microsoft.com/office/powerpoint/2010/main" val="1795980900"/>
       </p:ext>
     </p:extLst>
   </p:cSld>
@@ -2740,8 +6348,8 @@
 <p:sldMaster xmlns:a="http://schemas.openxmlformats.org/drawingml/2006/main" xmlns:r="http://schemas.openxmlformats.org/officeDocument/2006/relationships" xmlns:p="http://schemas.openxmlformats.org/presentationml/2006/main">
   <p:cSld>
     <p:bg>
-      <p:bgRef idx="1001">
-        <a:schemeClr val="bg1"/>
+      <p:bgRef idx="1003">
+        <a:schemeClr val="bg2"/>
       </p:bgRef>
     </p:bg>
     <p:spTree>
@@ -2758,141 +6366,420 @@
           <a:chExt cx="0" cy="0"/>
         </a:xfrm>
       </p:grpSpPr>
-      <p:sp>
-        <p:nvSpPr>
-          <p:cNvPr id="2" name="標題版面配置區 1">
+      <p:pic>
+        <p:nvPicPr>
+          <p:cNvPr id="8" name="Picture 7"/>
+          <p:cNvPicPr>
+            <a:picLocks noChangeAspect="1"/>
+          </p:cNvPicPr>
+          <p:nvPr/>
+        </p:nvPicPr>
+        <p:blipFill rotWithShape="1">
+          <a:blip r:embed="rId19">
             <a:extLst>
-              <a:ext uri="{FF2B5EF4-FFF2-40B4-BE49-F238E27FC236}">
-                <a16:creationId xmlns:a16="http://schemas.microsoft.com/office/drawing/2014/main" id="{B8575AAC-624C-4B52-ABD4-699B1E35D2CF}"/>
+              <a:ext uri="{28A0092B-C50C-407E-A947-70E740481C1C}">
+                <a14:useLocalDpi xmlns:a14="http://schemas.microsoft.com/office/drawing/2010/main" val="0"/>
               </a:ext>
             </a:extLst>
-          </p:cNvPr>
-          <p:cNvSpPr>
-            <a:spLocks noGrp="1"/>
-          </p:cNvSpPr>
-          <p:nvPr>
-            <p:ph type="title"/>
-          </p:nvPr>
-        </p:nvSpPr>
+          </a:blip>
+          <a:srcRect l="3613"/>
+          <a:stretch/>
+        </p:blipFill>
         <p:spPr>
           <a:xfrm>
-            <a:off x="838200" y="365125"/>
-            <a:ext cx="10515600" cy="1325563"/>
+            <a:off x="0" y="2669685"/>
+            <a:ext cx="4037012" cy="4188315"/>
           </a:xfrm>
           <a:prstGeom prst="rect">
             <a:avLst/>
           </a:prstGeom>
         </p:spPr>
-        <p:txBody>
-          <a:bodyPr vert="horz" lIns="91440" tIns="45720" rIns="91440" bIns="45720" rtlCol="0" anchor="ctr">
-            <a:normAutofit/>
-          </a:bodyPr>
-          <a:lstStyle/>
-          <a:p>
-            <a:r>
-              <a:rPr lang="zh-TW" altLang="en-US"/>
-              <a:t>按一下以編輯母片標題樣式</a:t>
-            </a:r>
-          </a:p>
-        </p:txBody>
-      </p:sp>
-      <p:sp>
-        <p:nvSpPr>
-          <p:cNvPr id="3" name="文字版面配置區 2">
+      </p:pic>
+      <p:pic>
+        <p:nvPicPr>
+          <p:cNvPr id="7" name="Picture 6"/>
+          <p:cNvPicPr>
+            <a:picLocks noChangeAspect="1"/>
+          </p:cNvPicPr>
+          <p:nvPr/>
+        </p:nvPicPr>
+        <p:blipFill rotWithShape="1">
+          <a:blip r:embed="rId20">
             <a:extLst>
-              <a:ext uri="{FF2B5EF4-FFF2-40B4-BE49-F238E27FC236}">
-                <a16:creationId xmlns:a16="http://schemas.microsoft.com/office/drawing/2014/main" id="{76722991-C57D-471F-8271-C419A1CFB074}"/>
+              <a:ext uri="{28A0092B-C50C-407E-A947-70E740481C1C}">
+                <a14:useLocalDpi xmlns:a14="http://schemas.microsoft.com/office/drawing/2010/main" val="0"/>
               </a:ext>
             </a:extLst>
-          </p:cNvPr>
-          <p:cNvSpPr>
-            <a:spLocks noGrp="1"/>
-          </p:cNvSpPr>
-          <p:nvPr>
-            <p:ph type="body" idx="1"/>
-          </p:nvPr>
-        </p:nvSpPr>
+          </a:blip>
+          <a:srcRect l="35640"/>
+          <a:stretch/>
+        </p:blipFill>
         <p:spPr>
           <a:xfrm>
-            <a:off x="838200" y="1825625"/>
-            <a:ext cx="10515600" cy="4351338"/>
+            <a:off x="0" y="2892347"/>
+            <a:ext cx="1522412" cy="2365453"/>
           </a:xfrm>
           <a:prstGeom prst="rect">
             <a:avLst/>
           </a:prstGeom>
         </p:spPr>
-        <p:txBody>
-          <a:bodyPr vert="horz" lIns="91440" tIns="45720" rIns="91440" bIns="45720" rtlCol="0">
-            <a:normAutofit/>
-          </a:bodyPr>
-          <a:lstStyle/>
-          <a:p>
-            <a:pPr lvl="0"/>
-            <a:r>
-              <a:rPr lang="zh-TW" altLang="en-US"/>
-              <a:t>按一下以編輯母片文字樣式</a:t>
-            </a:r>
-          </a:p>
-          <a:p>
-            <a:pPr lvl="1"/>
-            <a:r>
-              <a:rPr lang="zh-TW" altLang="en-US"/>
-              <a:t>第二層</a:t>
-            </a:r>
-          </a:p>
-          <a:p>
-            <a:pPr lvl="2"/>
-            <a:r>
-              <a:rPr lang="zh-TW" altLang="en-US"/>
-              <a:t>第三層</a:t>
-            </a:r>
-          </a:p>
-          <a:p>
-            <a:pPr lvl="3"/>
-            <a:r>
-              <a:rPr lang="zh-TW" altLang="en-US"/>
-              <a:t>第四層</a:t>
-            </a:r>
-          </a:p>
-          <a:p>
-            <a:pPr lvl="4"/>
-            <a:r>
-              <a:rPr lang="zh-TW" altLang="en-US"/>
-              <a:t>第五層</a:t>
-            </a:r>
-          </a:p>
-        </p:txBody>
-      </p:sp>
-      <p:sp>
-        <p:nvSpPr>
-          <p:cNvPr id="4" name="日期版面配置區 3">
+      </p:pic>
+      <p:sp>
+        <p:nvSpPr>
+          <p:cNvPr id="16" name="Oval 15"/>
+          <p:cNvSpPr/>
+          <p:nvPr/>
+        </p:nvSpPr>
+        <p:spPr>
+          <a:xfrm>
+            <a:off x="8609012" y="1676400"/>
+            <a:ext cx="2819400" cy="2819400"/>
+          </a:xfrm>
+          <a:prstGeom prst="ellipse">
+            <a:avLst/>
+          </a:prstGeom>
+          <a:gradFill flip="none" rotWithShape="1">
+            <a:gsLst>
+              <a:gs pos="0">
+                <a:schemeClr val="bg2">
+                  <a:lumMod val="60000"/>
+                  <a:lumOff val="40000"/>
+                  <a:alpha val="7000"/>
+                </a:schemeClr>
+              </a:gs>
+              <a:gs pos="69000">
+                <a:schemeClr val="bg2">
+                  <a:lumMod val="60000"/>
+                  <a:lumOff val="40000"/>
+                  <a:alpha val="0"/>
+                </a:schemeClr>
+              </a:gs>
+              <a:gs pos="36000">
+                <a:schemeClr val="bg2">
+                  <a:lumMod val="60000"/>
+                  <a:lumOff val="40000"/>
+                  <a:alpha val="6000"/>
+                </a:schemeClr>
+              </a:gs>
+            </a:gsLst>
+            <a:path path="circle">
+              <a:fillToRect l="50000" t="50000" r="50000" b="50000"/>
+            </a:path>
+            <a:tileRect/>
+          </a:gradFill>
+          <a:ln>
+            <a:noFill/>
+          </a:ln>
+          <a:effectLst/>
+        </p:spPr>
+        <p:style>
+          <a:lnRef idx="1">
+            <a:schemeClr val="accent1"/>
+          </a:lnRef>
+          <a:fillRef idx="3">
+            <a:schemeClr val="accent1"/>
+          </a:fillRef>
+          <a:effectRef idx="2">
+            <a:schemeClr val="accent1"/>
+          </a:effectRef>
+          <a:fontRef idx="minor">
+            <a:schemeClr val="lt1"/>
+          </a:fontRef>
+        </p:style>
+      </p:sp>
+      <p:pic>
+        <p:nvPicPr>
+          <p:cNvPr id="9" name="Picture 8"/>
+          <p:cNvPicPr>
+            <a:picLocks noChangeAspect="1"/>
+          </p:cNvPicPr>
+          <p:nvPr/>
+        </p:nvPicPr>
+        <p:blipFill rotWithShape="1">
+          <a:blip r:embed="rId21">
             <a:extLst>
-              <a:ext uri="{FF2B5EF4-FFF2-40B4-BE49-F238E27FC236}">
-                <a16:creationId xmlns:a16="http://schemas.microsoft.com/office/drawing/2014/main" id="{85C839DD-8CBF-4E23-A0C7-7C039E950BB8}"/>
+              <a:ext uri="{28A0092B-C50C-407E-A947-70E740481C1C}">
+                <a14:useLocalDpi xmlns:a14="http://schemas.microsoft.com/office/drawing/2010/main" val="0"/>
               </a:ext>
             </a:extLst>
-          </p:cNvPr>
-          <p:cNvSpPr>
-            <a:spLocks noGrp="1"/>
-          </p:cNvSpPr>
-          <p:nvPr>
-            <p:ph type="dt" sz="half" idx="2"/>
-          </p:nvPr>
-        </p:nvSpPr>
+          </a:blip>
+          <a:srcRect t="28813"/>
+          <a:stretch/>
+        </p:blipFill>
         <p:spPr>
           <a:xfrm>
-            <a:off x="838200" y="6356350"/>
-            <a:ext cx="2743200" cy="365125"/>
+            <a:off x="7999412" y="0"/>
+            <a:ext cx="1603387" cy="1141407"/>
           </a:xfrm>
           <a:prstGeom prst="rect">
             <a:avLst/>
           </a:prstGeom>
         </p:spPr>
-        <p:txBody>
-          <a:bodyPr vert="horz" lIns="91440" tIns="45720" rIns="91440" bIns="45720" rtlCol="0" anchor="ctr"/>
+      </p:pic>
+      <p:pic>
+        <p:nvPicPr>
+          <p:cNvPr id="10" name="Picture 9"/>
+          <p:cNvPicPr>
+            <a:picLocks noChangeAspect="1"/>
+          </p:cNvPicPr>
+          <p:nvPr/>
+        </p:nvPicPr>
+        <p:blipFill rotWithShape="1">
+          <a:blip r:embed="rId22">
+            <a:extLst>
+              <a:ext uri="{28A0092B-C50C-407E-A947-70E740481C1C}">
+                <a14:useLocalDpi xmlns:a14="http://schemas.microsoft.com/office/drawing/2010/main" val="0"/>
+              </a:ext>
+            </a:extLst>
+          </a:blip>
+          <a:srcRect b="23320"/>
+          <a:stretch/>
+        </p:blipFill>
+        <p:spPr>
+          <a:xfrm>
+            <a:off x="8605878" y="6096000"/>
+            <a:ext cx="993734" cy="762000"/>
+          </a:xfrm>
+          <a:prstGeom prst="rect">
+            <a:avLst/>
+          </a:prstGeom>
+        </p:spPr>
+      </p:pic>
+      <p:sp>
+        <p:nvSpPr>
+          <p:cNvPr id="14" name="Rectangle 13"/>
+          <p:cNvSpPr/>
+          <p:nvPr/>
+        </p:nvSpPr>
+        <p:spPr>
+          <a:xfrm>
+            <a:off x="10437812" y="0"/>
+            <a:ext cx="685800" cy="1143000"/>
+          </a:xfrm>
+          <a:prstGeom prst="rect">
+            <a:avLst/>
+          </a:prstGeom>
+          <a:solidFill>
+            <a:schemeClr val="accent1"/>
+          </a:solidFill>
+          <a:ln>
+            <a:noFill/>
+          </a:ln>
+        </p:spPr>
+        <p:style>
+          <a:lnRef idx="1">
+            <a:schemeClr val="accent1"/>
+          </a:lnRef>
+          <a:fillRef idx="3">
+            <a:schemeClr val="accent1"/>
+          </a:fillRef>
+          <a:effectRef idx="2">
+            <a:schemeClr val="accent1"/>
+          </a:effectRef>
+          <a:fontRef idx="minor">
+            <a:schemeClr val="lt1"/>
+          </a:fontRef>
+        </p:style>
+      </p:sp>
+      <p:sp>
+        <p:nvSpPr>
+          <p:cNvPr id="2" name="Title Placeholder 1"/>
+          <p:cNvSpPr>
+            <a:spLocks noGrp="1"/>
+          </p:cNvSpPr>
+          <p:nvPr>
+            <p:ph type="title"/>
+          </p:nvPr>
+        </p:nvSpPr>
+        <p:spPr>
+          <a:xfrm>
+            <a:off x="646111" y="452718"/>
+            <a:ext cx="9404723" cy="1400530"/>
+          </a:xfrm>
+          <a:prstGeom prst="rect">
+            <a:avLst/>
+          </a:prstGeom>
+        </p:spPr>
+        <p:txBody>
+          <a:bodyPr vert="horz" lIns="91440" tIns="45720" rIns="91440" bIns="45720" rtlCol="0" anchor="t">
+            <a:noAutofit/>
+          </a:bodyPr>
+          <a:lstStyle/>
+          <a:p>
+            <a:r>
+              <a:rPr lang="zh-TW" altLang="en-US"/>
+              <a:t>按一下以編輯母片標題樣式</a:t>
+            </a:r>
+            <a:endParaRPr lang="en-US" dirty="0"/>
+          </a:p>
+        </p:txBody>
+      </p:sp>
+      <p:sp>
+        <p:nvSpPr>
+          <p:cNvPr id="3" name="Text Placeholder 2"/>
+          <p:cNvSpPr>
+            <a:spLocks noGrp="1"/>
+          </p:cNvSpPr>
+          <p:nvPr>
+            <p:ph type="body" idx="1"/>
+          </p:nvPr>
+        </p:nvSpPr>
+        <p:spPr>
+          <a:xfrm>
+            <a:off x="1103312" y="2052918"/>
+            <a:ext cx="8946541" cy="4195481"/>
+          </a:xfrm>
+          <a:prstGeom prst="rect">
+            <a:avLst/>
+          </a:prstGeom>
+        </p:spPr>
+        <p:txBody>
+          <a:bodyPr vert="horz" lIns="91440" tIns="45720" rIns="91440" bIns="45720" rtlCol="0">
+            <a:normAutofit/>
+          </a:bodyPr>
+          <a:lstStyle/>
+          <a:p>
+            <a:pPr lvl="0"/>
+            <a:r>
+              <a:rPr lang="zh-TW" altLang="en-US"/>
+              <a:t>按一下以編輯母片文字樣式</a:t>
+            </a:r>
+          </a:p>
+          <a:p>
+            <a:pPr lvl="1"/>
+            <a:r>
+              <a:rPr lang="zh-TW" altLang="en-US"/>
+              <a:t>第二層</a:t>
+            </a:r>
+          </a:p>
+          <a:p>
+            <a:pPr lvl="2"/>
+            <a:r>
+              <a:rPr lang="zh-TW" altLang="en-US"/>
+              <a:t>第三層</a:t>
+            </a:r>
+          </a:p>
+          <a:p>
+            <a:pPr lvl="3"/>
+            <a:r>
+              <a:rPr lang="zh-TW" altLang="en-US"/>
+              <a:t>第四層</a:t>
+            </a:r>
+          </a:p>
+          <a:p>
+            <a:pPr lvl="4"/>
+            <a:r>
+              <a:rPr lang="zh-TW" altLang="en-US"/>
+              <a:t>第五層</a:t>
+            </a:r>
+            <a:endParaRPr lang="en-US" dirty="0"/>
+          </a:p>
+        </p:txBody>
+      </p:sp>
+      <p:sp>
+        <p:nvSpPr>
+          <p:cNvPr id="4" name="Date Placeholder 3"/>
+          <p:cNvSpPr>
+            <a:spLocks noGrp="1"/>
+          </p:cNvSpPr>
+          <p:nvPr>
+            <p:ph type="dt" sz="half" idx="2"/>
+          </p:nvPr>
+        </p:nvSpPr>
+        <p:spPr>
+          <a:xfrm rot="5400000">
+            <a:off x="10155639" y="1790701"/>
+            <a:ext cx="990599" cy="304799"/>
+          </a:xfrm>
+          <a:prstGeom prst="rect">
+            <a:avLst/>
+          </a:prstGeom>
+        </p:spPr>
+        <p:txBody>
+          <a:bodyPr vert="horz" lIns="91440" tIns="45720" rIns="91440" bIns="45720" rtlCol="0" anchor="t"/>
           <a:lstStyle>
             <a:lvl1pPr algn="l">
-              <a:defRPr sz="1200">
+              <a:defRPr sz="1100" b="0" i="0">
+                <a:solidFill>
+                  <a:schemeClr val="tx1">
+                    <a:tint val="75000"/>
+                    <a:alpha val="60000"/>
+                  </a:schemeClr>
+                </a:solidFill>
+              </a:defRPr>
+            </a:lvl1pPr>
+          </a:lstStyle>
+          <a:p>
+            <a:fld id="{06E0D348-D20D-44A1-B21A-9F9EE4313730}" type="datetimeFigureOut">
+              <a:rPr lang="zh-TW" altLang="en-US" smtClean="0"/>
+              <a:t>2024/10/30</a:t>
+            </a:fld>
+            <a:endParaRPr lang="zh-TW" altLang="en-US"/>
+          </a:p>
+        </p:txBody>
+      </p:sp>
+      <p:sp>
+        <p:nvSpPr>
+          <p:cNvPr id="5" name="Footer Placeholder 4"/>
+          <p:cNvSpPr>
+            <a:spLocks noGrp="1"/>
+          </p:cNvSpPr>
+          <p:nvPr>
+            <p:ph type="ftr" sz="quarter" idx="3"/>
+          </p:nvPr>
+        </p:nvSpPr>
+        <p:spPr>
+          <a:xfrm rot="5400000">
+            <a:off x="8951573" y="3225297"/>
+            <a:ext cx="3859795" cy="304801"/>
+          </a:xfrm>
+          <a:prstGeom prst="rect">
+            <a:avLst/>
+          </a:prstGeom>
+        </p:spPr>
+        <p:txBody>
+          <a:bodyPr vert="horz" lIns="91440" tIns="45720" rIns="91440" bIns="45720" rtlCol="0" anchor="b"/>
+          <a:lstStyle>
+            <a:lvl1pPr algn="l">
+              <a:defRPr sz="1100" b="0" i="0">
+                <a:solidFill>
+                  <a:schemeClr val="tx1">
+                    <a:tint val="75000"/>
+                    <a:alpha val="60000"/>
+                  </a:schemeClr>
+                </a:solidFill>
+              </a:defRPr>
+            </a:lvl1pPr>
+          </a:lstStyle>
+          <a:p>
+            <a:endParaRPr lang="zh-TW" altLang="en-US"/>
+          </a:p>
+        </p:txBody>
+      </p:sp>
+      <p:sp>
+        <p:nvSpPr>
+          <p:cNvPr id="6" name="Slide Number Placeholder 5"/>
+          <p:cNvSpPr>
+            <a:spLocks noGrp="1"/>
+          </p:cNvSpPr>
+          <p:nvPr>
+            <p:ph type="sldNum" sz="quarter" idx="4"/>
+          </p:nvPr>
+        </p:nvSpPr>
+        <p:spPr bwMode="gray">
+          <a:xfrm>
+            <a:off x="10352540" y="295729"/>
+            <a:ext cx="838199" cy="767687"/>
+          </a:xfrm>
+          <a:prstGeom prst="rect">
+            <a:avLst/>
+          </a:prstGeom>
+        </p:spPr>
+        <p:txBody>
+          <a:bodyPr vert="horz" lIns="91440" tIns="45720" rIns="91440" bIns="45720" rtlCol="0" anchor="b"/>
+          <a:lstStyle>
+            <a:lvl1pPr algn="ctr">
+              <a:defRPr sz="2800" b="0" i="0">
                 <a:solidFill>
                   <a:schemeClr val="tx1">
                     <a:tint val="75000"/>
@@ -2902,97 +6789,7 @@
             </a:lvl1pPr>
           </a:lstStyle>
           <a:p>
-            <a:fld id="{C3C90D7E-32D6-4894-AE08-7BBB3E610FC9}" type="datetimeFigureOut">
-              <a:rPr lang="zh-TW" altLang="en-US" smtClean="0"/>
-              <a:t>2024/9/16</a:t>
-            </a:fld>
-            <a:endParaRPr lang="zh-TW" altLang="en-US"/>
-          </a:p>
-        </p:txBody>
-      </p:sp>
-      <p:sp>
-        <p:nvSpPr>
-          <p:cNvPr id="5" name="頁尾版面配置區 4">
-            <a:extLst>
-              <a:ext uri="{FF2B5EF4-FFF2-40B4-BE49-F238E27FC236}">
-                <a16:creationId xmlns:a16="http://schemas.microsoft.com/office/drawing/2014/main" id="{12802D8A-77D4-418C-8190-43B6ADED2131}"/>
-              </a:ext>
-            </a:extLst>
-          </p:cNvPr>
-          <p:cNvSpPr>
-            <a:spLocks noGrp="1"/>
-          </p:cNvSpPr>
-          <p:nvPr>
-            <p:ph type="ftr" sz="quarter" idx="3"/>
-          </p:nvPr>
-        </p:nvSpPr>
-        <p:spPr>
-          <a:xfrm>
-            <a:off x="4038600" y="6356350"/>
-            <a:ext cx="4114800" cy="365125"/>
-          </a:xfrm>
-          <a:prstGeom prst="rect">
-            <a:avLst/>
-          </a:prstGeom>
-        </p:spPr>
-        <p:txBody>
-          <a:bodyPr vert="horz" lIns="91440" tIns="45720" rIns="91440" bIns="45720" rtlCol="0" anchor="ctr"/>
-          <a:lstStyle>
-            <a:lvl1pPr algn="ctr">
-              <a:defRPr sz="1200">
-                <a:solidFill>
-                  <a:schemeClr val="tx1">
-                    <a:tint val="75000"/>
-                  </a:schemeClr>
-                </a:solidFill>
-              </a:defRPr>
-            </a:lvl1pPr>
-          </a:lstStyle>
-          <a:p>
-            <a:endParaRPr lang="zh-TW" altLang="en-US"/>
-          </a:p>
-        </p:txBody>
-      </p:sp>
-      <p:sp>
-        <p:nvSpPr>
-          <p:cNvPr id="6" name="投影片編號版面配置區 5">
-            <a:extLst>
-              <a:ext uri="{FF2B5EF4-FFF2-40B4-BE49-F238E27FC236}">
-                <a16:creationId xmlns:a16="http://schemas.microsoft.com/office/drawing/2014/main" id="{7072B55E-2BE2-4AF4-AFF8-2A716F492F1C}"/>
-              </a:ext>
-            </a:extLst>
-          </p:cNvPr>
-          <p:cNvSpPr>
-            <a:spLocks noGrp="1"/>
-          </p:cNvSpPr>
-          <p:nvPr>
-            <p:ph type="sldNum" sz="quarter" idx="4"/>
-          </p:nvPr>
-        </p:nvSpPr>
-        <p:spPr>
-          <a:xfrm>
-            <a:off x="8610600" y="6356350"/>
-            <a:ext cx="2743200" cy="365125"/>
-          </a:xfrm>
-          <a:prstGeom prst="rect">
-            <a:avLst/>
-          </a:prstGeom>
-        </p:spPr>
-        <p:txBody>
-          <a:bodyPr vert="horz" lIns="91440" tIns="45720" rIns="91440" bIns="45720" rtlCol="0" anchor="ctr"/>
-          <a:lstStyle>
-            <a:lvl1pPr algn="r">
-              <a:defRPr sz="1200">
-                <a:solidFill>
-                  <a:schemeClr val="tx1">
-                    <a:tint val="75000"/>
-                  </a:schemeClr>
-                </a:solidFill>
-              </a:defRPr>
-            </a:lvl1pPr>
-          </a:lstStyle>
-          <a:p>
-            <a:fld id="{E31EC408-072F-4346-BD0A-D6AA5788A305}" type="slidenum">
+            <a:fld id="{687D793A-871E-42F3-8717-99C703D609B6}" type="slidenum">
               <a:rPr lang="zh-TW" altLang="en-US" smtClean="0"/>
               <a:t>‹#›</a:t>
             </a:fld>
@@ -3003,35 +6800,121 @@
     </p:spTree>
     <p:extLst>
       <p:ext uri="{BB962C8B-B14F-4D97-AF65-F5344CB8AC3E}">
-        <p14:creationId xmlns:p14="http://schemas.microsoft.com/office/powerpoint/2010/main" val="2016052060"/>
+        <p14:creationId xmlns:p14="http://schemas.microsoft.com/office/powerpoint/2010/main" val="2537852138"/>
       </p:ext>
     </p:extLst>
   </p:cSld>
-  <p:clrMap bg1="lt1" tx1="dk1" bg2="lt2" tx2="dk2" accent1="accent1" accent2="accent2" accent3="accent3" accent4="accent4" accent5="accent5" accent6="accent6" hlink="hlink" folHlink="folHlink"/>
+  <p:clrMap bg1="dk1" tx1="lt1" bg2="dk2" tx2="lt2" accent1="accent1" accent2="accent2" accent3="accent3" accent4="accent4" accent5="accent5" accent6="accent6" hlink="hlink" folHlink="folHlink"/>
   <p:sldLayoutIdLst>
-    <p:sldLayoutId id="2147483649" r:id="rId1"/>
-    <p:sldLayoutId id="2147483650" r:id="rId2"/>
-    <p:sldLayoutId id="2147483651" r:id="rId3"/>
-    <p:sldLayoutId id="2147483652" r:id="rId4"/>
-    <p:sldLayoutId id="2147483653" r:id="rId5"/>
-    <p:sldLayoutId id="2147483654" r:id="rId6"/>
-    <p:sldLayoutId id="2147483655" r:id="rId7"/>
-    <p:sldLayoutId id="2147483656" r:id="rId8"/>
-    <p:sldLayoutId id="2147483657" r:id="rId9"/>
-    <p:sldLayoutId id="2147483658" r:id="rId10"/>
-    <p:sldLayoutId id="2147483659" r:id="rId11"/>
+    <p:sldLayoutId id="2147483661" r:id="rId1"/>
+    <p:sldLayoutId id="2147483662" r:id="rId2"/>
+    <p:sldLayoutId id="2147483663" r:id="rId3"/>
+    <p:sldLayoutId id="2147483664" r:id="rId4"/>
+    <p:sldLayoutId id="2147483665" r:id="rId5"/>
+    <p:sldLayoutId id="2147483666" r:id="rId6"/>
+    <p:sldLayoutId id="2147483667" r:id="rId7"/>
+    <p:sldLayoutId id="2147483668" r:id="rId8"/>
+    <p:sldLayoutId id="2147483669" r:id="rId9"/>
+    <p:sldLayoutId id="2147483670" r:id="rId10"/>
+    <p:sldLayoutId id="2147483671" r:id="rId11"/>
+    <p:sldLayoutId id="2147483672" r:id="rId12"/>
+    <p:sldLayoutId id="2147483673" r:id="rId13"/>
+    <p:sldLayoutId id="2147483674" r:id="rId14"/>
+    <p:sldLayoutId id="2147483675" r:id="rId15"/>
+    <p:sldLayoutId id="2147483676" r:id="rId16"/>
+    <p:sldLayoutId id="2147483677" r:id="rId17"/>
   </p:sldLayoutIdLst>
   <p:txStyles>
     <p:titleStyle>
-      <a:lvl1pPr algn="l" defTabSz="914400" rtl="0" eaLnBrk="1" latinLnBrk="0" hangingPunct="1">
-        <a:lnSpc>
-          <a:spcPct val="90000"/>
-        </a:lnSpc>
+      <a:lvl1pPr algn="l" defTabSz="457200" rtl="0" eaLnBrk="1" latinLnBrk="0" hangingPunct="1">
         <a:spcBef>
           <a:spcPct val="0"/>
         </a:spcBef>
         <a:buNone/>
-        <a:defRPr sz="4400" kern="1200">
+        <a:defRPr sz="4200" b="0" i="0" kern="1200">
+          <a:solidFill>
+            <a:schemeClr val="tx2"/>
+          </a:solidFill>
+          <a:latin typeface="+mj-lt"/>
+          <a:ea typeface="+mj-ea"/>
+          <a:cs typeface="+mj-cs"/>
+        </a:defRPr>
+      </a:lvl1pPr>
+      <a:lvl2pPr eaLnBrk="1" hangingPunct="1">
+        <a:defRPr>
+          <a:solidFill>
+            <a:schemeClr val="tx2"/>
+          </a:solidFill>
+        </a:defRPr>
+      </a:lvl2pPr>
+      <a:lvl3pPr eaLnBrk="1" hangingPunct="1">
+        <a:defRPr>
+          <a:solidFill>
+            <a:schemeClr val="tx2"/>
+          </a:solidFill>
+        </a:defRPr>
+      </a:lvl3pPr>
+      <a:lvl4pPr eaLnBrk="1" hangingPunct="1">
+        <a:defRPr>
+          <a:solidFill>
+            <a:schemeClr val="tx2"/>
+          </a:solidFill>
+        </a:defRPr>
+      </a:lvl4pPr>
+      <a:lvl5pPr eaLnBrk="1" hangingPunct="1">
+        <a:defRPr>
+          <a:solidFill>
+            <a:schemeClr val="tx2"/>
+          </a:solidFill>
+        </a:defRPr>
+      </a:lvl5pPr>
+      <a:lvl6pPr eaLnBrk="1" hangingPunct="1">
+        <a:defRPr>
+          <a:solidFill>
+            <a:schemeClr val="tx2"/>
+          </a:solidFill>
+        </a:defRPr>
+      </a:lvl6pPr>
+      <a:lvl7pPr eaLnBrk="1" hangingPunct="1">
+        <a:defRPr>
+          <a:solidFill>
+            <a:schemeClr val="tx2"/>
+          </a:solidFill>
+        </a:defRPr>
+      </a:lvl7pPr>
+      <a:lvl8pPr eaLnBrk="1" hangingPunct="1">
+        <a:defRPr>
+          <a:solidFill>
+            <a:schemeClr val="tx2"/>
+          </a:solidFill>
+        </a:defRPr>
+      </a:lvl8pPr>
+      <a:lvl9pPr eaLnBrk="1" hangingPunct="1">
+        <a:defRPr>
+          <a:solidFill>
+            <a:schemeClr val="tx2"/>
+          </a:solidFill>
+        </a:defRPr>
+      </a:lvl9pPr>
+    </p:titleStyle>
+    <p:bodyStyle>
+      <a:lvl1pPr marL="342900" indent="-342900" algn="l" defTabSz="457200" rtl="0" eaLnBrk="1" latinLnBrk="0" hangingPunct="1">
+        <a:spcBef>
+          <a:spcPts val="1000"/>
+        </a:spcBef>
+        <a:spcAft>
+          <a:spcPts val="0"/>
+        </a:spcAft>
+        <a:buClr>
+          <a:schemeClr val="bg2">
+            <a:lumMod val="40000"/>
+            <a:lumOff val="60000"/>
+          </a:schemeClr>
+        </a:buClr>
+        <a:buSzPct val="80000"/>
+        <a:buFont typeface="Wingdings 3" charset="2"/>
+        <a:buChar char=""/>
+        <a:defRPr sz="2000" b="0" i="0" kern="1200">
           <a:solidFill>
             <a:schemeClr val="tx1"/>
           </a:solidFill>
@@ -3040,18 +6923,213 @@
           <a:cs typeface="+mj-cs"/>
         </a:defRPr>
       </a:lvl1pPr>
-    </p:titleStyle>
-    <p:bodyStyle>
-      <a:lvl1pPr marL="228600" indent="-228600" algn="l" defTabSz="914400" rtl="0" eaLnBrk="1" latinLnBrk="0" hangingPunct="1">
-        <a:lnSpc>
-          <a:spcPct val="90000"/>
-        </a:lnSpc>
+      <a:lvl2pPr marL="742950" indent="-285750" algn="l" defTabSz="457200" rtl="0" eaLnBrk="1" latinLnBrk="0" hangingPunct="1">
         <a:spcBef>
           <a:spcPts val="1000"/>
         </a:spcBef>
-        <a:buFont typeface="Arial" panose="020B0604020202020204" pitchFamily="34" charset="0"/>
-        <a:buChar char="•"/>
-        <a:defRPr sz="2800" kern="1200">
+        <a:spcAft>
+          <a:spcPts val="0"/>
+        </a:spcAft>
+        <a:buClr>
+          <a:schemeClr val="bg2">
+            <a:lumMod val="40000"/>
+            <a:lumOff val="60000"/>
+          </a:schemeClr>
+        </a:buClr>
+        <a:buSzPct val="80000"/>
+        <a:buFont typeface="Wingdings 3" charset="2"/>
+        <a:buChar char=""/>
+        <a:defRPr sz="1800" b="0" i="0" kern="1200">
+          <a:solidFill>
+            <a:schemeClr val="tx1"/>
+          </a:solidFill>
+          <a:latin typeface="+mj-lt"/>
+          <a:ea typeface="+mj-ea"/>
+          <a:cs typeface="+mj-cs"/>
+        </a:defRPr>
+      </a:lvl2pPr>
+      <a:lvl3pPr marL="1143000" indent="-228600" algn="l" defTabSz="457200" rtl="0" eaLnBrk="1" latinLnBrk="0" hangingPunct="1">
+        <a:spcBef>
+          <a:spcPts val="1000"/>
+        </a:spcBef>
+        <a:spcAft>
+          <a:spcPts val="0"/>
+        </a:spcAft>
+        <a:buClr>
+          <a:schemeClr val="bg2">
+            <a:lumMod val="40000"/>
+            <a:lumOff val="60000"/>
+          </a:schemeClr>
+        </a:buClr>
+        <a:buSzPct val="80000"/>
+        <a:buFont typeface="Wingdings 3" charset="2"/>
+        <a:buChar char=""/>
+        <a:defRPr sz="1600" b="0" i="0" kern="1200">
+          <a:solidFill>
+            <a:schemeClr val="tx1"/>
+          </a:solidFill>
+          <a:latin typeface="+mj-lt"/>
+          <a:ea typeface="+mj-ea"/>
+          <a:cs typeface="+mj-cs"/>
+        </a:defRPr>
+      </a:lvl3pPr>
+      <a:lvl4pPr marL="1600200" indent="-228600" algn="l" defTabSz="457200" rtl="0" eaLnBrk="1" latinLnBrk="0" hangingPunct="1">
+        <a:spcBef>
+          <a:spcPts val="1000"/>
+        </a:spcBef>
+        <a:spcAft>
+          <a:spcPts val="0"/>
+        </a:spcAft>
+        <a:buClr>
+          <a:schemeClr val="bg2">
+            <a:lumMod val="40000"/>
+            <a:lumOff val="60000"/>
+          </a:schemeClr>
+        </a:buClr>
+        <a:buSzPct val="80000"/>
+        <a:buFont typeface="Wingdings 3" charset="2"/>
+        <a:buChar char=""/>
+        <a:defRPr sz="1400" b="0" i="0" kern="1200">
+          <a:solidFill>
+            <a:schemeClr val="tx1"/>
+          </a:solidFill>
+          <a:latin typeface="+mj-lt"/>
+          <a:ea typeface="+mj-ea"/>
+          <a:cs typeface="+mj-cs"/>
+        </a:defRPr>
+      </a:lvl4pPr>
+      <a:lvl5pPr marL="2057400" indent="-228600" algn="l" defTabSz="457200" rtl="0" eaLnBrk="1" latinLnBrk="0" hangingPunct="1">
+        <a:spcBef>
+          <a:spcPts val="1000"/>
+        </a:spcBef>
+        <a:spcAft>
+          <a:spcPts val="0"/>
+        </a:spcAft>
+        <a:buClr>
+          <a:schemeClr val="bg2">
+            <a:lumMod val="40000"/>
+            <a:lumOff val="60000"/>
+          </a:schemeClr>
+        </a:buClr>
+        <a:buSzPct val="80000"/>
+        <a:buFont typeface="Wingdings 3" charset="2"/>
+        <a:buChar char=""/>
+        <a:defRPr sz="1400" b="0" i="0" kern="1200">
+          <a:solidFill>
+            <a:schemeClr val="tx1"/>
+          </a:solidFill>
+          <a:latin typeface="+mj-lt"/>
+          <a:ea typeface="+mj-ea"/>
+          <a:cs typeface="+mj-cs"/>
+        </a:defRPr>
+      </a:lvl5pPr>
+      <a:lvl6pPr marL="2506000" indent="-228600" algn="l" defTabSz="457200" rtl="0" eaLnBrk="1" latinLnBrk="0" hangingPunct="1">
+        <a:spcBef>
+          <a:spcPts val="1000"/>
+        </a:spcBef>
+        <a:spcAft>
+          <a:spcPts val="0"/>
+        </a:spcAft>
+        <a:buClr>
+          <a:schemeClr val="bg2">
+            <a:lumMod val="40000"/>
+            <a:lumOff val="60000"/>
+          </a:schemeClr>
+        </a:buClr>
+        <a:buSzPct val="80000"/>
+        <a:buFont typeface="Wingdings 3" charset="2"/>
+        <a:buChar char=""/>
+        <a:defRPr sz="1400" b="0" i="0" kern="1200">
+          <a:solidFill>
+            <a:schemeClr val="tx1"/>
+          </a:solidFill>
+          <a:latin typeface="+mj-lt"/>
+          <a:ea typeface="+mj-ea"/>
+          <a:cs typeface="+mj-cs"/>
+        </a:defRPr>
+      </a:lvl6pPr>
+      <a:lvl7pPr marL="2971800" indent="-228600" algn="l" defTabSz="457200" rtl="0" eaLnBrk="1" latinLnBrk="0" hangingPunct="1">
+        <a:spcBef>
+          <a:spcPts val="1000"/>
+        </a:spcBef>
+        <a:spcAft>
+          <a:spcPts val="0"/>
+        </a:spcAft>
+        <a:buClr>
+          <a:schemeClr val="bg2">
+            <a:lumMod val="40000"/>
+            <a:lumOff val="60000"/>
+          </a:schemeClr>
+        </a:buClr>
+        <a:buSzPct val="80000"/>
+        <a:buFont typeface="Wingdings 3" charset="2"/>
+        <a:buChar char=""/>
+        <a:defRPr sz="1400" b="0" i="0" kern="1200">
+          <a:solidFill>
+            <a:schemeClr val="tx1"/>
+          </a:solidFill>
+          <a:latin typeface="+mj-lt"/>
+          <a:ea typeface="+mj-ea"/>
+          <a:cs typeface="+mj-cs"/>
+        </a:defRPr>
+      </a:lvl7pPr>
+      <a:lvl8pPr marL="3429000" indent="-228600" algn="l" defTabSz="457200" rtl="0" eaLnBrk="1" latinLnBrk="0" hangingPunct="1">
+        <a:spcBef>
+          <a:spcPts val="1000"/>
+        </a:spcBef>
+        <a:spcAft>
+          <a:spcPts val="0"/>
+        </a:spcAft>
+        <a:buClr>
+          <a:schemeClr val="bg2">
+            <a:lumMod val="40000"/>
+            <a:lumOff val="60000"/>
+          </a:schemeClr>
+        </a:buClr>
+        <a:buSzPct val="80000"/>
+        <a:buFont typeface="Wingdings 3" charset="2"/>
+        <a:buChar char=""/>
+        <a:defRPr sz="1400" b="0" i="0" kern="1200">
+          <a:solidFill>
+            <a:schemeClr val="tx1"/>
+          </a:solidFill>
+          <a:latin typeface="+mj-lt"/>
+          <a:ea typeface="+mj-ea"/>
+          <a:cs typeface="+mj-cs"/>
+        </a:defRPr>
+      </a:lvl8pPr>
+      <a:lvl9pPr marL="3886200" indent="-228600" algn="l" defTabSz="457200" rtl="0" eaLnBrk="1" latinLnBrk="0" hangingPunct="1">
+        <a:spcBef>
+          <a:spcPts val="1000"/>
+        </a:spcBef>
+        <a:spcAft>
+          <a:spcPts val="0"/>
+        </a:spcAft>
+        <a:buClr>
+          <a:schemeClr val="bg2">
+            <a:lumMod val="40000"/>
+            <a:lumOff val="60000"/>
+          </a:schemeClr>
+        </a:buClr>
+        <a:buSzPct val="80000"/>
+        <a:buFont typeface="Wingdings 3" charset="2"/>
+        <a:buChar char=""/>
+        <a:defRPr sz="1400" b="0" i="0" kern="1200">
+          <a:solidFill>
+            <a:schemeClr val="tx1"/>
+          </a:solidFill>
+          <a:latin typeface="+mj-lt"/>
+          <a:ea typeface="+mj-ea"/>
+          <a:cs typeface="+mj-cs"/>
+        </a:defRPr>
+      </a:lvl9pPr>
+    </p:bodyStyle>
+    <p:otherStyle>
+      <a:defPPr>
+        <a:defRPr lang="en-US"/>
+      </a:defPPr>
+      <a:lvl1pPr marL="0" algn="l" defTabSz="457200" rtl="0" eaLnBrk="1" latinLnBrk="0" hangingPunct="1">
+        <a:defRPr sz="1800" kern="1200">
           <a:solidFill>
             <a:schemeClr val="tx1"/>
           </a:solidFill>
@@ -3060,16 +7138,8 @@
           <a:cs typeface="+mn-cs"/>
         </a:defRPr>
       </a:lvl1pPr>
-      <a:lvl2pPr marL="685800" indent="-228600" algn="l" defTabSz="914400" rtl="0" eaLnBrk="1" latinLnBrk="0" hangingPunct="1">
-        <a:lnSpc>
-          <a:spcPct val="90000"/>
-        </a:lnSpc>
-        <a:spcBef>
-          <a:spcPts val="500"/>
-        </a:spcBef>
-        <a:buFont typeface="Arial" panose="020B0604020202020204" pitchFamily="34" charset="0"/>
-        <a:buChar char="•"/>
-        <a:defRPr sz="2400" kern="1200">
+      <a:lvl2pPr marL="457200" algn="l" defTabSz="457200" rtl="0" eaLnBrk="1" latinLnBrk="0" hangingPunct="1">
+        <a:defRPr sz="1800" kern="1200">
           <a:solidFill>
             <a:schemeClr val="tx1"/>
           </a:solidFill>
@@ -3078,16 +7148,8 @@
           <a:cs typeface="+mn-cs"/>
         </a:defRPr>
       </a:lvl2pPr>
-      <a:lvl3pPr marL="1143000" indent="-228600" algn="l" defTabSz="914400" rtl="0" eaLnBrk="1" latinLnBrk="0" hangingPunct="1">
-        <a:lnSpc>
-          <a:spcPct val="90000"/>
-        </a:lnSpc>
-        <a:spcBef>
-          <a:spcPts val="500"/>
-        </a:spcBef>
-        <a:buFont typeface="Arial" panose="020B0604020202020204" pitchFamily="34" charset="0"/>
-        <a:buChar char="•"/>
-        <a:defRPr sz="2000" kern="1200">
+      <a:lvl3pPr marL="914400" algn="l" defTabSz="457200" rtl="0" eaLnBrk="1" latinLnBrk="0" hangingPunct="1">
+        <a:defRPr sz="1800" kern="1200">
           <a:solidFill>
             <a:schemeClr val="tx1"/>
           </a:solidFill>
@@ -3096,15 +7158,7 @@
           <a:cs typeface="+mn-cs"/>
         </a:defRPr>
       </a:lvl3pPr>
-      <a:lvl4pPr marL="1600200" indent="-228600" algn="l" defTabSz="914400" rtl="0" eaLnBrk="1" latinLnBrk="0" hangingPunct="1">
-        <a:lnSpc>
-          <a:spcPct val="90000"/>
-        </a:lnSpc>
-        <a:spcBef>
-          <a:spcPts val="500"/>
-        </a:spcBef>
-        <a:buFont typeface="Arial" panose="020B0604020202020204" pitchFamily="34" charset="0"/>
-        <a:buChar char="•"/>
+      <a:lvl4pPr marL="1371600" algn="l" defTabSz="457200" rtl="0" eaLnBrk="1" latinLnBrk="0" hangingPunct="1">
         <a:defRPr sz="1800" kern="1200">
           <a:solidFill>
             <a:schemeClr val="tx1"/>
@@ -3114,15 +7168,7 @@
           <a:cs typeface="+mn-cs"/>
         </a:defRPr>
       </a:lvl4pPr>
-      <a:lvl5pPr marL="2057400" indent="-228600" algn="l" defTabSz="914400" rtl="0" eaLnBrk="1" latinLnBrk="0" hangingPunct="1">
-        <a:lnSpc>
-          <a:spcPct val="90000"/>
-        </a:lnSpc>
-        <a:spcBef>
-          <a:spcPts val="500"/>
-        </a:spcBef>
-        <a:buFont typeface="Arial" panose="020B0604020202020204" pitchFamily="34" charset="0"/>
-        <a:buChar char="•"/>
+      <a:lvl5pPr marL="1828800" algn="l" defTabSz="457200" rtl="0" eaLnBrk="1" latinLnBrk="0" hangingPunct="1">
         <a:defRPr sz="1800" kern="1200">
           <a:solidFill>
             <a:schemeClr val="tx1"/>
@@ -3132,15 +7178,7 @@
           <a:cs typeface="+mn-cs"/>
         </a:defRPr>
       </a:lvl5pPr>
-      <a:lvl6pPr marL="2514600" indent="-228600" algn="l" defTabSz="914400" rtl="0" eaLnBrk="1" latinLnBrk="0" hangingPunct="1">
-        <a:lnSpc>
-          <a:spcPct val="90000"/>
-        </a:lnSpc>
-        <a:spcBef>
-          <a:spcPts val="500"/>
-        </a:spcBef>
-        <a:buFont typeface="Arial" panose="020B0604020202020204" pitchFamily="34" charset="0"/>
-        <a:buChar char="•"/>
+      <a:lvl6pPr marL="2286000" algn="l" defTabSz="457200" rtl="0" eaLnBrk="1" latinLnBrk="0" hangingPunct="1">
         <a:defRPr sz="1800" kern="1200">
           <a:solidFill>
             <a:schemeClr val="tx1"/>
@@ -3150,15 +7188,7 @@
           <a:cs typeface="+mn-cs"/>
         </a:defRPr>
       </a:lvl6pPr>
-      <a:lvl7pPr marL="2971800" indent="-228600" algn="l" defTabSz="914400" rtl="0" eaLnBrk="1" latinLnBrk="0" hangingPunct="1">
-        <a:lnSpc>
-          <a:spcPct val="90000"/>
-        </a:lnSpc>
-        <a:spcBef>
-          <a:spcPts val="500"/>
-        </a:spcBef>
-        <a:buFont typeface="Arial" panose="020B0604020202020204" pitchFamily="34" charset="0"/>
-        <a:buChar char="•"/>
+      <a:lvl7pPr marL="2743200" algn="l" defTabSz="457200" rtl="0" eaLnBrk="1" latinLnBrk="0" hangingPunct="1">
         <a:defRPr sz="1800" kern="1200">
           <a:solidFill>
             <a:schemeClr val="tx1"/>
@@ -3168,15 +7198,7 @@
           <a:cs typeface="+mn-cs"/>
         </a:defRPr>
       </a:lvl7pPr>
-      <a:lvl8pPr marL="3429000" indent="-228600" algn="l" defTabSz="914400" rtl="0" eaLnBrk="1" latinLnBrk="0" hangingPunct="1">
-        <a:lnSpc>
-          <a:spcPct val="90000"/>
-        </a:lnSpc>
-        <a:spcBef>
-          <a:spcPts val="500"/>
-        </a:spcBef>
-        <a:buFont typeface="Arial" panose="020B0604020202020204" pitchFamily="34" charset="0"/>
-        <a:buChar char="•"/>
+      <a:lvl8pPr marL="3200400" algn="l" defTabSz="457200" rtl="0" eaLnBrk="1" latinLnBrk="0" hangingPunct="1">
         <a:defRPr sz="1800" kern="1200">
           <a:solidFill>
             <a:schemeClr val="tx1"/>
@@ -3186,110 +7208,7 @@
           <a:cs typeface="+mn-cs"/>
         </a:defRPr>
       </a:lvl8pPr>
-      <a:lvl9pPr marL="3886200" indent="-228600" algn="l" defTabSz="914400" rtl="0" eaLnBrk="1" latinLnBrk="0" hangingPunct="1">
-        <a:lnSpc>
-          <a:spcPct val="90000"/>
-        </a:lnSpc>
-        <a:spcBef>
-          <a:spcPts val="500"/>
-        </a:spcBef>
-        <a:buFont typeface="Arial" panose="020B0604020202020204" pitchFamily="34" charset="0"/>
-        <a:buChar char="•"/>
-        <a:defRPr sz="1800" kern="1200">
-          <a:solidFill>
-            <a:schemeClr val="tx1"/>
-          </a:solidFill>
-          <a:latin typeface="+mn-lt"/>
-          <a:ea typeface="+mn-ea"/>
-          <a:cs typeface="+mn-cs"/>
-        </a:defRPr>
-      </a:lvl9pPr>
-    </p:bodyStyle>
-    <p:otherStyle>
-      <a:defPPr>
-        <a:defRPr lang="zh-TW"/>
-      </a:defPPr>
-      <a:lvl1pPr marL="0" algn="l" defTabSz="914400" rtl="0" eaLnBrk="1" latinLnBrk="0" hangingPunct="1">
-        <a:defRPr sz="1800" kern="1200">
-          <a:solidFill>
-            <a:schemeClr val="tx1"/>
-          </a:solidFill>
-          <a:latin typeface="+mn-lt"/>
-          <a:ea typeface="+mn-ea"/>
-          <a:cs typeface="+mn-cs"/>
-        </a:defRPr>
-      </a:lvl1pPr>
-      <a:lvl2pPr marL="457200" algn="l" defTabSz="914400" rtl="0" eaLnBrk="1" latinLnBrk="0" hangingPunct="1">
-        <a:defRPr sz="1800" kern="1200">
-          <a:solidFill>
-            <a:schemeClr val="tx1"/>
-          </a:solidFill>
-          <a:latin typeface="+mn-lt"/>
-          <a:ea typeface="+mn-ea"/>
-          <a:cs typeface="+mn-cs"/>
-        </a:defRPr>
-      </a:lvl2pPr>
-      <a:lvl3pPr marL="914400" algn="l" defTabSz="914400" rtl="0" eaLnBrk="1" latinLnBrk="0" hangingPunct="1">
-        <a:defRPr sz="1800" kern="1200">
-          <a:solidFill>
-            <a:schemeClr val="tx1"/>
-          </a:solidFill>
-          <a:latin typeface="+mn-lt"/>
-          <a:ea typeface="+mn-ea"/>
-          <a:cs typeface="+mn-cs"/>
-        </a:defRPr>
-      </a:lvl3pPr>
-      <a:lvl4pPr marL="1371600" algn="l" defTabSz="914400" rtl="0" eaLnBrk="1" latinLnBrk="0" hangingPunct="1">
-        <a:defRPr sz="1800" kern="1200">
-          <a:solidFill>
-            <a:schemeClr val="tx1"/>
-          </a:solidFill>
-          <a:latin typeface="+mn-lt"/>
-          <a:ea typeface="+mn-ea"/>
-          <a:cs typeface="+mn-cs"/>
-        </a:defRPr>
-      </a:lvl4pPr>
-      <a:lvl5pPr marL="1828800" algn="l" defTabSz="914400" rtl="0" eaLnBrk="1" latinLnBrk="0" hangingPunct="1">
-        <a:defRPr sz="1800" kern="1200">
-          <a:solidFill>
-            <a:schemeClr val="tx1"/>
-          </a:solidFill>
-          <a:latin typeface="+mn-lt"/>
-          <a:ea typeface="+mn-ea"/>
-          <a:cs typeface="+mn-cs"/>
-        </a:defRPr>
-      </a:lvl5pPr>
-      <a:lvl6pPr marL="2286000" algn="l" defTabSz="914400" rtl="0" eaLnBrk="1" latinLnBrk="0" hangingPunct="1">
-        <a:defRPr sz="1800" kern="1200">
-          <a:solidFill>
-            <a:schemeClr val="tx1"/>
-          </a:solidFill>
-          <a:latin typeface="+mn-lt"/>
-          <a:ea typeface="+mn-ea"/>
-          <a:cs typeface="+mn-cs"/>
-        </a:defRPr>
-      </a:lvl6pPr>
-      <a:lvl7pPr marL="2743200" algn="l" defTabSz="914400" rtl="0" eaLnBrk="1" latinLnBrk="0" hangingPunct="1">
-        <a:defRPr sz="1800" kern="1200">
-          <a:solidFill>
-            <a:schemeClr val="tx1"/>
-          </a:solidFill>
-          <a:latin typeface="+mn-lt"/>
-          <a:ea typeface="+mn-ea"/>
-          <a:cs typeface="+mn-cs"/>
-        </a:defRPr>
-      </a:lvl7pPr>
-      <a:lvl8pPr marL="3200400" algn="l" defTabSz="914400" rtl="0" eaLnBrk="1" latinLnBrk="0" hangingPunct="1">
-        <a:defRPr sz="1800" kern="1200">
-          <a:solidFill>
-            <a:schemeClr val="tx1"/>
-          </a:solidFill>
-          <a:latin typeface="+mn-lt"/>
-          <a:ea typeface="+mn-ea"/>
-          <a:cs typeface="+mn-cs"/>
-        </a:defRPr>
-      </a:lvl8pPr>
-      <a:lvl9pPr marL="3657600" algn="l" defTabSz="914400" rtl="0" eaLnBrk="1" latinLnBrk="0" hangingPunct="1">
+      <a:lvl9pPr marL="3657600" algn="l" defTabSz="457200" rtl="0" eaLnBrk="1" latinLnBrk="0" hangingPunct="1">
         <a:defRPr sz="1800" kern="1200">
           <a:solidFill>
             <a:schemeClr val="tx1"/>
@@ -3326,7 +7245,7 @@
           <p:cNvPr id="2" name="標題 1">
             <a:extLst>
               <a:ext uri="{FF2B5EF4-FFF2-40B4-BE49-F238E27FC236}">
-                <a16:creationId xmlns:a16="http://schemas.microsoft.com/office/drawing/2014/main" id="{32532283-9F93-4E44-8138-32796965361F}"/>
+                <a16:creationId xmlns:a16="http://schemas.microsoft.com/office/drawing/2014/main" id="{69EC8361-29CC-7CF6-90C9-AC08324CFF4F}"/>
               </a:ext>
             </a:extLst>
           </p:cNvPr>
@@ -3334,24 +7253,70 @@
             <a:spLocks noGrp="1"/>
           </p:cNvSpPr>
           <p:nvPr>
-            <p:ph type="ctrTitle"/>
-          </p:nvPr>
-        </p:nvSpPr>
-        <p:spPr/>
-        <p:txBody>
-          <a:bodyPr/>
+            <p:ph type="title"/>
+          </p:nvPr>
+        </p:nvSpPr>
+        <p:spPr>
+          <a:xfrm>
+            <a:off x="428624" y="495300"/>
+            <a:ext cx="11191875" cy="476250"/>
+          </a:xfrm>
+        </p:spPr>
+        <p:txBody>
+          <a:bodyPr>
+            <a:normAutofit fontScale="90000"/>
+          </a:bodyPr>
           <a:lstStyle/>
           <a:p>
-            <a:endParaRPr lang="zh-TW" altLang="en-US"/>
-          </a:p>
-        </p:txBody>
-      </p:sp>
-      <p:sp>
-        <p:nvSpPr>
-          <p:cNvPr id="3" name="副標題 2">
+            <a:br>
+              <a:rPr lang="en-US" altLang="zh-TW" dirty="0"/>
+            </a:br>
+            <a:r>
+              <a:rPr lang="zh-TW" altLang="en-US" sz="5400" dirty="0">
+                <a:latin typeface="標楷體" panose="03000509000000000000" pitchFamily="65" charset="-120"/>
+                <a:ea typeface="標楷體" panose="03000509000000000000" pitchFamily="65" charset="-120"/>
+              </a:rPr>
+              <a:t>自我介紹</a:t>
+            </a:r>
+          </a:p>
+        </p:txBody>
+      </p:sp>
+    </p:spTree>
+    <p:extLst>
+      <p:ext uri="{BB962C8B-B14F-4D97-AF65-F5344CB8AC3E}">
+        <p14:creationId xmlns:p14="http://schemas.microsoft.com/office/powerpoint/2010/main" val="1499579997"/>
+      </p:ext>
+    </p:extLst>
+  </p:cSld>
+  <p:clrMapOvr>
+    <a:masterClrMapping/>
+  </p:clrMapOvr>
+</p:sld>
+</file>
+
+<file path=ppt/slides/slide2.xml><?xml version="1.0" encoding="utf-8"?>
+<p:sld xmlns:a="http://schemas.openxmlformats.org/drawingml/2006/main" xmlns:r="http://schemas.openxmlformats.org/officeDocument/2006/relationships" xmlns:p="http://schemas.openxmlformats.org/presentationml/2006/main">
+  <p:cSld>
+    <p:spTree>
+      <p:nvGrpSpPr>
+        <p:cNvPr id="1" name=""/>
+        <p:cNvGrpSpPr/>
+        <p:nvPr/>
+      </p:nvGrpSpPr>
+      <p:grpSpPr>
+        <a:xfrm>
+          <a:off x="0" y="0"/>
+          <a:ext cx="0" cy="0"/>
+          <a:chOff x="0" y="0"/>
+          <a:chExt cx="0" cy="0"/>
+        </a:xfrm>
+      </p:grpSpPr>
+      <p:sp>
+        <p:nvSpPr>
+          <p:cNvPr id="2" name="標題 1">
             <a:extLst>
               <a:ext uri="{FF2B5EF4-FFF2-40B4-BE49-F238E27FC236}">
-                <a16:creationId xmlns:a16="http://schemas.microsoft.com/office/drawing/2014/main" id="{8C946F38-524D-4B98-B9CB-80AEE57E455A}"/>
+                <a16:creationId xmlns:a16="http://schemas.microsoft.com/office/drawing/2014/main" id="{53D08A76-6CCB-BCDA-A027-3734634D0A38}"/>
               </a:ext>
             </a:extLst>
           </p:cNvPr>
@@ -3359,22 +7324,780 @@
             <a:spLocks noGrp="1"/>
           </p:cNvSpPr>
           <p:nvPr>
-            <p:ph type="subTitle" idx="1"/>
-          </p:nvPr>
-        </p:nvSpPr>
-        <p:spPr/>
-        <p:txBody>
-          <a:bodyPr/>
+            <p:ph type="title"/>
+          </p:nvPr>
+        </p:nvSpPr>
+        <p:spPr>
+          <a:xfrm>
+            <a:off x="266699" y="155576"/>
+            <a:ext cx="1676401" cy="625474"/>
+          </a:xfrm>
+        </p:spPr>
+        <p:txBody>
+          <a:bodyPr>
+            <a:normAutofit/>
+          </a:bodyPr>
           <a:lstStyle/>
           <a:p>
-            <a:endParaRPr lang="zh-TW" altLang="en-US"/>
-          </a:p>
-        </p:txBody>
-      </p:sp>
+            <a:r>
+              <a:rPr lang="en-US" altLang="zh-TW" sz="3200" dirty="0">
+                <a:latin typeface="標楷體" panose="03000509000000000000" pitchFamily="65" charset="-120"/>
+                <a:ea typeface="標楷體" panose="03000509000000000000" pitchFamily="65" charset="-120"/>
+              </a:rPr>
+              <a:t>1.</a:t>
+            </a:r>
+            <a:r>
+              <a:rPr lang="zh-TW" altLang="en-US" sz="3200" dirty="0">
+                <a:latin typeface="標楷體" panose="03000509000000000000" pitchFamily="65" charset="-120"/>
+                <a:ea typeface="標楷體" panose="03000509000000000000" pitchFamily="65" charset="-120"/>
+              </a:rPr>
+              <a:t>目標</a:t>
+            </a:r>
+          </a:p>
+        </p:txBody>
+      </p:sp>
+      <p:pic>
+        <p:nvPicPr>
+          <p:cNvPr id="5" name="圖片 4">
+            <a:extLst>
+              <a:ext uri="{FF2B5EF4-FFF2-40B4-BE49-F238E27FC236}">
+                <a16:creationId xmlns:a16="http://schemas.microsoft.com/office/drawing/2014/main" id="{076D3F7F-C42F-9AB0-5CE9-E7FDDBFB1991}"/>
+              </a:ext>
+            </a:extLst>
+          </p:cNvPr>
+          <p:cNvPicPr>
+            <a:picLocks noChangeAspect="1"/>
+          </p:cNvPicPr>
+          <p:nvPr/>
+        </p:nvPicPr>
+        <p:blipFill>
+          <a:blip r:embed="rId3">
+            <a:extLst>
+              <a:ext uri="{28A0092B-C50C-407E-A947-70E740481C1C}">
+                <a14:useLocalDpi xmlns:a14="http://schemas.microsoft.com/office/drawing/2010/main" val="0"/>
+              </a:ext>
+            </a:extLst>
+          </a:blip>
+          <a:stretch>
+            <a:fillRect/>
+          </a:stretch>
+        </p:blipFill>
+        <p:spPr>
+          <a:xfrm>
+            <a:off x="742950" y="1190625"/>
+            <a:ext cx="5133975" cy="5133975"/>
+          </a:xfrm>
+          <a:prstGeom prst="rect">
+            <a:avLst/>
+          </a:prstGeom>
+        </p:spPr>
+      </p:pic>
     </p:spTree>
     <p:extLst>
       <p:ext uri="{BB962C8B-B14F-4D97-AF65-F5344CB8AC3E}">
-        <p14:creationId xmlns:p14="http://schemas.microsoft.com/office/powerpoint/2010/main" val="1328321055"/>
+        <p14:creationId xmlns:p14="http://schemas.microsoft.com/office/powerpoint/2010/main" val="3458313378"/>
+      </p:ext>
+    </p:extLst>
+  </p:cSld>
+  <p:clrMapOvr>
+    <a:masterClrMapping/>
+  </p:clrMapOvr>
+</p:sld>
+</file>
+
+<file path=ppt/slides/slide3.xml><?xml version="1.0" encoding="utf-8"?>
+<p:sld xmlns:a="http://schemas.openxmlformats.org/drawingml/2006/main" xmlns:r="http://schemas.openxmlformats.org/officeDocument/2006/relationships" xmlns:p="http://schemas.openxmlformats.org/presentationml/2006/main">
+  <p:cSld>
+    <p:spTree>
+      <p:nvGrpSpPr>
+        <p:cNvPr id="1" name="">
+          <a:extLst>
+            <a:ext uri="{FF2B5EF4-FFF2-40B4-BE49-F238E27FC236}">
+              <a16:creationId xmlns:a16="http://schemas.microsoft.com/office/drawing/2014/main" id="{8BBE7EB7-6AD1-D2AA-9405-B9903AC644C2}"/>
+            </a:ext>
+          </a:extLst>
+        </p:cNvPr>
+        <p:cNvGrpSpPr/>
+        <p:nvPr/>
+      </p:nvGrpSpPr>
+      <p:grpSpPr>
+        <a:xfrm>
+          <a:off x="0" y="0"/>
+          <a:ext cx="0" cy="0"/>
+          <a:chOff x="0" y="0"/>
+          <a:chExt cx="0" cy="0"/>
+        </a:xfrm>
+      </p:grpSpPr>
+      <p:sp>
+        <p:nvSpPr>
+          <p:cNvPr id="2" name="標題 1">
+            <a:extLst>
+              <a:ext uri="{FF2B5EF4-FFF2-40B4-BE49-F238E27FC236}">
+                <a16:creationId xmlns:a16="http://schemas.microsoft.com/office/drawing/2014/main" id="{712D9ABC-89D8-864C-4C55-7A505D4BD301}"/>
+              </a:ext>
+            </a:extLst>
+          </p:cNvPr>
+          <p:cNvSpPr>
+            <a:spLocks noGrp="1"/>
+          </p:cNvSpPr>
+          <p:nvPr>
+            <p:ph type="title"/>
+          </p:nvPr>
+        </p:nvSpPr>
+        <p:spPr>
+          <a:xfrm>
+            <a:off x="266699" y="155576"/>
+            <a:ext cx="1676401" cy="625474"/>
+          </a:xfrm>
+        </p:spPr>
+        <p:txBody>
+          <a:bodyPr>
+            <a:normAutofit/>
+          </a:bodyPr>
+          <a:lstStyle/>
+          <a:p>
+            <a:r>
+              <a:rPr lang="en-US" altLang="zh-TW" sz="3200" dirty="0">
+                <a:latin typeface="標楷體" panose="03000509000000000000" pitchFamily="65" charset="-120"/>
+                <a:ea typeface="標楷體" panose="03000509000000000000" pitchFamily="65" charset="-120"/>
+              </a:rPr>
+              <a:t>2.</a:t>
+            </a:r>
+            <a:r>
+              <a:rPr lang="zh-TW" altLang="en-US" sz="3200" dirty="0">
+                <a:latin typeface="標楷體" panose="03000509000000000000" pitchFamily="65" charset="-120"/>
+                <a:ea typeface="標楷體" panose="03000509000000000000" pitchFamily="65" charset="-120"/>
+              </a:rPr>
+              <a:t>阻礙</a:t>
+            </a:r>
+          </a:p>
+        </p:txBody>
+      </p:sp>
+      <p:pic>
+        <p:nvPicPr>
+          <p:cNvPr id="4" name="圖片 3">
+            <a:extLst>
+              <a:ext uri="{FF2B5EF4-FFF2-40B4-BE49-F238E27FC236}">
+                <a16:creationId xmlns:a16="http://schemas.microsoft.com/office/drawing/2014/main" id="{DE7B3A6D-BDE1-7F7D-064E-2594D3F03217}"/>
+              </a:ext>
+            </a:extLst>
+          </p:cNvPr>
+          <p:cNvPicPr>
+            <a:picLocks noChangeAspect="1"/>
+          </p:cNvPicPr>
+          <p:nvPr/>
+        </p:nvPicPr>
+        <p:blipFill>
+          <a:blip r:embed="rId3">
+            <a:extLst>
+              <a:ext uri="{28A0092B-C50C-407E-A947-70E740481C1C}">
+                <a14:useLocalDpi xmlns:a14="http://schemas.microsoft.com/office/drawing/2010/main" val="0"/>
+              </a:ext>
+            </a:extLst>
+          </a:blip>
+          <a:stretch>
+            <a:fillRect/>
+          </a:stretch>
+        </p:blipFill>
+        <p:spPr>
+          <a:xfrm>
+            <a:off x="723901" y="1200151"/>
+            <a:ext cx="5191124" cy="5191124"/>
+          </a:xfrm>
+          <a:prstGeom prst="rect">
+            <a:avLst/>
+          </a:prstGeom>
+        </p:spPr>
+      </p:pic>
+    </p:spTree>
+    <p:extLst>
+      <p:ext uri="{BB962C8B-B14F-4D97-AF65-F5344CB8AC3E}">
+        <p14:creationId xmlns:p14="http://schemas.microsoft.com/office/powerpoint/2010/main" val="3905214676"/>
+      </p:ext>
+    </p:extLst>
+  </p:cSld>
+  <p:clrMapOvr>
+    <a:masterClrMapping/>
+  </p:clrMapOvr>
+</p:sld>
+</file>
+
+<file path=ppt/slides/slide4.xml><?xml version="1.0" encoding="utf-8"?>
+<p:sld xmlns:a="http://schemas.openxmlformats.org/drawingml/2006/main" xmlns:r="http://schemas.openxmlformats.org/officeDocument/2006/relationships" xmlns:p="http://schemas.openxmlformats.org/presentationml/2006/main">
+  <p:cSld>
+    <p:spTree>
+      <p:nvGrpSpPr>
+        <p:cNvPr id="1" name="">
+          <a:extLst>
+            <a:ext uri="{FF2B5EF4-FFF2-40B4-BE49-F238E27FC236}">
+              <a16:creationId xmlns:a16="http://schemas.microsoft.com/office/drawing/2014/main" id="{A6998B89-D572-0DC4-C28C-4A35AF6C873D}"/>
+            </a:ext>
+          </a:extLst>
+        </p:cNvPr>
+        <p:cNvGrpSpPr/>
+        <p:nvPr/>
+      </p:nvGrpSpPr>
+      <p:grpSpPr>
+        <a:xfrm>
+          <a:off x="0" y="0"/>
+          <a:ext cx="0" cy="0"/>
+          <a:chOff x="0" y="0"/>
+          <a:chExt cx="0" cy="0"/>
+        </a:xfrm>
+      </p:grpSpPr>
+      <p:sp>
+        <p:nvSpPr>
+          <p:cNvPr id="2" name="標題 1">
+            <a:extLst>
+              <a:ext uri="{FF2B5EF4-FFF2-40B4-BE49-F238E27FC236}">
+                <a16:creationId xmlns:a16="http://schemas.microsoft.com/office/drawing/2014/main" id="{30E6DA87-8518-18CA-AEEE-3044EEF4B58F}"/>
+              </a:ext>
+            </a:extLst>
+          </p:cNvPr>
+          <p:cNvSpPr>
+            <a:spLocks noGrp="1"/>
+          </p:cNvSpPr>
+          <p:nvPr>
+            <p:ph type="title"/>
+          </p:nvPr>
+        </p:nvSpPr>
+        <p:spPr>
+          <a:xfrm>
+            <a:off x="266699" y="155576"/>
+            <a:ext cx="1676401" cy="625474"/>
+          </a:xfrm>
+        </p:spPr>
+        <p:txBody>
+          <a:bodyPr>
+            <a:normAutofit/>
+          </a:bodyPr>
+          <a:lstStyle/>
+          <a:p>
+            <a:r>
+              <a:rPr lang="en-US" altLang="zh-TW" sz="3200" dirty="0">
+                <a:latin typeface="標楷體" panose="03000509000000000000" pitchFamily="65" charset="-120"/>
+                <a:ea typeface="標楷體" panose="03000509000000000000" pitchFamily="65" charset="-120"/>
+              </a:rPr>
+              <a:t>3.</a:t>
+            </a:r>
+            <a:r>
+              <a:rPr lang="zh-TW" altLang="en-US" sz="3200" dirty="0">
+                <a:latin typeface="標楷體" panose="03000509000000000000" pitchFamily="65" charset="-120"/>
+                <a:ea typeface="標楷體" panose="03000509000000000000" pitchFamily="65" charset="-120"/>
+              </a:rPr>
+              <a:t>努力</a:t>
+            </a:r>
+          </a:p>
+        </p:txBody>
+      </p:sp>
+      <p:pic>
+        <p:nvPicPr>
+          <p:cNvPr id="4" name="圖片 3">
+            <a:extLst>
+              <a:ext uri="{FF2B5EF4-FFF2-40B4-BE49-F238E27FC236}">
+                <a16:creationId xmlns:a16="http://schemas.microsoft.com/office/drawing/2014/main" id="{2D4FFF7A-6047-7AE4-1C10-D05A8A2F9159}"/>
+              </a:ext>
+            </a:extLst>
+          </p:cNvPr>
+          <p:cNvPicPr>
+            <a:picLocks noChangeAspect="1"/>
+          </p:cNvPicPr>
+          <p:nvPr/>
+        </p:nvPicPr>
+        <p:blipFill>
+          <a:blip r:embed="rId3">
+            <a:extLst>
+              <a:ext uri="{28A0092B-C50C-407E-A947-70E740481C1C}">
+                <a14:useLocalDpi xmlns:a14="http://schemas.microsoft.com/office/drawing/2010/main" val="0"/>
+              </a:ext>
+            </a:extLst>
+          </a:blip>
+          <a:stretch>
+            <a:fillRect/>
+          </a:stretch>
+        </p:blipFill>
+        <p:spPr>
+          <a:xfrm>
+            <a:off x="746126" y="1181100"/>
+            <a:ext cx="5273674" cy="5273674"/>
+          </a:xfrm>
+          <a:prstGeom prst="rect">
+            <a:avLst/>
+          </a:prstGeom>
+        </p:spPr>
+      </p:pic>
+    </p:spTree>
+    <p:extLst>
+      <p:ext uri="{BB962C8B-B14F-4D97-AF65-F5344CB8AC3E}">
+        <p14:creationId xmlns:p14="http://schemas.microsoft.com/office/powerpoint/2010/main" val="3095892846"/>
+      </p:ext>
+    </p:extLst>
+  </p:cSld>
+  <p:clrMapOvr>
+    <a:masterClrMapping/>
+  </p:clrMapOvr>
+</p:sld>
+</file>
+
+<file path=ppt/slides/slide5.xml><?xml version="1.0" encoding="utf-8"?>
+<p:sld xmlns:a="http://schemas.openxmlformats.org/drawingml/2006/main" xmlns:r="http://schemas.openxmlformats.org/officeDocument/2006/relationships" xmlns:p="http://schemas.openxmlformats.org/presentationml/2006/main">
+  <p:cSld>
+    <p:spTree>
+      <p:nvGrpSpPr>
+        <p:cNvPr id="1" name="">
+          <a:extLst>
+            <a:ext uri="{FF2B5EF4-FFF2-40B4-BE49-F238E27FC236}">
+              <a16:creationId xmlns:a16="http://schemas.microsoft.com/office/drawing/2014/main" id="{1EB2288E-3356-1FFF-6FEE-9DFD55B80D51}"/>
+            </a:ext>
+          </a:extLst>
+        </p:cNvPr>
+        <p:cNvGrpSpPr/>
+        <p:nvPr/>
+      </p:nvGrpSpPr>
+      <p:grpSpPr>
+        <a:xfrm>
+          <a:off x="0" y="0"/>
+          <a:ext cx="0" cy="0"/>
+          <a:chOff x="0" y="0"/>
+          <a:chExt cx="0" cy="0"/>
+        </a:xfrm>
+      </p:grpSpPr>
+      <p:sp>
+        <p:nvSpPr>
+          <p:cNvPr id="2" name="標題 1">
+            <a:extLst>
+              <a:ext uri="{FF2B5EF4-FFF2-40B4-BE49-F238E27FC236}">
+                <a16:creationId xmlns:a16="http://schemas.microsoft.com/office/drawing/2014/main" id="{10C08477-E639-8955-9695-8FF97C790E14}"/>
+              </a:ext>
+            </a:extLst>
+          </p:cNvPr>
+          <p:cNvSpPr>
+            <a:spLocks noGrp="1"/>
+          </p:cNvSpPr>
+          <p:nvPr>
+            <p:ph type="title"/>
+          </p:nvPr>
+        </p:nvSpPr>
+        <p:spPr>
+          <a:xfrm>
+            <a:off x="266699" y="155576"/>
+            <a:ext cx="1676401" cy="625474"/>
+          </a:xfrm>
+        </p:spPr>
+        <p:txBody>
+          <a:bodyPr>
+            <a:normAutofit/>
+          </a:bodyPr>
+          <a:lstStyle/>
+          <a:p>
+            <a:r>
+              <a:rPr lang="en-US" altLang="zh-TW" sz="3200" dirty="0">
+                <a:latin typeface="標楷體" panose="03000509000000000000" pitchFamily="65" charset="-120"/>
+                <a:ea typeface="標楷體" panose="03000509000000000000" pitchFamily="65" charset="-120"/>
+              </a:rPr>
+              <a:t>4.</a:t>
+            </a:r>
+            <a:r>
+              <a:rPr lang="zh-TW" altLang="en-US" sz="3200" dirty="0">
+                <a:latin typeface="標楷體" panose="03000509000000000000" pitchFamily="65" charset="-120"/>
+                <a:ea typeface="標楷體" panose="03000509000000000000" pitchFamily="65" charset="-120"/>
+              </a:rPr>
+              <a:t>結果</a:t>
+            </a:r>
+          </a:p>
+        </p:txBody>
+      </p:sp>
+      <p:pic>
+        <p:nvPicPr>
+          <p:cNvPr id="4" name="圖片 3">
+            <a:extLst>
+              <a:ext uri="{FF2B5EF4-FFF2-40B4-BE49-F238E27FC236}">
+                <a16:creationId xmlns:a16="http://schemas.microsoft.com/office/drawing/2014/main" id="{0BD73344-B1B7-2FA1-816A-D41CE10F5C61}"/>
+              </a:ext>
+            </a:extLst>
+          </p:cNvPr>
+          <p:cNvPicPr>
+            <a:picLocks noChangeAspect="1"/>
+          </p:cNvPicPr>
+          <p:nvPr/>
+        </p:nvPicPr>
+        <p:blipFill>
+          <a:blip r:embed="rId3">
+            <a:extLst>
+              <a:ext uri="{28A0092B-C50C-407E-A947-70E740481C1C}">
+                <a14:useLocalDpi xmlns:a14="http://schemas.microsoft.com/office/drawing/2010/main" val="0"/>
+              </a:ext>
+            </a:extLst>
+          </a:blip>
+          <a:stretch>
+            <a:fillRect/>
+          </a:stretch>
+        </p:blipFill>
+        <p:spPr>
+          <a:xfrm>
+            <a:off x="847725" y="1123950"/>
+            <a:ext cx="5124450" cy="5124450"/>
+          </a:xfrm>
+          <a:prstGeom prst="rect">
+            <a:avLst/>
+          </a:prstGeom>
+        </p:spPr>
+      </p:pic>
+    </p:spTree>
+    <p:extLst>
+      <p:ext uri="{BB962C8B-B14F-4D97-AF65-F5344CB8AC3E}">
+        <p14:creationId xmlns:p14="http://schemas.microsoft.com/office/powerpoint/2010/main" val="2960571308"/>
+      </p:ext>
+    </p:extLst>
+  </p:cSld>
+  <p:clrMapOvr>
+    <a:masterClrMapping/>
+  </p:clrMapOvr>
+</p:sld>
+</file>
+
+<file path=ppt/slides/slide6.xml><?xml version="1.0" encoding="utf-8"?>
+<p:sld xmlns:a="http://schemas.openxmlformats.org/drawingml/2006/main" xmlns:r="http://schemas.openxmlformats.org/officeDocument/2006/relationships" xmlns:p="http://schemas.openxmlformats.org/presentationml/2006/main">
+  <p:cSld>
+    <p:spTree>
+      <p:nvGrpSpPr>
+        <p:cNvPr id="1" name="">
+          <a:extLst>
+            <a:ext uri="{FF2B5EF4-FFF2-40B4-BE49-F238E27FC236}">
+              <a16:creationId xmlns:a16="http://schemas.microsoft.com/office/drawing/2014/main" id="{31DC0C3A-C2B5-4320-086D-95C9CFEE5420}"/>
+            </a:ext>
+          </a:extLst>
+        </p:cNvPr>
+        <p:cNvGrpSpPr/>
+        <p:nvPr/>
+      </p:nvGrpSpPr>
+      <p:grpSpPr>
+        <a:xfrm>
+          <a:off x="0" y="0"/>
+          <a:ext cx="0" cy="0"/>
+          <a:chOff x="0" y="0"/>
+          <a:chExt cx="0" cy="0"/>
+        </a:xfrm>
+      </p:grpSpPr>
+      <p:sp>
+        <p:nvSpPr>
+          <p:cNvPr id="2" name="標題 1">
+            <a:extLst>
+              <a:ext uri="{FF2B5EF4-FFF2-40B4-BE49-F238E27FC236}">
+                <a16:creationId xmlns:a16="http://schemas.microsoft.com/office/drawing/2014/main" id="{B4B8C6B1-F680-A183-0CB7-F76C4830B670}"/>
+              </a:ext>
+            </a:extLst>
+          </p:cNvPr>
+          <p:cNvSpPr>
+            <a:spLocks noGrp="1"/>
+          </p:cNvSpPr>
+          <p:nvPr>
+            <p:ph type="title"/>
+          </p:nvPr>
+        </p:nvSpPr>
+        <p:spPr>
+          <a:xfrm>
+            <a:off x="266699" y="155576"/>
+            <a:ext cx="1676401" cy="625474"/>
+          </a:xfrm>
+        </p:spPr>
+        <p:txBody>
+          <a:bodyPr>
+            <a:normAutofit/>
+          </a:bodyPr>
+          <a:lstStyle/>
+          <a:p>
+            <a:r>
+              <a:rPr lang="en-US" altLang="zh-TW" sz="3200" dirty="0">
+                <a:latin typeface="標楷體" panose="03000509000000000000" pitchFamily="65" charset="-120"/>
+                <a:ea typeface="標楷體" panose="03000509000000000000" pitchFamily="65" charset="-120"/>
+              </a:rPr>
+              <a:t>5.</a:t>
+            </a:r>
+            <a:r>
+              <a:rPr lang="zh-TW" altLang="en-US" sz="3200" dirty="0">
+                <a:latin typeface="標楷體" panose="03000509000000000000" pitchFamily="65" charset="-120"/>
+                <a:ea typeface="標楷體" panose="03000509000000000000" pitchFamily="65" charset="-120"/>
+              </a:rPr>
+              <a:t>意外</a:t>
+            </a:r>
+          </a:p>
+        </p:txBody>
+      </p:sp>
+      <p:pic>
+        <p:nvPicPr>
+          <p:cNvPr id="4" name="圖片 3">
+            <a:extLst>
+              <a:ext uri="{FF2B5EF4-FFF2-40B4-BE49-F238E27FC236}">
+                <a16:creationId xmlns:a16="http://schemas.microsoft.com/office/drawing/2014/main" id="{DEF72C8C-A50A-ACBB-8D6D-A58725617A36}"/>
+              </a:ext>
+            </a:extLst>
+          </p:cNvPr>
+          <p:cNvPicPr>
+            <a:picLocks noChangeAspect="1"/>
+          </p:cNvPicPr>
+          <p:nvPr/>
+        </p:nvPicPr>
+        <p:blipFill>
+          <a:blip r:embed="rId3">
+            <a:extLst>
+              <a:ext uri="{28A0092B-C50C-407E-A947-70E740481C1C}">
+                <a14:useLocalDpi xmlns:a14="http://schemas.microsoft.com/office/drawing/2010/main" val="0"/>
+              </a:ext>
+            </a:extLst>
+          </a:blip>
+          <a:stretch>
+            <a:fillRect/>
+          </a:stretch>
+        </p:blipFill>
+        <p:spPr>
+          <a:xfrm>
+            <a:off x="762000" y="1238250"/>
+            <a:ext cx="4953000" cy="4953000"/>
+          </a:xfrm>
+          <a:prstGeom prst="rect">
+            <a:avLst/>
+          </a:prstGeom>
+        </p:spPr>
+      </p:pic>
+    </p:spTree>
+    <p:extLst>
+      <p:ext uri="{BB962C8B-B14F-4D97-AF65-F5344CB8AC3E}">
+        <p14:creationId xmlns:p14="http://schemas.microsoft.com/office/powerpoint/2010/main" val="4186524382"/>
+      </p:ext>
+    </p:extLst>
+  </p:cSld>
+  <p:clrMapOvr>
+    <a:masterClrMapping/>
+  </p:clrMapOvr>
+</p:sld>
+</file>
+
+<file path=ppt/slides/slide7.xml><?xml version="1.0" encoding="utf-8"?>
+<p:sld xmlns:a="http://schemas.openxmlformats.org/drawingml/2006/main" xmlns:r="http://schemas.openxmlformats.org/officeDocument/2006/relationships" xmlns:p="http://schemas.openxmlformats.org/presentationml/2006/main">
+  <p:cSld>
+    <p:spTree>
+      <p:nvGrpSpPr>
+        <p:cNvPr id="1" name="">
+          <a:extLst>
+            <a:ext uri="{FF2B5EF4-FFF2-40B4-BE49-F238E27FC236}">
+              <a16:creationId xmlns:a16="http://schemas.microsoft.com/office/drawing/2014/main" id="{F9B612B9-6F33-2B81-C7D1-AE2B2D7ED740}"/>
+            </a:ext>
+          </a:extLst>
+        </p:cNvPr>
+        <p:cNvGrpSpPr/>
+        <p:nvPr/>
+      </p:nvGrpSpPr>
+      <p:grpSpPr>
+        <a:xfrm>
+          <a:off x="0" y="0"/>
+          <a:ext cx="0" cy="0"/>
+          <a:chOff x="0" y="0"/>
+          <a:chExt cx="0" cy="0"/>
+        </a:xfrm>
+      </p:grpSpPr>
+      <p:sp>
+        <p:nvSpPr>
+          <p:cNvPr id="2" name="標題 1">
+            <a:extLst>
+              <a:ext uri="{FF2B5EF4-FFF2-40B4-BE49-F238E27FC236}">
+                <a16:creationId xmlns:a16="http://schemas.microsoft.com/office/drawing/2014/main" id="{77625F73-65C7-2638-72F1-816E1177D7F4}"/>
+              </a:ext>
+            </a:extLst>
+          </p:cNvPr>
+          <p:cNvSpPr>
+            <a:spLocks noGrp="1"/>
+          </p:cNvSpPr>
+          <p:nvPr>
+            <p:ph type="title"/>
+          </p:nvPr>
+        </p:nvSpPr>
+        <p:spPr>
+          <a:xfrm>
+            <a:off x="266699" y="155576"/>
+            <a:ext cx="1676401" cy="625474"/>
+          </a:xfrm>
+        </p:spPr>
+        <p:txBody>
+          <a:bodyPr>
+            <a:normAutofit/>
+          </a:bodyPr>
+          <a:lstStyle/>
+          <a:p>
+            <a:r>
+              <a:rPr lang="en-US" altLang="zh-TW" sz="3200" dirty="0">
+                <a:latin typeface="標楷體" panose="03000509000000000000" pitchFamily="65" charset="-120"/>
+                <a:ea typeface="標楷體" panose="03000509000000000000" pitchFamily="65" charset="-120"/>
+              </a:rPr>
+              <a:t>6.</a:t>
+            </a:r>
+            <a:r>
+              <a:rPr lang="zh-TW" altLang="en-US" sz="3200" dirty="0">
+                <a:latin typeface="標楷體" panose="03000509000000000000" pitchFamily="65" charset="-120"/>
+                <a:ea typeface="標楷體" panose="03000509000000000000" pitchFamily="65" charset="-120"/>
+              </a:rPr>
+              <a:t>轉彎</a:t>
+            </a:r>
+          </a:p>
+        </p:txBody>
+      </p:sp>
+      <p:pic>
+        <p:nvPicPr>
+          <p:cNvPr id="4" name="圖片 3">
+            <a:extLst>
+              <a:ext uri="{FF2B5EF4-FFF2-40B4-BE49-F238E27FC236}">
+                <a16:creationId xmlns:a16="http://schemas.microsoft.com/office/drawing/2014/main" id="{C287A9C9-902B-2D77-569A-BD320BF0F48B}"/>
+              </a:ext>
+            </a:extLst>
+          </p:cNvPr>
+          <p:cNvPicPr>
+            <a:picLocks noChangeAspect="1"/>
+          </p:cNvPicPr>
+          <p:nvPr/>
+        </p:nvPicPr>
+        <p:blipFill>
+          <a:blip r:embed="rId3">
+            <a:extLst>
+              <a:ext uri="{28A0092B-C50C-407E-A947-70E740481C1C}">
+                <a14:useLocalDpi xmlns:a14="http://schemas.microsoft.com/office/drawing/2010/main" val="0"/>
+              </a:ext>
+            </a:extLst>
+          </a:blip>
+          <a:stretch>
+            <a:fillRect/>
+          </a:stretch>
+        </p:blipFill>
+        <p:spPr>
+          <a:xfrm>
+            <a:off x="723900" y="1200150"/>
+            <a:ext cx="5133975" cy="5133975"/>
+          </a:xfrm>
+          <a:prstGeom prst="rect">
+            <a:avLst/>
+          </a:prstGeom>
+        </p:spPr>
+      </p:pic>
+    </p:spTree>
+    <p:extLst>
+      <p:ext uri="{BB962C8B-B14F-4D97-AF65-F5344CB8AC3E}">
+        <p14:creationId xmlns:p14="http://schemas.microsoft.com/office/powerpoint/2010/main" val="4276279777"/>
+      </p:ext>
+    </p:extLst>
+  </p:cSld>
+  <p:clrMapOvr>
+    <a:masterClrMapping/>
+  </p:clrMapOvr>
+</p:sld>
+</file>
+
+<file path=ppt/slides/slide8.xml><?xml version="1.0" encoding="utf-8"?>
+<p:sld xmlns:a="http://schemas.openxmlformats.org/drawingml/2006/main" xmlns:r="http://schemas.openxmlformats.org/officeDocument/2006/relationships" xmlns:p="http://schemas.openxmlformats.org/presentationml/2006/main">
+  <p:cSld>
+    <p:spTree>
+      <p:nvGrpSpPr>
+        <p:cNvPr id="1" name="">
+          <a:extLst>
+            <a:ext uri="{FF2B5EF4-FFF2-40B4-BE49-F238E27FC236}">
+              <a16:creationId xmlns:a16="http://schemas.microsoft.com/office/drawing/2014/main" id="{BED90369-4507-0188-36B7-CF1A653FFF3A}"/>
+            </a:ext>
+          </a:extLst>
+        </p:cNvPr>
+        <p:cNvGrpSpPr/>
+        <p:nvPr/>
+      </p:nvGrpSpPr>
+      <p:grpSpPr>
+        <a:xfrm>
+          <a:off x="0" y="0"/>
+          <a:ext cx="0" cy="0"/>
+          <a:chOff x="0" y="0"/>
+          <a:chExt cx="0" cy="0"/>
+        </a:xfrm>
+      </p:grpSpPr>
+      <p:sp>
+        <p:nvSpPr>
+          <p:cNvPr id="2" name="標題 1">
+            <a:extLst>
+              <a:ext uri="{FF2B5EF4-FFF2-40B4-BE49-F238E27FC236}">
+                <a16:creationId xmlns:a16="http://schemas.microsoft.com/office/drawing/2014/main" id="{C65675A0-DE9E-803E-A7C2-3D7D0AA6919F}"/>
+              </a:ext>
+            </a:extLst>
+          </p:cNvPr>
+          <p:cNvSpPr>
+            <a:spLocks noGrp="1"/>
+          </p:cNvSpPr>
+          <p:nvPr>
+            <p:ph type="title"/>
+          </p:nvPr>
+        </p:nvSpPr>
+        <p:spPr>
+          <a:xfrm>
+            <a:off x="266699" y="155576"/>
+            <a:ext cx="1676401" cy="625474"/>
+          </a:xfrm>
+        </p:spPr>
+        <p:txBody>
+          <a:bodyPr>
+            <a:normAutofit/>
+          </a:bodyPr>
+          <a:lstStyle/>
+          <a:p>
+            <a:r>
+              <a:rPr lang="en-US" altLang="zh-TW" sz="3200" dirty="0">
+                <a:latin typeface="標楷體" panose="03000509000000000000" pitchFamily="65" charset="-120"/>
+                <a:ea typeface="標楷體" panose="03000509000000000000" pitchFamily="65" charset="-120"/>
+              </a:rPr>
+              <a:t>7. </a:t>
+            </a:r>
+            <a:r>
+              <a:rPr lang="zh-TW" altLang="en-US" sz="3200" dirty="0">
+                <a:latin typeface="標楷體" panose="03000509000000000000" pitchFamily="65" charset="-120"/>
+                <a:ea typeface="標楷體" panose="03000509000000000000" pitchFamily="65" charset="-120"/>
+              </a:rPr>
+              <a:t>結局</a:t>
+            </a:r>
+          </a:p>
+        </p:txBody>
+      </p:sp>
+      <p:pic>
+        <p:nvPicPr>
+          <p:cNvPr id="4" name="圖片 3">
+            <a:extLst>
+              <a:ext uri="{FF2B5EF4-FFF2-40B4-BE49-F238E27FC236}">
+                <a16:creationId xmlns:a16="http://schemas.microsoft.com/office/drawing/2014/main" id="{C9B42827-1D23-4F4F-EECD-1ADFCC42B7D5}"/>
+              </a:ext>
+            </a:extLst>
+          </p:cNvPr>
+          <p:cNvPicPr>
+            <a:picLocks noChangeAspect="1"/>
+          </p:cNvPicPr>
+          <p:nvPr/>
+        </p:nvPicPr>
+        <p:blipFill>
+          <a:blip r:embed="rId3">
+            <a:extLst>
+              <a:ext uri="{28A0092B-C50C-407E-A947-70E740481C1C}">
+                <a14:useLocalDpi xmlns:a14="http://schemas.microsoft.com/office/drawing/2010/main" val="0"/>
+              </a:ext>
+            </a:extLst>
+          </a:blip>
+          <a:stretch>
+            <a:fillRect/>
+          </a:stretch>
+        </p:blipFill>
+        <p:spPr>
+          <a:xfrm>
+            <a:off x="933450" y="1200150"/>
+            <a:ext cx="5048250" cy="5048250"/>
+          </a:xfrm>
+          <a:prstGeom prst="rect">
+            <a:avLst/>
+          </a:prstGeom>
+        </p:spPr>
+      </p:pic>
+    </p:spTree>
+    <p:extLst>
+      <p:ext uri="{BB962C8B-B14F-4D97-AF65-F5344CB8AC3E}">
+        <p14:creationId xmlns:p14="http://schemas.microsoft.com/office/powerpoint/2010/main" val="158038747"/>
       </p:ext>
     </p:extLst>
   </p:cSld>
@@ -3385,6 +8108,272 @@
 </file>
 
 <file path=ppt/theme/theme1.xml><?xml version="1.0" encoding="utf-8"?>
+<a:theme xmlns:a="http://schemas.openxmlformats.org/drawingml/2006/main" name="離子">
+  <a:themeElements>
+    <a:clrScheme name="離子">
+      <a:dk1>
+        <a:sysClr val="windowText" lastClr="000000"/>
+      </a:dk1>
+      <a:lt1>
+        <a:sysClr val="window" lastClr="FFFFFF"/>
+      </a:lt1>
+      <a:dk2>
+        <a:srgbClr val="1E5155"/>
+      </a:dk2>
+      <a:lt2>
+        <a:srgbClr val="EBEBEB"/>
+      </a:lt2>
+      <a:accent1>
+        <a:srgbClr val="B01513"/>
+      </a:accent1>
+      <a:accent2>
+        <a:srgbClr val="EA6312"/>
+      </a:accent2>
+      <a:accent3>
+        <a:srgbClr val="E6B729"/>
+      </a:accent3>
+      <a:accent4>
+        <a:srgbClr val="6AAC90"/>
+      </a:accent4>
+      <a:accent5>
+        <a:srgbClr val="54849A"/>
+      </a:accent5>
+      <a:accent6>
+        <a:srgbClr val="9E5E9B"/>
+      </a:accent6>
+      <a:hlink>
+        <a:srgbClr val="58C1BA"/>
+      </a:hlink>
+      <a:folHlink>
+        <a:srgbClr val="9DFFCB"/>
+      </a:folHlink>
+    </a:clrScheme>
+    <a:fontScheme name="離子">
+      <a:majorFont>
+        <a:latin typeface="Century Gothic" panose="020B0502020202020204"/>
+        <a:ea typeface=""/>
+        <a:cs typeface=""/>
+        <a:font script="Jpan" typeface="メイリオ"/>
+        <a:font script="Hang" typeface="맑은 고딕"/>
+        <a:font script="Hans" typeface="宋体"/>
+        <a:font script="Hant" typeface="新細明體"/>
+        <a:font script="Arab" typeface="Times New Roman"/>
+        <a:font script="Hebr" typeface="Times New Roman"/>
+        <a:font script="Thai" typeface="Angsana New"/>
+        <a:font script="Ethi" typeface="Nyala"/>
+        <a:font script="Beng" typeface="Vrinda"/>
+        <a:font script="Gujr" typeface="Shruti"/>
+        <a:font script="Khmr" typeface="MoolBoran"/>
+        <a:font script="Knda" typeface="Tunga"/>
+        <a:font script="Guru" typeface="Raavi"/>
+        <a:font script="Cans" typeface="Euphemia"/>
+        <a:font script="Cher" typeface="Plantagenet Cherokee"/>
+        <a:font script="Yiii" typeface="Microsoft Yi Baiti"/>
+        <a:font script="Tibt" typeface="Microsoft Himalaya"/>
+        <a:font script="Thaa" typeface="MV Boli"/>
+        <a:font script="Deva" typeface="Mangal"/>
+        <a:font script="Telu" typeface="Gautami"/>
+        <a:font script="Taml" typeface="Latha"/>
+        <a:font script="Syrc" typeface="Estrangelo Edessa"/>
+        <a:font script="Orya" typeface="Kalinga"/>
+        <a:font script="Mlym" typeface="Kartika"/>
+        <a:font script="Laoo" typeface="DokChampa"/>
+        <a:font script="Sinh" typeface="Iskoola Pota"/>
+        <a:font script="Mong" typeface="Mongolian Baiti"/>
+        <a:font script="Viet" typeface="Times New Roman"/>
+        <a:font script="Uigh" typeface="Microsoft Uighur"/>
+        <a:font script="Geor" typeface="Sylfaen"/>
+      </a:majorFont>
+      <a:minorFont>
+        <a:latin typeface="Century Gothic" panose="020B0502020202020204"/>
+        <a:ea typeface=""/>
+        <a:cs typeface=""/>
+        <a:font script="Jpan" typeface="メイリオ"/>
+        <a:font script="Hang" typeface="맑은 고딕"/>
+        <a:font script="Hans" typeface="宋体"/>
+        <a:font script="Hant" typeface="新細明體"/>
+        <a:font script="Arab" typeface="Arial"/>
+        <a:font script="Hebr" typeface="Arial"/>
+        <a:font script="Thai" typeface="Cordia New"/>
+        <a:font script="Ethi" typeface="Nyala"/>
+        <a:font script="Beng" typeface="Vrinda"/>
+        <a:font script="Gujr" typeface="Shruti"/>
+        <a:font script="Khmr" typeface="DaunPenh"/>
+        <a:font script="Knda" typeface="Tunga"/>
+        <a:font script="Guru" typeface="Raavi"/>
+        <a:font script="Cans" typeface="Euphemia"/>
+        <a:font script="Cher" typeface="Plantagenet Cherokee"/>
+        <a:font script="Yiii" typeface="Microsoft Yi Baiti"/>
+        <a:font script="Tibt" typeface="Microsoft Himalaya"/>
+        <a:font script="Thaa" typeface="MV Boli"/>
+        <a:font script="Deva" typeface="Mangal"/>
+        <a:font script="Telu" typeface="Gautami"/>
+        <a:font script="Taml" typeface="Latha"/>
+        <a:font script="Syrc" typeface="Estrangelo Edessa"/>
+        <a:font script="Orya" typeface="Kalinga"/>
+        <a:font script="Mlym" typeface="Kartika"/>
+        <a:font script="Laoo" typeface="DokChampa"/>
+        <a:font script="Sinh" typeface="Iskoola Pota"/>
+        <a:font script="Mong" typeface="Mongolian Baiti"/>
+        <a:font script="Viet" typeface="Arial"/>
+        <a:font script="Uigh" typeface="Microsoft Uighur"/>
+        <a:font script="Geor" typeface="Sylfaen"/>
+      </a:minorFont>
+    </a:fontScheme>
+    <a:fmtScheme name="離子">
+      <a:fillStyleLst>
+        <a:solidFill>
+          <a:schemeClr val="phClr"/>
+        </a:solidFill>
+        <a:gradFill rotWithShape="1">
+          <a:gsLst>
+            <a:gs pos="0">
+              <a:schemeClr val="phClr">
+                <a:tint val="64000"/>
+                <a:lumMod val="118000"/>
+              </a:schemeClr>
+            </a:gs>
+            <a:gs pos="100000">
+              <a:schemeClr val="phClr">
+                <a:tint val="92000"/>
+                <a:alpha val="100000"/>
+                <a:lumMod val="110000"/>
+              </a:schemeClr>
+            </a:gs>
+          </a:gsLst>
+          <a:lin ang="5400000" scaled="0"/>
+        </a:gradFill>
+        <a:gradFill rotWithShape="1">
+          <a:gsLst>
+            <a:gs pos="0">
+              <a:schemeClr val="phClr">
+                <a:tint val="98000"/>
+                <a:lumMod val="114000"/>
+              </a:schemeClr>
+            </a:gs>
+            <a:gs pos="100000">
+              <a:schemeClr val="phClr">
+                <a:shade val="90000"/>
+                <a:lumMod val="84000"/>
+              </a:schemeClr>
+            </a:gs>
+          </a:gsLst>
+          <a:lin ang="5400000" scaled="0"/>
+        </a:gradFill>
+      </a:fillStyleLst>
+      <a:lnStyleLst>
+        <a:ln w="9525" cap="rnd" cmpd="sng" algn="ctr">
+          <a:solidFill>
+            <a:schemeClr val="phClr"/>
+          </a:solidFill>
+          <a:prstDash val="solid"/>
+        </a:ln>
+        <a:ln w="19050" cap="rnd" cmpd="sng" algn="ctr">
+          <a:solidFill>
+            <a:schemeClr val="phClr"/>
+          </a:solidFill>
+          <a:prstDash val="solid"/>
+        </a:ln>
+        <a:ln w="28575" cap="rnd" cmpd="sng" algn="ctr">
+          <a:solidFill>
+            <a:schemeClr val="phClr"/>
+          </a:solidFill>
+          <a:prstDash val="solid"/>
+        </a:ln>
+      </a:lnStyleLst>
+      <a:effectStyleLst>
+        <a:effectStyle>
+          <a:effectLst/>
+        </a:effectStyle>
+        <a:effectStyle>
+          <a:effectLst>
+            <a:outerShdw blurRad="38100" dist="25400" dir="5400000" rotWithShape="0">
+              <a:srgbClr val="000000">
+                <a:alpha val="45000"/>
+              </a:srgbClr>
+            </a:outerShdw>
+          </a:effectLst>
+        </a:effectStyle>
+        <a:effectStyle>
+          <a:effectLst>
+            <a:outerShdw blurRad="63500" dist="38100" dir="5400000" rotWithShape="0">
+              <a:srgbClr val="000000">
+                <a:alpha val="60000"/>
+              </a:srgbClr>
+            </a:outerShdw>
+          </a:effectLst>
+          <a:scene3d>
+            <a:camera prst="orthographicFront">
+              <a:rot lat="0" lon="0" rev="0"/>
+            </a:camera>
+            <a:lightRig rig="threePt" dir="tl"/>
+          </a:scene3d>
+          <a:sp3d prstMaterial="plastic">
+            <a:bevelT w="0" h="0"/>
+          </a:sp3d>
+        </a:effectStyle>
+      </a:effectStyleLst>
+      <a:bgFillStyleLst>
+        <a:solidFill>
+          <a:schemeClr val="phClr"/>
+        </a:solidFill>
+        <a:gradFill rotWithShape="1">
+          <a:gsLst>
+            <a:gs pos="0">
+              <a:schemeClr val="phClr">
+                <a:tint val="97000"/>
+                <a:hueMod val="88000"/>
+                <a:satMod val="130000"/>
+                <a:lumMod val="124000"/>
+              </a:schemeClr>
+            </a:gs>
+            <a:gs pos="100000">
+              <a:schemeClr val="phClr">
+                <a:tint val="96000"/>
+                <a:shade val="88000"/>
+                <a:hueMod val="108000"/>
+                <a:satMod val="164000"/>
+                <a:lumMod val="76000"/>
+              </a:schemeClr>
+            </a:gs>
+          </a:gsLst>
+          <a:path path="circle">
+            <a:fillToRect l="45000" t="65000" r="125000" b="100000"/>
+          </a:path>
+        </a:gradFill>
+        <a:blipFill rotWithShape="1">
+          <a:blip xmlns:r="http://schemas.openxmlformats.org/officeDocument/2006/relationships" r:embed="rId1">
+            <a:duotone>
+              <a:schemeClr val="phClr">
+                <a:shade val="69000"/>
+                <a:hueMod val="108000"/>
+                <a:satMod val="164000"/>
+                <a:lumMod val="74000"/>
+              </a:schemeClr>
+              <a:schemeClr val="phClr">
+                <a:tint val="96000"/>
+                <a:hueMod val="88000"/>
+                <a:satMod val="140000"/>
+                <a:lumMod val="132000"/>
+              </a:schemeClr>
+            </a:duotone>
+          </a:blip>
+          <a:stretch/>
+        </a:blipFill>
+      </a:bgFillStyleLst>
+    </a:fmtScheme>
+  </a:themeElements>
+  <a:objectDefaults/>
+  <a:extraClrSchemeLst/>
+  <a:extLst>
+    <a:ext uri="{05A4C25C-085E-4340-85A3-A5531E510DB2}">
+      <thm15:themeFamily xmlns:thm15="http://schemas.microsoft.com/office/thememl/2012/main" name="Ion" id="{B8441ADB-2E43-4AF7-B97A-BD870242C6A8}" vid="{292E63A9-BB86-4E3D-B92A-7223C6510D2E}"/>
+    </a:ext>
+  </a:extLst>
+</a:theme>
+</file>
+
+<file path=ppt/theme/theme2.xml><?xml version="1.0" encoding="utf-8"?>
 <a:theme xmlns:a="http://schemas.openxmlformats.org/drawingml/2006/main" name="Office 佈景主題">
   <a:themeElements>
     <a:clrScheme name="Office">
